--- a/Lectures/16-interpretability-part-1.pptx
+++ b/Lectures/16-interpretability-part-1.pptx
@@ -5,7 +5,7 @@
     <p:sldMasterId id="2147483648" r:id="rId1"/>
   </p:sldMasterIdLst>
   <p:notesMasterIdLst>
-    <p:notesMasterId r:id="rId28"/>
+    <p:notesMasterId r:id="rId31"/>
   </p:notesMasterIdLst>
   <p:sldIdLst>
     <p:sldId id="256" r:id="rId2"/>
@@ -19,21 +19,24 @@
     <p:sldId id="263" r:id="rId10"/>
     <p:sldId id="264" r:id="rId11"/>
     <p:sldId id="265" r:id="rId12"/>
-    <p:sldId id="266" r:id="rId13"/>
-    <p:sldId id="267" r:id="rId14"/>
-    <p:sldId id="270" r:id="rId15"/>
-    <p:sldId id="271" r:id="rId16"/>
-    <p:sldId id="272" r:id="rId17"/>
-    <p:sldId id="273" r:id="rId18"/>
-    <p:sldId id="274" r:id="rId19"/>
-    <p:sldId id="275" r:id="rId20"/>
-    <p:sldId id="500" r:id="rId21"/>
-    <p:sldId id="276" r:id="rId22"/>
-    <p:sldId id="277" r:id="rId23"/>
-    <p:sldId id="278" r:id="rId24"/>
-    <p:sldId id="279" r:id="rId25"/>
-    <p:sldId id="280" r:id="rId26"/>
-    <p:sldId id="516" r:id="rId27"/>
+    <p:sldId id="525" r:id="rId13"/>
+    <p:sldId id="266" r:id="rId14"/>
+    <p:sldId id="267" r:id="rId15"/>
+    <p:sldId id="270" r:id="rId16"/>
+    <p:sldId id="271" r:id="rId17"/>
+    <p:sldId id="272" r:id="rId18"/>
+    <p:sldId id="273" r:id="rId19"/>
+    <p:sldId id="274" r:id="rId20"/>
+    <p:sldId id="275" r:id="rId21"/>
+    <p:sldId id="500" r:id="rId22"/>
+    <p:sldId id="527" r:id="rId23"/>
+    <p:sldId id="513" r:id="rId24"/>
+    <p:sldId id="276" r:id="rId25"/>
+    <p:sldId id="277" r:id="rId26"/>
+    <p:sldId id="278" r:id="rId27"/>
+    <p:sldId id="279" r:id="rId28"/>
+    <p:sldId id="280" r:id="rId29"/>
+    <p:sldId id="526" r:id="rId30"/>
   </p:sldIdLst>
   <p:sldSz cx="12192000" cy="6858000"/>
   <p:notesSz cx="6858000" cy="9144000"/>
@@ -271,7 +274,7 @@
       <p15:sldGuideLst xmlns:p15="http://schemas.microsoft.com/office/powerpoint/2012/main"/>
     </p:ext>
     <p:ext uri="http://customooxmlschemas.google.com/">
-      <go:slidesCustomData xmlns:go="http://customooxmlschemas.google.com/" xmlns:p15="http://schemas.microsoft.com/office/powerpoint/2012/main" xmlns:p14="http://schemas.microsoft.com/office/powerpoint/2010/main" xmlns:com="http://schemas.openxmlformats.org/drawingml/2006/compatibility" xmlns:pvml="urn:schemas-microsoft-com:office:powerpoint" xmlns:v="urn:schemas-microsoft-com:vml" xmlns:o="urn:schemas-microsoft-com:office:office" xmlns:dgm="http://schemas.openxmlformats.org/drawingml/2006/diagram" xmlns:c="http://schemas.openxmlformats.org/drawingml/2006/chart" xmlns:mv="urn:schemas-microsoft-com:mac:vml" xmlns:mc="http://schemas.openxmlformats.org/markup-compatibility/2006" xmlns="" r:id="rId32" roundtripDataSignature="AMtx7mhE+28Dr6x2pr2JNXfuZKhsL7KtRg=="/>
+      <go:slidesCustomData xmlns="" xmlns:mc="http://schemas.openxmlformats.org/markup-compatibility/2006" xmlns:mv="urn:schemas-microsoft-com:mac:vml" xmlns:c="http://schemas.openxmlformats.org/drawingml/2006/chart" xmlns:dgm="http://schemas.openxmlformats.org/drawingml/2006/diagram" xmlns:o="urn:schemas-microsoft-com:office:office" xmlns:v="urn:schemas-microsoft-com:vml" xmlns:pvml="urn:schemas-microsoft-com:office:powerpoint" xmlns:com="http://schemas.openxmlformats.org/drawingml/2006/compatibility" xmlns:p14="http://schemas.microsoft.com/office/powerpoint/2010/main" xmlns:p15="http://schemas.microsoft.com/office/powerpoint/2012/main" xmlns:go="http://customooxmlschemas.google.com/" r:id="rId32" roundtripDataSignature="AMtx7mhE+28Dr6x2pr2JNXfuZKhsL7KtRg=="/>
     </p:ext>
   </p:extLst>
 </p:presentation>
@@ -6862,6 +6865,110 @@
   <p:cSld>
     <p:spTree>
       <p:nvGrpSpPr>
+        <p:cNvPr id="1" name="Shape 97"/>
+        <p:cNvGrpSpPr/>
+        <p:nvPr/>
+      </p:nvGrpSpPr>
+      <p:grpSpPr>
+        <a:xfrm>
+          <a:off x="0" y="0"/>
+          <a:ext cx="0" cy="0"/>
+          <a:chOff x="0" y="0"/>
+          <a:chExt cx="0" cy="0"/>
+        </a:xfrm>
+      </p:grpSpPr>
+      <p:sp>
+        <p:nvSpPr>
+          <p:cNvPr id="98" name="Google Shape;98;p29:notes"/>
+          <p:cNvSpPr txBox="1">
+            <a:spLocks noGrp="1"/>
+          </p:cNvSpPr>
+          <p:nvPr>
+            <p:ph type="body" idx="1"/>
+          </p:nvPr>
+        </p:nvSpPr>
+        <p:spPr>
+          <a:xfrm>
+            <a:off x="685800" y="4400550"/>
+            <a:ext cx="5486400" cy="3600450"/>
+          </a:xfrm>
+          <a:prstGeom prst="rect">
+            <a:avLst/>
+          </a:prstGeom>
+        </p:spPr>
+        <p:txBody>
+          <a:bodyPr spcFirstLastPara="1" wrap="square" lIns="91425" tIns="45700" rIns="91425" bIns="45700" anchor="t" anchorCtr="0">
+            <a:noAutofit/>
+          </a:bodyPr>
+          <a:lstStyle/>
+          <a:p>
+            <a:pPr marL="0" lvl="0" indent="0" algn="l" rtl="0">
+              <a:spcBef>
+                <a:spcPts val="0"/>
+              </a:spcBef>
+              <a:spcAft>
+                <a:spcPts val="0"/>
+              </a:spcAft>
+              <a:buNone/>
+            </a:pPr>
+            <a:endParaRPr/>
+          </a:p>
+        </p:txBody>
+      </p:sp>
+      <p:sp>
+        <p:nvSpPr>
+          <p:cNvPr id="99" name="Google Shape;99;p29:notes"/>
+          <p:cNvSpPr>
+            <a:spLocks noGrp="1" noRot="1" noChangeAspect="1"/>
+          </p:cNvSpPr>
+          <p:nvPr>
+            <p:ph type="sldImg" idx="2"/>
+          </p:nvPr>
+        </p:nvSpPr>
+        <p:spPr>
+          <a:xfrm>
+            <a:off x="685800" y="1143000"/>
+            <a:ext cx="5486400" cy="3086100"/>
+          </a:xfrm>
+          <a:custGeom>
+            <a:avLst/>
+            <a:gdLst/>
+            <a:ahLst/>
+            <a:cxnLst/>
+            <a:rect l="l" t="t" r="r" b="b"/>
+            <a:pathLst>
+              <a:path w="120000" h="120000" extrusionOk="0">
+                <a:moveTo>
+                  <a:pt x="0" y="0"/>
+                </a:moveTo>
+                <a:lnTo>
+                  <a:pt x="120000" y="0"/>
+                </a:lnTo>
+                <a:lnTo>
+                  <a:pt x="120000" y="120000"/>
+                </a:lnTo>
+                <a:lnTo>
+                  <a:pt x="0" y="120000"/>
+                </a:lnTo>
+                <a:close/>
+              </a:path>
+            </a:pathLst>
+          </a:custGeom>
+        </p:spPr>
+      </p:sp>
+    </p:spTree>
+  </p:cSld>
+  <p:clrMapOvr>
+    <a:masterClrMapping/>
+  </p:clrMapOvr>
+</p:notes>
+</file>
+
+<file path=ppt/notesSlides/notesSlide11.xml><?xml version="1.0" encoding="utf-8"?>
+<p:notes xmlns:a="http://schemas.openxmlformats.org/drawingml/2006/main" xmlns:r="http://schemas.openxmlformats.org/officeDocument/2006/relationships" xmlns:p="http://schemas.openxmlformats.org/presentationml/2006/main" showMasterSp="0" showMasterPhAnim="0">
+  <p:cSld>
+    <p:spTree>
+      <p:nvGrpSpPr>
         <p:cNvPr id="1" name="Shape 103"/>
         <p:cNvGrpSpPr/>
         <p:nvPr/>
@@ -6994,7 +7101,7 @@
             </a:pPr>
             <a:fld id="{00000000-1234-1234-1234-123412341234}" type="slidenum">
               <a:rPr lang="en-US"/>
-              <a:t>13</a:t>
+              <a:t>14</a:t>
             </a:fld>
             <a:endParaRPr/>
           </a:p>
@@ -7008,7 +7115,7 @@
 </p:notes>
 </file>
 
-<file path=ppt/notesSlides/notesSlide11.xml><?xml version="1.0" encoding="utf-8"?>
+<file path=ppt/notesSlides/notesSlide12.xml><?xml version="1.0" encoding="utf-8"?>
 <p:notes xmlns:a="http://schemas.openxmlformats.org/drawingml/2006/main" xmlns:r="http://schemas.openxmlformats.org/officeDocument/2006/relationships" xmlns:p="http://schemas.openxmlformats.org/presentationml/2006/main" showMasterSp="0" showMasterPhAnim="0">
   <p:cSld>
     <p:spTree>
@@ -7112,7 +7219,7 @@
 </p:notes>
 </file>
 
-<file path=ppt/notesSlides/notesSlide12.xml><?xml version="1.0" encoding="utf-8"?>
+<file path=ppt/notesSlides/notesSlide13.xml><?xml version="1.0" encoding="utf-8"?>
 <p:notes xmlns:a="http://schemas.openxmlformats.org/drawingml/2006/main" xmlns:r="http://schemas.openxmlformats.org/officeDocument/2006/relationships" xmlns:p="http://schemas.openxmlformats.org/presentationml/2006/main" showMasterSp="0" showMasterPhAnim="0">
   <p:cSld>
     <p:spTree>
@@ -7216,7 +7323,7 @@
 </p:notes>
 </file>
 
-<file path=ppt/notesSlides/notesSlide13.xml><?xml version="1.0" encoding="utf-8"?>
+<file path=ppt/notesSlides/notesSlide14.xml><?xml version="1.0" encoding="utf-8"?>
 <p:notes xmlns:a="http://schemas.openxmlformats.org/drawingml/2006/main" xmlns:r="http://schemas.openxmlformats.org/officeDocument/2006/relationships" xmlns:p="http://schemas.openxmlformats.org/presentationml/2006/main" showMasterSp="0" showMasterPhAnim="0">
   <p:cSld>
     <p:spTree>
@@ -7320,7 +7427,7 @@
 </p:notes>
 </file>
 
-<file path=ppt/notesSlides/notesSlide14.xml><?xml version="1.0" encoding="utf-8"?>
+<file path=ppt/notesSlides/notesSlide15.xml><?xml version="1.0" encoding="utf-8"?>
 <p:notes xmlns:a="http://schemas.openxmlformats.org/drawingml/2006/main" xmlns:r="http://schemas.openxmlformats.org/officeDocument/2006/relationships" xmlns:p="http://schemas.openxmlformats.org/presentationml/2006/main" showMasterSp="0" showMasterPhAnim="0">
   <p:cSld>
     <p:spTree>
@@ -7424,7 +7531,7 @@
 </p:notes>
 </file>
 
-<file path=ppt/notesSlides/notesSlide15.xml><?xml version="1.0" encoding="utf-8"?>
+<file path=ppt/notesSlides/notesSlide16.xml><?xml version="1.0" encoding="utf-8"?>
 <p:notes xmlns:a="http://schemas.openxmlformats.org/drawingml/2006/main" xmlns:r="http://schemas.openxmlformats.org/officeDocument/2006/relationships" xmlns:p="http://schemas.openxmlformats.org/presentationml/2006/main" showMasterSp="0" showMasterPhAnim="0">
   <p:cSld>
     <p:spTree>
@@ -7528,7 +7635,7 @@
 </p:notes>
 </file>
 
-<file path=ppt/notesSlides/notesSlide16.xml><?xml version="1.0" encoding="utf-8"?>
+<file path=ppt/notesSlides/notesSlide17.xml><?xml version="1.0" encoding="utf-8"?>
 <p:notes xmlns:a="http://schemas.openxmlformats.org/drawingml/2006/main" xmlns:r="http://schemas.openxmlformats.org/officeDocument/2006/relationships" xmlns:p="http://schemas.openxmlformats.org/presentationml/2006/main" showMasterSp="0" showMasterPhAnim="0">
   <p:cSld>
     <p:spTree>
@@ -7632,7 +7739,7 @@
 </p:notes>
 </file>
 
-<file path=ppt/notesSlides/notesSlide17.xml><?xml version="1.0" encoding="utf-8"?>
+<file path=ppt/notesSlides/notesSlide18.xml><?xml version="1.0" encoding="utf-8"?>
 <p:notes xmlns:a="http://schemas.openxmlformats.org/drawingml/2006/main" xmlns:r="http://schemas.openxmlformats.org/officeDocument/2006/relationships" xmlns:p="http://schemas.openxmlformats.org/presentationml/2006/main" showMasterSp="0" showMasterPhAnim="0">
   <p:cSld>
     <p:spTree>
@@ -7729,6 +7836,11 @@
         </p:spPr>
       </p:sp>
     </p:spTree>
+    <p:extLst>
+      <p:ext uri="{BB962C8B-B14F-4D97-AF65-F5344CB8AC3E}">
+        <p14:creationId xmlns:p14="http://schemas.microsoft.com/office/powerpoint/2010/main" val="1159911913"/>
+      </p:ext>
+    </p:extLst>
   </p:cSld>
   <p:clrMapOvr>
     <a:masterClrMapping/>
@@ -7736,12 +7848,12 @@
 </p:notes>
 </file>
 
-<file path=ppt/notesSlides/notesSlide18.xml><?xml version="1.0" encoding="utf-8"?>
+<file path=ppt/notesSlides/notesSlide19.xml><?xml version="1.0" encoding="utf-8"?>
 <p:notes xmlns:a="http://schemas.openxmlformats.org/drawingml/2006/main" xmlns:r="http://schemas.openxmlformats.org/officeDocument/2006/relationships" xmlns:p="http://schemas.openxmlformats.org/presentationml/2006/main" showMasterSp="0" showMasterPhAnim="0">
   <p:cSld>
     <p:spTree>
       <p:nvGrpSpPr>
-        <p:cNvPr id="1" name="Shape 173"/>
+        <p:cNvPr id="1" name="Shape 97"/>
         <p:cNvGrpSpPr/>
         <p:nvPr/>
       </p:nvGrpSpPr>
@@ -7755,7 +7867,7 @@
       </p:grpSpPr>
       <p:sp>
         <p:nvSpPr>
-          <p:cNvPr id="174" name="Google Shape;174;p32:notes"/>
+          <p:cNvPr id="98" name="Google Shape;98;p29:notes"/>
           <p:cNvSpPr txBox="1">
             <a:spLocks noGrp="1"/>
           </p:cNvSpPr>
@@ -7793,7 +7905,7 @@
       </p:sp>
       <p:sp>
         <p:nvSpPr>
-          <p:cNvPr id="175" name="Google Shape;175;p32:notes"/>
+          <p:cNvPr id="99" name="Google Shape;99;p29:notes"/>
           <p:cNvSpPr>
             <a:spLocks noGrp="1" noRot="1" noChangeAspect="1"/>
           </p:cNvSpPr>
@@ -7833,110 +7945,11 @@
         </p:spPr>
       </p:sp>
     </p:spTree>
-  </p:cSld>
-  <p:clrMapOvr>
-    <a:masterClrMapping/>
-  </p:clrMapOvr>
-</p:notes>
-</file>
-
-<file path=ppt/notesSlides/notesSlide19.xml><?xml version="1.0" encoding="utf-8"?>
-<p:notes xmlns:a="http://schemas.openxmlformats.org/drawingml/2006/main" xmlns:r="http://schemas.openxmlformats.org/officeDocument/2006/relationships" xmlns:p="http://schemas.openxmlformats.org/presentationml/2006/main" showMasterSp="0" showMasterPhAnim="0">
-  <p:cSld>
-    <p:spTree>
-      <p:nvGrpSpPr>
-        <p:cNvPr id="1" name="Shape 178"/>
-        <p:cNvGrpSpPr/>
-        <p:nvPr/>
-      </p:nvGrpSpPr>
-      <p:grpSpPr>
-        <a:xfrm>
-          <a:off x="0" y="0"/>
-          <a:ext cx="0" cy="0"/>
-          <a:chOff x="0" y="0"/>
-          <a:chExt cx="0" cy="0"/>
-        </a:xfrm>
-      </p:grpSpPr>
-      <p:sp>
-        <p:nvSpPr>
-          <p:cNvPr id="179" name="Google Shape;179;g72001f471e_0_19:notes"/>
-          <p:cNvSpPr txBox="1">
-            <a:spLocks noGrp="1"/>
-          </p:cNvSpPr>
-          <p:nvPr>
-            <p:ph type="body" idx="1"/>
-          </p:nvPr>
-        </p:nvSpPr>
-        <p:spPr>
-          <a:xfrm>
-            <a:off x="685800" y="4400550"/>
-            <a:ext cx="5486400" cy="3600600"/>
-          </a:xfrm>
-          <a:prstGeom prst="rect">
-            <a:avLst/>
-          </a:prstGeom>
-        </p:spPr>
-        <p:txBody>
-          <a:bodyPr spcFirstLastPara="1" wrap="square" lIns="91425" tIns="45700" rIns="91425" bIns="45700" anchor="t" anchorCtr="0">
-            <a:noAutofit/>
-          </a:bodyPr>
-          <a:lstStyle/>
-          <a:p>
-            <a:pPr marL="0" lvl="0" indent="0" algn="l" rtl="0">
-              <a:spcBef>
-                <a:spcPts val="0"/>
-              </a:spcBef>
-              <a:spcAft>
-                <a:spcPts val="0"/>
-              </a:spcAft>
-              <a:buNone/>
-            </a:pPr>
-            <a:endParaRPr/>
-          </a:p>
-        </p:txBody>
-      </p:sp>
-      <p:sp>
-        <p:nvSpPr>
-          <p:cNvPr id="180" name="Google Shape;180;g72001f471e_0_19:notes"/>
-          <p:cNvSpPr>
-            <a:spLocks noGrp="1" noRot="1" noChangeAspect="1"/>
-          </p:cNvSpPr>
-          <p:nvPr>
-            <p:ph type="sldImg" idx="2"/>
-          </p:nvPr>
-        </p:nvSpPr>
-        <p:spPr>
-          <a:xfrm>
-            <a:off x="685800" y="1143000"/>
-            <a:ext cx="5486400" cy="3086100"/>
-          </a:xfrm>
-          <a:custGeom>
-            <a:avLst/>
-            <a:gdLst/>
-            <a:ahLst/>
-            <a:cxnLst/>
-            <a:rect l="l" t="t" r="r" b="b"/>
-            <a:pathLst>
-              <a:path w="120000" h="120000" extrusionOk="0">
-                <a:moveTo>
-                  <a:pt x="0" y="0"/>
-                </a:moveTo>
-                <a:lnTo>
-                  <a:pt x="120000" y="0"/>
-                </a:lnTo>
-                <a:lnTo>
-                  <a:pt x="120000" y="120000"/>
-                </a:lnTo>
-                <a:lnTo>
-                  <a:pt x="0" y="120000"/>
-                </a:lnTo>
-                <a:close/>
-              </a:path>
-            </a:pathLst>
-          </a:custGeom>
-        </p:spPr>
-      </p:sp>
-    </p:spTree>
+    <p:extLst>
+      <p:ext uri="{BB962C8B-B14F-4D97-AF65-F5344CB8AC3E}">
+        <p14:creationId xmlns:p14="http://schemas.microsoft.com/office/powerpoint/2010/main" val="2003397599"/>
+      </p:ext>
+    </p:extLst>
   </p:cSld>
   <p:clrMapOvr>
     <a:masterClrMapping/>
@@ -8053,6 +8066,318 @@
   <p:cSld>
     <p:spTree>
       <p:nvGrpSpPr>
+        <p:cNvPr id="1" name="Shape 167"/>
+        <p:cNvGrpSpPr/>
+        <p:nvPr/>
+      </p:nvGrpSpPr>
+      <p:grpSpPr>
+        <a:xfrm>
+          <a:off x="0" y="0"/>
+          <a:ext cx="0" cy="0"/>
+          <a:chOff x="0" y="0"/>
+          <a:chExt cx="0" cy="0"/>
+        </a:xfrm>
+      </p:grpSpPr>
+      <p:sp>
+        <p:nvSpPr>
+          <p:cNvPr id="168" name="Google Shape;168;p31:notes"/>
+          <p:cNvSpPr txBox="1">
+            <a:spLocks noGrp="1"/>
+          </p:cNvSpPr>
+          <p:nvPr>
+            <p:ph type="body" idx="1"/>
+          </p:nvPr>
+        </p:nvSpPr>
+        <p:spPr>
+          <a:xfrm>
+            <a:off x="685800" y="4400550"/>
+            <a:ext cx="5486400" cy="3600450"/>
+          </a:xfrm>
+          <a:prstGeom prst="rect">
+            <a:avLst/>
+          </a:prstGeom>
+        </p:spPr>
+        <p:txBody>
+          <a:bodyPr spcFirstLastPara="1" wrap="square" lIns="91425" tIns="45700" rIns="91425" bIns="45700" anchor="t" anchorCtr="0">
+            <a:noAutofit/>
+          </a:bodyPr>
+          <a:lstStyle/>
+          <a:p>
+            <a:pPr marL="0" lvl="0" indent="0" algn="l" rtl="0">
+              <a:spcBef>
+                <a:spcPts val="0"/>
+              </a:spcBef>
+              <a:spcAft>
+                <a:spcPts val="0"/>
+              </a:spcAft>
+              <a:buNone/>
+            </a:pPr>
+            <a:endParaRPr/>
+          </a:p>
+        </p:txBody>
+      </p:sp>
+      <p:sp>
+        <p:nvSpPr>
+          <p:cNvPr id="169" name="Google Shape;169;p31:notes"/>
+          <p:cNvSpPr>
+            <a:spLocks noGrp="1" noRot="1" noChangeAspect="1"/>
+          </p:cNvSpPr>
+          <p:nvPr>
+            <p:ph type="sldImg" idx="2"/>
+          </p:nvPr>
+        </p:nvSpPr>
+        <p:spPr>
+          <a:xfrm>
+            <a:off x="685800" y="1143000"/>
+            <a:ext cx="5486400" cy="3086100"/>
+          </a:xfrm>
+          <a:custGeom>
+            <a:avLst/>
+            <a:gdLst/>
+            <a:ahLst/>
+            <a:cxnLst/>
+            <a:rect l="l" t="t" r="r" b="b"/>
+            <a:pathLst>
+              <a:path w="120000" h="120000" extrusionOk="0">
+                <a:moveTo>
+                  <a:pt x="0" y="0"/>
+                </a:moveTo>
+                <a:lnTo>
+                  <a:pt x="120000" y="0"/>
+                </a:lnTo>
+                <a:lnTo>
+                  <a:pt x="120000" y="120000"/>
+                </a:lnTo>
+                <a:lnTo>
+                  <a:pt x="0" y="120000"/>
+                </a:lnTo>
+                <a:close/>
+              </a:path>
+            </a:pathLst>
+          </a:custGeom>
+        </p:spPr>
+      </p:sp>
+    </p:spTree>
+  </p:cSld>
+  <p:clrMapOvr>
+    <a:masterClrMapping/>
+  </p:clrMapOvr>
+</p:notes>
+</file>
+
+<file path=ppt/notesSlides/notesSlide21.xml><?xml version="1.0" encoding="utf-8"?>
+<p:notes xmlns:a="http://schemas.openxmlformats.org/drawingml/2006/main" xmlns:r="http://schemas.openxmlformats.org/officeDocument/2006/relationships" xmlns:p="http://schemas.openxmlformats.org/presentationml/2006/main" showMasterSp="0" showMasterPhAnim="0">
+  <p:cSld>
+    <p:spTree>
+      <p:nvGrpSpPr>
+        <p:cNvPr id="1" name="Shape 173"/>
+        <p:cNvGrpSpPr/>
+        <p:nvPr/>
+      </p:nvGrpSpPr>
+      <p:grpSpPr>
+        <a:xfrm>
+          <a:off x="0" y="0"/>
+          <a:ext cx="0" cy="0"/>
+          <a:chOff x="0" y="0"/>
+          <a:chExt cx="0" cy="0"/>
+        </a:xfrm>
+      </p:grpSpPr>
+      <p:sp>
+        <p:nvSpPr>
+          <p:cNvPr id="174" name="Google Shape;174;p32:notes"/>
+          <p:cNvSpPr txBox="1">
+            <a:spLocks noGrp="1"/>
+          </p:cNvSpPr>
+          <p:nvPr>
+            <p:ph type="body" idx="1"/>
+          </p:nvPr>
+        </p:nvSpPr>
+        <p:spPr>
+          <a:xfrm>
+            <a:off x="685800" y="4400550"/>
+            <a:ext cx="5486400" cy="3600450"/>
+          </a:xfrm>
+          <a:prstGeom prst="rect">
+            <a:avLst/>
+          </a:prstGeom>
+        </p:spPr>
+        <p:txBody>
+          <a:bodyPr spcFirstLastPara="1" wrap="square" lIns="91425" tIns="45700" rIns="91425" bIns="45700" anchor="t" anchorCtr="0">
+            <a:noAutofit/>
+          </a:bodyPr>
+          <a:lstStyle/>
+          <a:p>
+            <a:pPr marL="0" lvl="0" indent="0" algn="l" rtl="0">
+              <a:spcBef>
+                <a:spcPts val="0"/>
+              </a:spcBef>
+              <a:spcAft>
+                <a:spcPts val="0"/>
+              </a:spcAft>
+              <a:buNone/>
+            </a:pPr>
+            <a:endParaRPr/>
+          </a:p>
+        </p:txBody>
+      </p:sp>
+      <p:sp>
+        <p:nvSpPr>
+          <p:cNvPr id="175" name="Google Shape;175;p32:notes"/>
+          <p:cNvSpPr>
+            <a:spLocks noGrp="1" noRot="1" noChangeAspect="1"/>
+          </p:cNvSpPr>
+          <p:nvPr>
+            <p:ph type="sldImg" idx="2"/>
+          </p:nvPr>
+        </p:nvSpPr>
+        <p:spPr>
+          <a:xfrm>
+            <a:off x="685800" y="1143000"/>
+            <a:ext cx="5486400" cy="3086100"/>
+          </a:xfrm>
+          <a:custGeom>
+            <a:avLst/>
+            <a:gdLst/>
+            <a:ahLst/>
+            <a:cxnLst/>
+            <a:rect l="l" t="t" r="r" b="b"/>
+            <a:pathLst>
+              <a:path w="120000" h="120000" extrusionOk="0">
+                <a:moveTo>
+                  <a:pt x="0" y="0"/>
+                </a:moveTo>
+                <a:lnTo>
+                  <a:pt x="120000" y="0"/>
+                </a:lnTo>
+                <a:lnTo>
+                  <a:pt x="120000" y="120000"/>
+                </a:lnTo>
+                <a:lnTo>
+                  <a:pt x="0" y="120000"/>
+                </a:lnTo>
+                <a:close/>
+              </a:path>
+            </a:pathLst>
+          </a:custGeom>
+        </p:spPr>
+      </p:sp>
+    </p:spTree>
+  </p:cSld>
+  <p:clrMapOvr>
+    <a:masterClrMapping/>
+  </p:clrMapOvr>
+</p:notes>
+</file>
+
+<file path=ppt/notesSlides/notesSlide22.xml><?xml version="1.0" encoding="utf-8"?>
+<p:notes xmlns:a="http://schemas.openxmlformats.org/drawingml/2006/main" xmlns:r="http://schemas.openxmlformats.org/officeDocument/2006/relationships" xmlns:p="http://schemas.openxmlformats.org/presentationml/2006/main" showMasterSp="0" showMasterPhAnim="0">
+  <p:cSld>
+    <p:spTree>
+      <p:nvGrpSpPr>
+        <p:cNvPr id="1" name="Shape 178"/>
+        <p:cNvGrpSpPr/>
+        <p:nvPr/>
+      </p:nvGrpSpPr>
+      <p:grpSpPr>
+        <a:xfrm>
+          <a:off x="0" y="0"/>
+          <a:ext cx="0" cy="0"/>
+          <a:chOff x="0" y="0"/>
+          <a:chExt cx="0" cy="0"/>
+        </a:xfrm>
+      </p:grpSpPr>
+      <p:sp>
+        <p:nvSpPr>
+          <p:cNvPr id="179" name="Google Shape;179;g72001f471e_0_19:notes"/>
+          <p:cNvSpPr txBox="1">
+            <a:spLocks noGrp="1"/>
+          </p:cNvSpPr>
+          <p:nvPr>
+            <p:ph type="body" idx="1"/>
+          </p:nvPr>
+        </p:nvSpPr>
+        <p:spPr>
+          <a:xfrm>
+            <a:off x="685800" y="4400550"/>
+            <a:ext cx="5486400" cy="3600600"/>
+          </a:xfrm>
+          <a:prstGeom prst="rect">
+            <a:avLst/>
+          </a:prstGeom>
+        </p:spPr>
+        <p:txBody>
+          <a:bodyPr spcFirstLastPara="1" wrap="square" lIns="91425" tIns="45700" rIns="91425" bIns="45700" anchor="t" anchorCtr="0">
+            <a:noAutofit/>
+          </a:bodyPr>
+          <a:lstStyle/>
+          <a:p>
+            <a:pPr marL="0" lvl="0" indent="0" algn="l" rtl="0">
+              <a:spcBef>
+                <a:spcPts val="0"/>
+              </a:spcBef>
+              <a:spcAft>
+                <a:spcPts val="0"/>
+              </a:spcAft>
+              <a:buNone/>
+            </a:pPr>
+            <a:endParaRPr/>
+          </a:p>
+        </p:txBody>
+      </p:sp>
+      <p:sp>
+        <p:nvSpPr>
+          <p:cNvPr id="180" name="Google Shape;180;g72001f471e_0_19:notes"/>
+          <p:cNvSpPr>
+            <a:spLocks noGrp="1" noRot="1" noChangeAspect="1"/>
+          </p:cNvSpPr>
+          <p:nvPr>
+            <p:ph type="sldImg" idx="2"/>
+          </p:nvPr>
+        </p:nvSpPr>
+        <p:spPr>
+          <a:xfrm>
+            <a:off x="685800" y="1143000"/>
+            <a:ext cx="5486400" cy="3086100"/>
+          </a:xfrm>
+          <a:custGeom>
+            <a:avLst/>
+            <a:gdLst/>
+            <a:ahLst/>
+            <a:cxnLst/>
+            <a:rect l="l" t="t" r="r" b="b"/>
+            <a:pathLst>
+              <a:path w="120000" h="120000" extrusionOk="0">
+                <a:moveTo>
+                  <a:pt x="0" y="0"/>
+                </a:moveTo>
+                <a:lnTo>
+                  <a:pt x="120000" y="0"/>
+                </a:lnTo>
+                <a:lnTo>
+                  <a:pt x="120000" y="120000"/>
+                </a:lnTo>
+                <a:lnTo>
+                  <a:pt x="0" y="120000"/>
+                </a:lnTo>
+                <a:close/>
+              </a:path>
+            </a:pathLst>
+          </a:custGeom>
+        </p:spPr>
+      </p:sp>
+    </p:spTree>
+  </p:cSld>
+  <p:clrMapOvr>
+    <a:masterClrMapping/>
+  </p:clrMapOvr>
+</p:notes>
+</file>
+
+<file path=ppt/notesSlides/notesSlide23.xml><?xml version="1.0" encoding="utf-8"?>
+<p:notes xmlns:a="http://schemas.openxmlformats.org/drawingml/2006/main" xmlns:r="http://schemas.openxmlformats.org/officeDocument/2006/relationships" xmlns:p="http://schemas.openxmlformats.org/presentationml/2006/main" showMasterSp="0" showMasterPhAnim="0">
+  <p:cSld>
+    <p:spTree>
+      <p:nvGrpSpPr>
         <p:cNvPr id="1" name="Shape 183"/>
         <p:cNvGrpSpPr/>
         <p:nvPr/>
@@ -8152,7 +8477,7 @@
 </p:notes>
 </file>
 
-<file path=ppt/notesSlides/notesSlide21.xml><?xml version="1.0" encoding="utf-8"?>
+<file path=ppt/notesSlides/notesSlide24.xml><?xml version="1.0" encoding="utf-8"?>
 <p:notes xmlns:a="http://schemas.openxmlformats.org/drawingml/2006/main" xmlns:r="http://schemas.openxmlformats.org/officeDocument/2006/relationships" xmlns:p="http://schemas.openxmlformats.org/presentationml/2006/main" showMasterSp="0" showMasterPhAnim="0">
   <p:cSld>
     <p:spTree>
@@ -8885,7 +9210,7 @@
   <p:cSld>
     <p:spTree>
       <p:nvGrpSpPr>
-        <p:cNvPr id="1" name="Shape 97"/>
+        <p:cNvPr id="1" name="Shape 103"/>
         <p:cNvGrpSpPr/>
         <p:nvPr/>
       </p:nvGrpSpPr>
@@ -8899,45 +9224,7 @@
       </p:grpSpPr>
       <p:sp>
         <p:nvSpPr>
-          <p:cNvPr id="98" name="Google Shape;98;p29:notes"/>
-          <p:cNvSpPr txBox="1">
-            <a:spLocks noGrp="1"/>
-          </p:cNvSpPr>
-          <p:nvPr>
-            <p:ph type="body" idx="1"/>
-          </p:nvPr>
-        </p:nvSpPr>
-        <p:spPr>
-          <a:xfrm>
-            <a:off x="685800" y="4400550"/>
-            <a:ext cx="5486400" cy="3600450"/>
-          </a:xfrm>
-          <a:prstGeom prst="rect">
-            <a:avLst/>
-          </a:prstGeom>
-        </p:spPr>
-        <p:txBody>
-          <a:bodyPr spcFirstLastPara="1" wrap="square" lIns="91425" tIns="45700" rIns="91425" bIns="45700" anchor="t" anchorCtr="0">
-            <a:noAutofit/>
-          </a:bodyPr>
-          <a:lstStyle/>
-          <a:p>
-            <a:pPr marL="0" lvl="0" indent="0" algn="l" rtl="0">
-              <a:spcBef>
-                <a:spcPts val="0"/>
-              </a:spcBef>
-              <a:spcAft>
-                <a:spcPts val="0"/>
-              </a:spcAft>
-              <a:buNone/>
-            </a:pPr>
-            <a:endParaRPr/>
-          </a:p>
-        </p:txBody>
-      </p:sp>
-      <p:sp>
-        <p:nvSpPr>
-          <p:cNvPr id="99" name="Google Shape;99;p29:notes"/>
+          <p:cNvPr id="104" name="Google Shape;104;g71c382910d_0_0:notes"/>
           <p:cNvSpPr>
             <a:spLocks noGrp="1" noRot="1" noChangeAspect="1"/>
           </p:cNvSpPr>
@@ -8976,7 +9263,97 @@
           </a:custGeom>
         </p:spPr>
       </p:sp>
+      <p:sp>
+        <p:nvSpPr>
+          <p:cNvPr id="105" name="Google Shape;105;g71c382910d_0_0:notes"/>
+          <p:cNvSpPr txBox="1">
+            <a:spLocks noGrp="1"/>
+          </p:cNvSpPr>
+          <p:nvPr>
+            <p:ph type="body" idx="1"/>
+          </p:nvPr>
+        </p:nvSpPr>
+        <p:spPr>
+          <a:xfrm>
+            <a:off x="685800" y="4400550"/>
+            <a:ext cx="5486400" cy="3600600"/>
+          </a:xfrm>
+          <a:prstGeom prst="rect">
+            <a:avLst/>
+          </a:prstGeom>
+        </p:spPr>
+        <p:txBody>
+          <a:bodyPr spcFirstLastPara="1" wrap="square" lIns="91425" tIns="45700" rIns="91425" bIns="45700" anchor="t" anchorCtr="0">
+            <a:noAutofit/>
+          </a:bodyPr>
+          <a:lstStyle/>
+          <a:p>
+            <a:pPr marL="0" lvl="0" indent="0" algn="l" rtl="0">
+              <a:spcBef>
+                <a:spcPts val="0"/>
+              </a:spcBef>
+              <a:spcAft>
+                <a:spcPts val="0"/>
+              </a:spcAft>
+              <a:buNone/>
+            </a:pPr>
+            <a:endParaRPr/>
+          </a:p>
+        </p:txBody>
+      </p:sp>
+      <p:sp>
+        <p:nvSpPr>
+          <p:cNvPr id="106" name="Google Shape;106;g71c382910d_0_0:notes"/>
+          <p:cNvSpPr txBox="1">
+            <a:spLocks noGrp="1"/>
+          </p:cNvSpPr>
+          <p:nvPr>
+            <p:ph type="sldNum" idx="12"/>
+          </p:nvPr>
+        </p:nvSpPr>
+        <p:spPr>
+          <a:xfrm>
+            <a:off x="3884613" y="8685213"/>
+            <a:ext cx="2971800" cy="458700"/>
+          </a:xfrm>
+          <a:prstGeom prst="rect">
+            <a:avLst/>
+          </a:prstGeom>
+        </p:spPr>
+        <p:txBody>
+          <a:bodyPr spcFirstLastPara="1" wrap="square" lIns="91425" tIns="45700" rIns="91425" bIns="45700" anchor="b" anchorCtr="0">
+            <a:noAutofit/>
+          </a:bodyPr>
+          <a:lstStyle/>
+          <a:p>
+            <a:pPr marL="0" lvl="0" indent="0" algn="r" rtl="0">
+              <a:spcBef>
+                <a:spcPts val="0"/>
+              </a:spcBef>
+              <a:spcAft>
+                <a:spcPts val="0"/>
+              </a:spcAft>
+              <a:buClr>
+                <a:srgbClr val="000000"/>
+              </a:buClr>
+              <a:buSzPts val="1200"/>
+              <a:buFont typeface="Arial"/>
+              <a:buNone/>
+            </a:pPr>
+            <a:fld id="{00000000-1234-1234-1234-123412341234}" type="slidenum">
+              <a:rPr lang="en-US"/>
+              <a:t>12</a:t>
+            </a:fld>
+            <a:endParaRPr/>
+          </a:p>
+        </p:txBody>
+      </p:sp>
     </p:spTree>
+    <p:extLst>
+      <p:ext uri="{BB962C8B-B14F-4D97-AF65-F5344CB8AC3E}">
+        <p14:creationId xmlns:p14="http://schemas.microsoft.com/office/powerpoint/2010/main" val="2122642011"/>
+      </p:ext>
+    </p:extLst>
   </p:cSld>
   <p:clrMapOvr>
     <a:masterClrMapping/>
@@ -14025,7 +14402,7 @@
               <a:buFont typeface="Arial"/>
               <a:buNone/>
             </a:pPr>
-            <a:endParaRPr sz="3200" b="0" i="0" u="none" strike="noStrike" cap="none">
+            <a:endParaRPr sz="3200" b="0" i="0" u="none" strike="noStrike" cap="none" dirty="0">
               <a:solidFill>
                 <a:srgbClr val="000000"/>
               </a:solidFill>
@@ -14053,7 +14430,7 @@
               <a:buFont typeface="Arial"/>
               <a:buNone/>
             </a:pPr>
-            <a:endParaRPr sz="3200" b="0" i="0" u="none" strike="noStrike" cap="none">
+            <a:endParaRPr sz="3200" b="0" i="0" u="none" strike="noStrike" cap="none" dirty="0">
               <a:solidFill>
                 <a:srgbClr val="000000"/>
               </a:solidFill>
@@ -14077,7 +14454,7 @@
               <a:buNone/>
             </a:pPr>
             <a:r>
-              <a:rPr lang="en-US" sz="4400" b="0" i="0" u="none" strike="noStrike" cap="none">
+              <a:rPr lang="en-US" sz="4400" b="0" i="0" u="none" strike="noStrike" cap="none" dirty="0">
                 <a:solidFill>
                   <a:srgbClr val="000000"/>
                 </a:solidFill>
@@ -14086,9 +14463,35 @@
                 <a:cs typeface="Arial"/>
                 <a:sym typeface="Arial"/>
               </a:rPr>
-              <a:t>Interpretability: Understanding ML Models and their Predictions </a:t>
+              <a:t>Interpretability: </a:t>
             </a:r>
-            <a:endParaRPr sz="3200" b="0" i="0" u="none" strike="noStrike" cap="none">
+          </a:p>
+          <a:p>
+            <a:pPr marL="0" marR="0" lvl="0" indent="0" algn="ctr" rtl="0">
+              <a:lnSpc>
+                <a:spcPct val="100000"/>
+              </a:lnSpc>
+              <a:spcBef>
+                <a:spcPts val="0"/>
+              </a:spcBef>
+              <a:spcAft>
+                <a:spcPts val="0"/>
+              </a:spcAft>
+              <a:buNone/>
+            </a:pPr>
+            <a:r>
+              <a:rPr lang="en-US" sz="4400" b="0" i="0" u="none" strike="noStrike" cap="none" dirty="0">
+                <a:solidFill>
+                  <a:srgbClr val="000000"/>
+                </a:solidFill>
+                <a:latin typeface="Arial"/>
+                <a:ea typeface="Arial"/>
+                <a:cs typeface="Arial"/>
+                <a:sym typeface="Arial"/>
+              </a:rPr>
+              <a:t>Understanding ML Models and their Predictions </a:t>
+            </a:r>
+            <a:endParaRPr sz="3200" b="0" i="0" u="none" strike="noStrike" cap="none" dirty="0">
               <a:solidFill>
                 <a:srgbClr val="000000"/>
               </a:solidFill>
@@ -14116,7 +14519,7 @@
               <a:buFont typeface="Arial"/>
               <a:buNone/>
             </a:pPr>
-            <a:endParaRPr sz="3200" b="0" i="0" u="none" strike="noStrike" cap="none">
+            <a:endParaRPr sz="3200" b="0" i="0" u="none" strike="noStrike" cap="none" dirty="0">
               <a:solidFill>
                 <a:srgbClr val="000000"/>
               </a:solidFill>
@@ -14641,6 +15044,135 @@
   <p:cSld>
     <p:spTree>
       <p:nvGrpSpPr>
+        <p:cNvPr id="1" name="Shape 107"/>
+        <p:cNvGrpSpPr/>
+        <p:nvPr/>
+      </p:nvGrpSpPr>
+      <p:grpSpPr>
+        <a:xfrm>
+          <a:off x="0" y="0"/>
+          <a:ext cx="0" cy="0"/>
+          <a:chOff x="0" y="0"/>
+          <a:chExt cx="0" cy="0"/>
+        </a:xfrm>
+      </p:grpSpPr>
+      <p:sp>
+        <p:nvSpPr>
+          <p:cNvPr id="108" name="Google Shape;108;g71c382910d_0_0"/>
+          <p:cNvSpPr txBox="1">
+            <a:spLocks noGrp="1"/>
+          </p:cNvSpPr>
+          <p:nvPr>
+            <p:ph type="title"/>
+          </p:nvPr>
+        </p:nvSpPr>
+        <p:spPr>
+          <a:xfrm>
+            <a:off x="415600" y="86563"/>
+            <a:ext cx="11360700" cy="763500"/>
+          </a:xfrm>
+          <a:prstGeom prst="rect">
+            <a:avLst/>
+          </a:prstGeom>
+        </p:spPr>
+        <p:txBody>
+          <a:bodyPr spcFirstLastPara="1" wrap="square" lIns="121900" tIns="121900" rIns="121900" bIns="121900" anchor="t" anchorCtr="0">
+            <a:noAutofit/>
+          </a:bodyPr>
+          <a:lstStyle/>
+          <a:p>
+            <a:pPr marL="0" lvl="0" indent="0" algn="l" rtl="0">
+              <a:spcBef>
+                <a:spcPts val="0"/>
+              </a:spcBef>
+              <a:spcAft>
+                <a:spcPts val="0"/>
+              </a:spcAft>
+              <a:buNone/>
+            </a:pPr>
+            <a:r>
+              <a:rPr lang="en-US" dirty="0"/>
+              <a:t>Case Study</a:t>
+            </a:r>
+            <a:endParaRPr dirty="0"/>
+          </a:p>
+        </p:txBody>
+      </p:sp>
+      <p:sp>
+        <p:nvSpPr>
+          <p:cNvPr id="109" name="Google Shape;109;g71c382910d_0_0"/>
+          <p:cNvSpPr txBox="1">
+            <a:spLocks noGrp="1"/>
+          </p:cNvSpPr>
+          <p:nvPr>
+            <p:ph type="body" idx="1"/>
+          </p:nvPr>
+        </p:nvSpPr>
+        <p:spPr>
+          <a:xfrm>
+            <a:off x="415600" y="1536633"/>
+            <a:ext cx="11360700" cy="4555200"/>
+          </a:xfrm>
+          <a:prstGeom prst="rect">
+            <a:avLst/>
+          </a:prstGeom>
+        </p:spPr>
+        <p:txBody>
+          <a:bodyPr spcFirstLastPara="1" wrap="square" lIns="121900" tIns="121900" rIns="121900" bIns="121900" anchor="t" anchorCtr="0">
+            <a:noAutofit/>
+          </a:bodyPr>
+          <a:lstStyle/>
+          <a:p>
+            <a:pPr marL="0" lvl="0" indent="0" algn="l" rtl="0">
+              <a:spcBef>
+                <a:spcPts val="0"/>
+              </a:spcBef>
+              <a:spcAft>
+                <a:spcPts val="0"/>
+              </a:spcAft>
+              <a:buNone/>
+            </a:pPr>
+            <a:r>
+              <a:rPr lang="en-US" dirty="0">
+                <a:solidFill>
+                  <a:srgbClr val="8A0002"/>
+                </a:solidFill>
+                <a:hlinkClick r:id="rId3">
+                  <a:extLst>
+                    <a:ext uri="{A12FA001-AC4F-418D-AE19-62706E023703}">
+                      <ahyp:hlinkClr xmlns:ahyp="http://schemas.microsoft.com/office/drawing/2018/hyperlinkcolor" val="tx"/>
+                    </a:ext>
+                  </a:extLst>
+                </a:hlinkClick>
+              </a:rPr>
+              <a:t>Childhood Vaccination in Mexico</a:t>
+            </a:r>
+            <a:endParaRPr dirty="0">
+              <a:solidFill>
+                <a:srgbClr val="8A0002"/>
+              </a:solidFill>
+            </a:endParaRPr>
+          </a:p>
+        </p:txBody>
+      </p:sp>
+    </p:spTree>
+    <p:extLst>
+      <p:ext uri="{BB962C8B-B14F-4D97-AF65-F5344CB8AC3E}">
+        <p14:creationId xmlns:p14="http://schemas.microsoft.com/office/powerpoint/2010/main" val="2903955151"/>
+      </p:ext>
+    </p:extLst>
+  </p:cSld>
+  <p:clrMapOvr>
+    <a:masterClrMapping/>
+  </p:clrMapOvr>
+</p:sld>
+</file>
+
+<file path=ppt/slides/slide13.xml><?xml version="1.0" encoding="utf-8"?>
+<p:sld xmlns:a="http://schemas.openxmlformats.org/drawingml/2006/main" xmlns:r="http://schemas.openxmlformats.org/officeDocument/2006/relationships" xmlns:p="http://schemas.openxmlformats.org/presentationml/2006/main">
+  <p:cSld>
+    <p:spTree>
+      <p:nvGrpSpPr>
         <p:cNvPr id="1" name="Shape 100"/>
         <p:cNvGrpSpPr/>
         <p:nvPr/>
@@ -14859,7 +15391,7 @@
 </p:sld>
 </file>
 
-<file path=ppt/slides/slide13.xml><?xml version="1.0" encoding="utf-8"?>
+<file path=ppt/slides/slide14.xml><?xml version="1.0" encoding="utf-8"?>
 <p:sld xmlns:a="http://schemas.openxmlformats.org/drawingml/2006/main" xmlns:r="http://schemas.openxmlformats.org/officeDocument/2006/relationships" xmlns:p="http://schemas.openxmlformats.org/presentationml/2006/main">
   <p:cSld>
     <p:spTree>
@@ -14964,7 +15496,7 @@
 </p:sld>
 </file>
 
-<file path=ppt/slides/slide14.xml><?xml version="1.0" encoding="utf-8"?>
+<file path=ppt/slides/slide15.xml><?xml version="1.0" encoding="utf-8"?>
 <p:sld xmlns:a="http://schemas.openxmlformats.org/drawingml/2006/main" xmlns:r="http://schemas.openxmlformats.org/officeDocument/2006/relationships" xmlns:p="http://schemas.openxmlformats.org/presentationml/2006/main">
   <p:cSld>
     <p:spTree>
@@ -15124,7 +15656,7 @@
 </p:sld>
 </file>
 
-<file path=ppt/slides/slide15.xml><?xml version="1.0" encoding="utf-8"?>
+<file path=ppt/slides/slide16.xml><?xml version="1.0" encoding="utf-8"?>
 <p:sld xmlns:a="http://schemas.openxmlformats.org/drawingml/2006/main" xmlns:r="http://schemas.openxmlformats.org/officeDocument/2006/relationships" xmlns:p="http://schemas.openxmlformats.org/presentationml/2006/main">
   <p:cSld>
     <p:spTree>
@@ -16750,7 +17282,7 @@
 </p:sld>
 </file>
 
-<file path=ppt/slides/slide16.xml><?xml version="1.0" encoding="utf-8"?>
+<file path=ppt/slides/slide17.xml><?xml version="1.0" encoding="utf-8"?>
 <p:sld xmlns:a="http://schemas.openxmlformats.org/drawingml/2006/main" xmlns:r="http://schemas.openxmlformats.org/officeDocument/2006/relationships" xmlns:p="http://schemas.openxmlformats.org/presentationml/2006/main">
   <p:cSld>
     <p:spTree>
@@ -16900,7 +17432,7 @@
 </p:sld>
 </file>
 
-<file path=ppt/slides/slide17.xml><?xml version="1.0" encoding="utf-8"?>
+<file path=ppt/slides/slide18.xml><?xml version="1.0" encoding="utf-8"?>
 <p:sld xmlns:a="http://schemas.openxmlformats.org/drawingml/2006/main" xmlns:r="http://schemas.openxmlformats.org/officeDocument/2006/relationships" xmlns:p="http://schemas.openxmlformats.org/presentationml/2006/main">
   <p:cSld>
     <p:spTree>
@@ -17082,7 +17614,7 @@
 </p:sld>
 </file>
 
-<file path=ppt/slides/slide18.xml><?xml version="1.0" encoding="utf-8"?>
+<file path=ppt/slides/slide19.xml><?xml version="1.0" encoding="utf-8"?>
 <p:sld xmlns:a="http://schemas.openxmlformats.org/drawingml/2006/main" xmlns:r="http://schemas.openxmlformats.org/officeDocument/2006/relationships" xmlns:p="http://schemas.openxmlformats.org/presentationml/2006/main" show="0">
   <p:cSld>
     <p:spTree>
@@ -17560,241 +18092,6 @@
               <a:cs typeface="Arial"/>
               <a:sym typeface="Arial"/>
             </a:endParaRPr>
-          </a:p>
-        </p:txBody>
-      </p:sp>
-    </p:spTree>
-  </p:cSld>
-  <p:clrMapOvr>
-    <a:masterClrMapping/>
-  </p:clrMapOvr>
-</p:sld>
-</file>
-
-<file path=ppt/slides/slide19.xml><?xml version="1.0" encoding="utf-8"?>
-<p:sld xmlns:a="http://schemas.openxmlformats.org/drawingml/2006/main" xmlns:r="http://schemas.openxmlformats.org/officeDocument/2006/relationships" xmlns:p="http://schemas.openxmlformats.org/presentationml/2006/main" show="0">
-  <p:cSld>
-    <p:spTree>
-      <p:nvGrpSpPr>
-        <p:cNvPr id="1" name="Shape 164"/>
-        <p:cNvGrpSpPr/>
-        <p:nvPr/>
-      </p:nvGrpSpPr>
-      <p:grpSpPr>
-        <a:xfrm>
-          <a:off x="0" y="0"/>
-          <a:ext cx="0" cy="0"/>
-          <a:chOff x="0" y="0"/>
-          <a:chExt cx="0" cy="0"/>
-        </a:xfrm>
-      </p:grpSpPr>
-      <p:sp>
-        <p:nvSpPr>
-          <p:cNvPr id="165" name="Google Shape;165;p30"/>
-          <p:cNvSpPr txBox="1">
-            <a:spLocks noGrp="1"/>
-          </p:cNvSpPr>
-          <p:nvPr>
-            <p:ph type="title"/>
-          </p:nvPr>
-        </p:nvSpPr>
-        <p:spPr>
-          <a:xfrm>
-            <a:off x="415600" y="86563"/>
-            <a:ext cx="11360700" cy="763500"/>
-          </a:xfrm>
-          <a:prstGeom prst="rect">
-            <a:avLst/>
-          </a:prstGeom>
-          <a:noFill/>
-          <a:ln>
-            <a:noFill/>
-          </a:ln>
-        </p:spPr>
-        <p:txBody>
-          <a:bodyPr spcFirstLastPara="1" wrap="square" lIns="121900" tIns="121900" rIns="121900" bIns="121900" anchor="t" anchorCtr="0">
-            <a:normAutofit/>
-          </a:bodyPr>
-          <a:lstStyle/>
-          <a:p>
-            <a:pPr marL="0" lvl="0" indent="0" algn="l" rtl="0">
-              <a:lnSpc>
-                <a:spcPct val="100000"/>
-              </a:lnSpc>
-              <a:spcBef>
-                <a:spcPts val="0"/>
-              </a:spcBef>
-              <a:spcAft>
-                <a:spcPts val="0"/>
-              </a:spcAft>
-              <a:buClr>
-                <a:srgbClr val="FFFFFF"/>
-              </a:buClr>
-              <a:buSzPts val="3700"/>
-              <a:buNone/>
-            </a:pPr>
-            <a:r>
-              <a:rPr lang="en-US" sz="3330"/>
-              <a:t>Sparse Models</a:t>
-            </a:r>
-            <a:endParaRPr/>
-          </a:p>
-        </p:txBody>
-      </p:sp>
-      <p:sp>
-        <p:nvSpPr>
-          <p:cNvPr id="166" name="Google Shape;166;p30"/>
-          <p:cNvSpPr txBox="1">
-            <a:spLocks noGrp="1"/>
-          </p:cNvSpPr>
-          <p:nvPr>
-            <p:ph type="body" idx="1"/>
-          </p:nvPr>
-        </p:nvSpPr>
-        <p:spPr>
-          <a:xfrm>
-            <a:off x="415600" y="1536633"/>
-            <a:ext cx="11360700" cy="4555200"/>
-          </a:xfrm>
-          <a:prstGeom prst="rect">
-            <a:avLst/>
-          </a:prstGeom>
-          <a:noFill/>
-          <a:ln>
-            <a:noFill/>
-          </a:ln>
-        </p:spPr>
-        <p:txBody>
-          <a:bodyPr spcFirstLastPara="1" wrap="square" lIns="121900" tIns="121900" rIns="121900" bIns="121900" anchor="t" anchorCtr="0">
-            <a:normAutofit/>
-          </a:bodyPr>
-          <a:lstStyle/>
-          <a:p>
-            <a:pPr marL="457200" lvl="0" indent="-381000" algn="l" rtl="0">
-              <a:lnSpc>
-                <a:spcPct val="115000"/>
-              </a:lnSpc>
-              <a:spcBef>
-                <a:spcPts val="0"/>
-              </a:spcBef>
-              <a:spcAft>
-                <a:spcPts val="0"/>
-              </a:spcAft>
-              <a:buClr>
-                <a:srgbClr val="434343"/>
-              </a:buClr>
-              <a:buSzPts val="2400"/>
-              <a:buChar char="●"/>
-            </a:pPr>
-            <a:r>
-              <a:rPr lang="en-US"/>
-              <a:t>Sparse models</a:t>
-            </a:r>
-            <a:endParaRPr/>
-          </a:p>
-          <a:p>
-            <a:pPr marL="914400" lvl="1" indent="-349250" algn="l" rtl="0">
-              <a:lnSpc>
-                <a:spcPct val="115000"/>
-              </a:lnSpc>
-              <a:spcBef>
-                <a:spcPts val="2100"/>
-              </a:spcBef>
-              <a:spcAft>
-                <a:spcPts val="0"/>
-              </a:spcAft>
-              <a:buSzPts val="1900"/>
-              <a:buChar char="○"/>
-            </a:pPr>
-            <a:r>
-              <a:rPr lang="en-US"/>
-              <a:t> </a:t>
-            </a:r>
-            <a:r>
-              <a:rPr lang="en-US" u="sng">
-                <a:solidFill>
-                  <a:schemeClr val="hlink"/>
-                </a:solidFill>
-                <a:hlinkClick r:id="rId3"/>
-              </a:rPr>
-              <a:t>interpretable models</a:t>
-            </a:r>
-            <a:r>
-              <a:rPr lang="en-US"/>
-              <a:t> – Ustun and Rudin. Learning Optimized Risk Scores from Large-Scale Datasets.KDD 2017</a:t>
-            </a:r>
-            <a:endParaRPr/>
-          </a:p>
-          <a:p>
-            <a:pPr marL="914400" lvl="1" indent="-349250" algn="l" rtl="0">
-              <a:lnSpc>
-                <a:spcPct val="115000"/>
-              </a:lnSpc>
-              <a:spcBef>
-                <a:spcPts val="2100"/>
-              </a:spcBef>
-              <a:spcAft>
-                <a:spcPts val="0"/>
-              </a:spcAft>
-              <a:buSzPts val="1900"/>
-              <a:buChar char="○"/>
-            </a:pPr>
-            <a:r>
-              <a:rPr lang="en-US" u="sng">
-                <a:solidFill>
-                  <a:schemeClr val="hlink"/>
-                </a:solidFill>
-                <a:hlinkClick r:id="rId4"/>
-              </a:rPr>
-              <a:t>Additive models </a:t>
-            </a:r>
-            <a:r>
-              <a:rPr lang="en-US"/>
-              <a:t>– Caruana et al. "Intelligible models for healthcare: Predicting pneumonia risk and hospital 30-day readmission." </a:t>
-            </a:r>
-            <a:r>
-              <a:rPr lang="en-US" i="1"/>
-              <a:t>KDD 2015)</a:t>
-            </a:r>
-            <a:endParaRPr/>
-          </a:p>
-          <a:p>
-            <a:pPr marL="457200" lvl="0" indent="-228600" algn="l" rtl="0">
-              <a:lnSpc>
-                <a:spcPct val="115000"/>
-              </a:lnSpc>
-              <a:spcBef>
-                <a:spcPts val="0"/>
-              </a:spcBef>
-              <a:spcAft>
-                <a:spcPts val="0"/>
-              </a:spcAft>
-              <a:buClr>
-                <a:srgbClr val="434343"/>
-              </a:buClr>
-              <a:buSzPts val="2400"/>
-              <a:buNone/>
-            </a:pPr>
-            <a:endParaRPr/>
-          </a:p>
-          <a:p>
-            <a:pPr marL="457200" lvl="0" indent="-228600" algn="l" rtl="0">
-              <a:lnSpc>
-                <a:spcPct val="115000"/>
-              </a:lnSpc>
-              <a:spcBef>
-                <a:spcPts val="0"/>
-              </a:spcBef>
-              <a:spcAft>
-                <a:spcPts val="0"/>
-              </a:spcAft>
-              <a:buClr>
-                <a:srgbClr val="434343"/>
-              </a:buClr>
-              <a:buSzPts val="2400"/>
-              <a:buNone/>
-            </a:pPr>
-            <a:endParaRPr/>
           </a:p>
         </p:txBody>
       </p:sp>
@@ -17888,6 +18185,16 @@
             </a:r>
           </a:p>
           <a:p>
+            <a:r>
+              <a:rPr lang="en-US" dirty="0">
+                <a:solidFill>
+                  <a:srgbClr val="C00000"/>
+                </a:solidFill>
+              </a:rPr>
+              <a:t>Thursday: Class Session in GHC 6115</a:t>
+            </a:r>
+          </a:p>
+          <a:p>
             <a:pPr marL="76200" indent="0">
               <a:buNone/>
             </a:pPr>
@@ -17914,6 +18221,18 @@
               <a:t>Tuesday: Feedback Form</a:t>
             </a:r>
           </a:p>
+          <a:p>
+            <a:r>
+              <a:rPr lang="en-US" dirty="0"/>
+              <a:t>Readings for Tuesday: Bias and Fairness</a:t>
+            </a:r>
+          </a:p>
+          <a:p>
+            <a:r>
+              <a:rPr lang="en-US" dirty="0"/>
+              <a:t>No Wednesday meetings (Thanksgiving)</a:t>
+            </a:r>
+          </a:p>
         </p:txBody>
       </p:sp>
     </p:spTree>
@@ -17930,6 +18249,241 @@
 </file>
 
 <file path=ppt/slides/slide20.xml><?xml version="1.0" encoding="utf-8"?>
+<p:sld xmlns:a="http://schemas.openxmlformats.org/drawingml/2006/main" xmlns:r="http://schemas.openxmlformats.org/officeDocument/2006/relationships" xmlns:p="http://schemas.openxmlformats.org/presentationml/2006/main" show="0">
+  <p:cSld>
+    <p:spTree>
+      <p:nvGrpSpPr>
+        <p:cNvPr id="1" name="Shape 164"/>
+        <p:cNvGrpSpPr/>
+        <p:nvPr/>
+      </p:nvGrpSpPr>
+      <p:grpSpPr>
+        <a:xfrm>
+          <a:off x="0" y="0"/>
+          <a:ext cx="0" cy="0"/>
+          <a:chOff x="0" y="0"/>
+          <a:chExt cx="0" cy="0"/>
+        </a:xfrm>
+      </p:grpSpPr>
+      <p:sp>
+        <p:nvSpPr>
+          <p:cNvPr id="165" name="Google Shape;165;p30"/>
+          <p:cNvSpPr txBox="1">
+            <a:spLocks noGrp="1"/>
+          </p:cNvSpPr>
+          <p:nvPr>
+            <p:ph type="title"/>
+          </p:nvPr>
+        </p:nvSpPr>
+        <p:spPr>
+          <a:xfrm>
+            <a:off x="415600" y="86563"/>
+            <a:ext cx="11360700" cy="763500"/>
+          </a:xfrm>
+          <a:prstGeom prst="rect">
+            <a:avLst/>
+          </a:prstGeom>
+          <a:noFill/>
+          <a:ln>
+            <a:noFill/>
+          </a:ln>
+        </p:spPr>
+        <p:txBody>
+          <a:bodyPr spcFirstLastPara="1" wrap="square" lIns="121900" tIns="121900" rIns="121900" bIns="121900" anchor="t" anchorCtr="0">
+            <a:normAutofit/>
+          </a:bodyPr>
+          <a:lstStyle/>
+          <a:p>
+            <a:pPr marL="0" lvl="0" indent="0" algn="l" rtl="0">
+              <a:lnSpc>
+                <a:spcPct val="100000"/>
+              </a:lnSpc>
+              <a:spcBef>
+                <a:spcPts val="0"/>
+              </a:spcBef>
+              <a:spcAft>
+                <a:spcPts val="0"/>
+              </a:spcAft>
+              <a:buClr>
+                <a:srgbClr val="FFFFFF"/>
+              </a:buClr>
+              <a:buSzPts val="3700"/>
+              <a:buNone/>
+            </a:pPr>
+            <a:r>
+              <a:rPr lang="en-US" sz="3330"/>
+              <a:t>Sparse Models</a:t>
+            </a:r>
+            <a:endParaRPr/>
+          </a:p>
+        </p:txBody>
+      </p:sp>
+      <p:sp>
+        <p:nvSpPr>
+          <p:cNvPr id="166" name="Google Shape;166;p30"/>
+          <p:cNvSpPr txBox="1">
+            <a:spLocks noGrp="1"/>
+          </p:cNvSpPr>
+          <p:nvPr>
+            <p:ph type="body" idx="1"/>
+          </p:nvPr>
+        </p:nvSpPr>
+        <p:spPr>
+          <a:xfrm>
+            <a:off x="415600" y="1536633"/>
+            <a:ext cx="11360700" cy="4555200"/>
+          </a:xfrm>
+          <a:prstGeom prst="rect">
+            <a:avLst/>
+          </a:prstGeom>
+          <a:noFill/>
+          <a:ln>
+            <a:noFill/>
+          </a:ln>
+        </p:spPr>
+        <p:txBody>
+          <a:bodyPr spcFirstLastPara="1" wrap="square" lIns="121900" tIns="121900" rIns="121900" bIns="121900" anchor="t" anchorCtr="0">
+            <a:normAutofit/>
+          </a:bodyPr>
+          <a:lstStyle/>
+          <a:p>
+            <a:pPr marL="457200" lvl="0" indent="-381000" algn="l" rtl="0">
+              <a:lnSpc>
+                <a:spcPct val="115000"/>
+              </a:lnSpc>
+              <a:spcBef>
+                <a:spcPts val="0"/>
+              </a:spcBef>
+              <a:spcAft>
+                <a:spcPts val="0"/>
+              </a:spcAft>
+              <a:buClr>
+                <a:srgbClr val="434343"/>
+              </a:buClr>
+              <a:buSzPts val="2400"/>
+              <a:buChar char="●"/>
+            </a:pPr>
+            <a:r>
+              <a:rPr lang="en-US"/>
+              <a:t>Sparse models</a:t>
+            </a:r>
+            <a:endParaRPr/>
+          </a:p>
+          <a:p>
+            <a:pPr marL="914400" lvl="1" indent="-349250" algn="l" rtl="0">
+              <a:lnSpc>
+                <a:spcPct val="115000"/>
+              </a:lnSpc>
+              <a:spcBef>
+                <a:spcPts val="2100"/>
+              </a:spcBef>
+              <a:spcAft>
+                <a:spcPts val="0"/>
+              </a:spcAft>
+              <a:buSzPts val="1900"/>
+              <a:buChar char="○"/>
+            </a:pPr>
+            <a:r>
+              <a:rPr lang="en-US"/>
+              <a:t> </a:t>
+            </a:r>
+            <a:r>
+              <a:rPr lang="en-US" u="sng">
+                <a:solidFill>
+                  <a:schemeClr val="hlink"/>
+                </a:solidFill>
+                <a:hlinkClick r:id="rId3"/>
+              </a:rPr>
+              <a:t>interpretable models</a:t>
+            </a:r>
+            <a:r>
+              <a:rPr lang="en-US"/>
+              <a:t> – Ustun and Rudin. Learning Optimized Risk Scores from Large-Scale Datasets.KDD 2017</a:t>
+            </a:r>
+            <a:endParaRPr/>
+          </a:p>
+          <a:p>
+            <a:pPr marL="914400" lvl="1" indent="-349250" algn="l" rtl="0">
+              <a:lnSpc>
+                <a:spcPct val="115000"/>
+              </a:lnSpc>
+              <a:spcBef>
+                <a:spcPts val="2100"/>
+              </a:spcBef>
+              <a:spcAft>
+                <a:spcPts val="0"/>
+              </a:spcAft>
+              <a:buSzPts val="1900"/>
+              <a:buChar char="○"/>
+            </a:pPr>
+            <a:r>
+              <a:rPr lang="en-US" u="sng">
+                <a:solidFill>
+                  <a:schemeClr val="hlink"/>
+                </a:solidFill>
+                <a:hlinkClick r:id="rId4"/>
+              </a:rPr>
+              <a:t>Additive models </a:t>
+            </a:r>
+            <a:r>
+              <a:rPr lang="en-US"/>
+              <a:t>– Caruana et al. "Intelligible models for healthcare: Predicting pneumonia risk and hospital 30-day readmission." </a:t>
+            </a:r>
+            <a:r>
+              <a:rPr lang="en-US" i="1"/>
+              <a:t>KDD 2015)</a:t>
+            </a:r>
+            <a:endParaRPr/>
+          </a:p>
+          <a:p>
+            <a:pPr marL="457200" lvl="0" indent="-228600" algn="l" rtl="0">
+              <a:lnSpc>
+                <a:spcPct val="115000"/>
+              </a:lnSpc>
+              <a:spcBef>
+                <a:spcPts val="0"/>
+              </a:spcBef>
+              <a:spcAft>
+                <a:spcPts val="0"/>
+              </a:spcAft>
+              <a:buClr>
+                <a:srgbClr val="434343"/>
+              </a:buClr>
+              <a:buSzPts val="2400"/>
+              <a:buNone/>
+            </a:pPr>
+            <a:endParaRPr/>
+          </a:p>
+          <a:p>
+            <a:pPr marL="457200" lvl="0" indent="-228600" algn="l" rtl="0">
+              <a:lnSpc>
+                <a:spcPct val="115000"/>
+              </a:lnSpc>
+              <a:spcBef>
+                <a:spcPts val="0"/>
+              </a:spcBef>
+              <a:spcAft>
+                <a:spcPts val="0"/>
+              </a:spcAft>
+              <a:buClr>
+                <a:srgbClr val="434343"/>
+              </a:buClr>
+              <a:buSzPts val="2400"/>
+              <a:buNone/>
+            </a:pPr>
+            <a:endParaRPr/>
+          </a:p>
+        </p:txBody>
+      </p:sp>
+    </p:spTree>
+  </p:cSld>
+  <p:clrMapOvr>
+    <a:masterClrMapping/>
+  </p:clrMapOvr>
+</p:sld>
+</file>
+
+<file path=ppt/slides/slide21.xml><?xml version="1.0" encoding="utf-8"?>
 <p:sld xmlns:a="http://schemas.openxmlformats.org/drawingml/2006/main" xmlns:r="http://schemas.openxmlformats.org/officeDocument/2006/relationships" xmlns:p="http://schemas.openxmlformats.org/presentationml/2006/main">
   <p:cSld>
     <p:spTree>
@@ -18073,7 +18627,7 @@
 </p:sld>
 </file>
 
-<file path=ppt/slides/slide21.xml><?xml version="1.0" encoding="utf-8"?>
+<file path=ppt/slides/slide22.xml><?xml version="1.0" encoding="utf-8"?>
 <p:sld xmlns:a="http://schemas.openxmlformats.org/drawingml/2006/main" xmlns:r="http://schemas.openxmlformats.org/officeDocument/2006/relationships" xmlns:p="http://schemas.openxmlformats.org/presentationml/2006/main">
   <p:cSld>
     <p:spTree>
@@ -18136,6 +18690,750 @@
               <a:buNone/>
             </a:pPr>
             <a:r>
+              <a:rPr lang="en-US" dirty="0"/>
+              <a:t>Evaluating Explainable ML Methods</a:t>
+            </a:r>
+            <a:endParaRPr dirty="0"/>
+          </a:p>
+        </p:txBody>
+      </p:sp>
+      <p:sp>
+        <p:nvSpPr>
+          <p:cNvPr id="172" name="Google Shape;172;p31"/>
+          <p:cNvSpPr txBox="1">
+            <a:spLocks noGrp="1"/>
+          </p:cNvSpPr>
+          <p:nvPr>
+            <p:ph type="body" idx="1"/>
+          </p:nvPr>
+        </p:nvSpPr>
+        <p:spPr>
+          <a:xfrm>
+            <a:off x="5376672" y="2063715"/>
+            <a:ext cx="6399628" cy="3193863"/>
+          </a:xfrm>
+          <a:prstGeom prst="rect">
+            <a:avLst/>
+          </a:prstGeom>
+          <a:noFill/>
+          <a:ln>
+            <a:noFill/>
+          </a:ln>
+        </p:spPr>
+        <p:txBody>
+          <a:bodyPr spcFirstLastPara="1" wrap="square" lIns="121900" tIns="121900" rIns="121900" bIns="121900" anchor="t" anchorCtr="0">
+            <a:noAutofit/>
+          </a:bodyPr>
+          <a:lstStyle/>
+          <a:p>
+            <a:pPr marL="76200" lvl="0" indent="0" rtl="0">
+              <a:lnSpc>
+                <a:spcPct val="115000"/>
+              </a:lnSpc>
+              <a:spcBef>
+                <a:spcPts val="0"/>
+              </a:spcBef>
+              <a:spcAft>
+                <a:spcPts val="0"/>
+              </a:spcAft>
+              <a:buClr>
+                <a:srgbClr val="434343"/>
+              </a:buClr>
+              <a:buSzPts val="2400"/>
+              <a:buNone/>
+            </a:pPr>
+            <a:r>
+              <a:rPr lang="en-US" sz="2800" dirty="0"/>
+              <a:t>There are </a:t>
+            </a:r>
+            <a:r>
+              <a:rPr lang="en-US" sz="2800" dirty="0">
+                <a:solidFill>
+                  <a:srgbClr val="C00000"/>
+                </a:solidFill>
+              </a:rPr>
+              <a:t>A LOT </a:t>
+            </a:r>
+            <a:r>
+              <a:rPr lang="en-US" sz="2800" dirty="0"/>
+              <a:t>of proposed explainable ML methods and papers that suggest this is a solved problem, but </a:t>
+            </a:r>
+            <a:r>
+              <a:rPr lang="en-US" sz="2800" b="1" dirty="0">
+                <a:solidFill>
+                  <a:srgbClr val="C00000"/>
+                </a:solidFill>
+              </a:rPr>
+              <a:t>very little evidence </a:t>
+            </a:r>
+            <a:r>
+              <a:rPr lang="en-US" sz="2800" dirty="0"/>
+              <a:t>these methods actually improve outcomes in practical use cases.</a:t>
+            </a:r>
+            <a:endParaRPr sz="2800" dirty="0"/>
+          </a:p>
+          <a:p>
+            <a:pPr marL="457200" lvl="0" indent="-228600" rtl="0">
+              <a:lnSpc>
+                <a:spcPct val="115000"/>
+              </a:lnSpc>
+              <a:spcBef>
+                <a:spcPts val="0"/>
+              </a:spcBef>
+              <a:spcAft>
+                <a:spcPts val="0"/>
+              </a:spcAft>
+              <a:buClr>
+                <a:srgbClr val="434343"/>
+              </a:buClr>
+              <a:buSzPts val="2400"/>
+              <a:buNone/>
+            </a:pPr>
+            <a:endParaRPr sz="2800" dirty="0"/>
+          </a:p>
+        </p:txBody>
+      </p:sp>
+      <p:pic>
+        <p:nvPicPr>
+          <p:cNvPr id="1026" name="Picture 2" descr="Order Warning Signs for Workplace Safety | VKF Renzel">
+            <a:extLst>
+              <a:ext uri="{FF2B5EF4-FFF2-40B4-BE49-F238E27FC236}">
+                <a16:creationId xmlns:a16="http://schemas.microsoft.com/office/drawing/2014/main" id="{E0672F7E-093E-DF43-A73B-8B1D07B9C96D}"/>
+              </a:ext>
+            </a:extLst>
+          </p:cNvPr>
+          <p:cNvPicPr>
+            <a:picLocks noChangeAspect="1" noChangeArrowheads="1"/>
+          </p:cNvPicPr>
+          <p:nvPr/>
+        </p:nvPicPr>
+        <p:blipFill>
+          <a:blip r:embed="rId3">
+            <a:extLst>
+              <a:ext uri="{28A0092B-C50C-407E-A947-70E740481C1C}">
+                <a14:useLocalDpi xmlns:a14="http://schemas.microsoft.com/office/drawing/2010/main" val="0"/>
+              </a:ext>
+            </a:extLst>
+          </a:blip>
+          <a:srcRect/>
+          <a:stretch>
+            <a:fillRect/>
+          </a:stretch>
+        </p:blipFill>
+        <p:spPr bwMode="auto">
+          <a:xfrm>
+            <a:off x="1158240" y="1946147"/>
+            <a:ext cx="3429000" cy="3429000"/>
+          </a:xfrm>
+          <a:prstGeom prst="rect">
+            <a:avLst/>
+          </a:prstGeom>
+          <a:noFill/>
+          <a:extLst>
+            <a:ext uri="{909E8E84-426E-40DD-AFC4-6F175D3DCCD1}">
+              <a14:hiddenFill xmlns:a14="http://schemas.microsoft.com/office/drawing/2010/main">
+                <a:solidFill>
+                  <a:srgbClr val="FFFFFF"/>
+                </a:solidFill>
+              </a14:hiddenFill>
+            </a:ext>
+          </a:extLst>
+        </p:spPr>
+      </p:pic>
+    </p:spTree>
+    <p:extLst>
+      <p:ext uri="{BB962C8B-B14F-4D97-AF65-F5344CB8AC3E}">
+        <p14:creationId xmlns:p14="http://schemas.microsoft.com/office/powerpoint/2010/main" val="3936752379"/>
+      </p:ext>
+    </p:extLst>
+  </p:cSld>
+  <p:clrMapOvr>
+    <a:masterClrMapping/>
+  </p:clrMapOvr>
+</p:sld>
+</file>
+
+<file path=ppt/slides/slide23.xml><?xml version="1.0" encoding="utf-8"?>
+<p:sld xmlns:a="http://schemas.openxmlformats.org/drawingml/2006/main" xmlns:r="http://schemas.openxmlformats.org/officeDocument/2006/relationships" xmlns:p="http://schemas.openxmlformats.org/presentationml/2006/main">
+  <p:cSld>
+    <p:spTree>
+      <p:nvGrpSpPr>
+        <p:cNvPr id="1" name="Shape 100"/>
+        <p:cNvGrpSpPr/>
+        <p:nvPr/>
+      </p:nvGrpSpPr>
+      <p:grpSpPr>
+        <a:xfrm>
+          <a:off x="0" y="0"/>
+          <a:ext cx="0" cy="0"/>
+          <a:chOff x="0" y="0"/>
+          <a:chExt cx="0" cy="0"/>
+        </a:xfrm>
+      </p:grpSpPr>
+      <p:sp>
+        <p:nvSpPr>
+          <p:cNvPr id="101" name="Google Shape;101;p29"/>
+          <p:cNvSpPr txBox="1">
+            <a:spLocks noGrp="1"/>
+          </p:cNvSpPr>
+          <p:nvPr>
+            <p:ph type="title"/>
+          </p:nvPr>
+        </p:nvSpPr>
+        <p:spPr>
+          <a:xfrm>
+            <a:off x="415600" y="86563"/>
+            <a:ext cx="11360700" cy="763500"/>
+          </a:xfrm>
+          <a:prstGeom prst="rect">
+            <a:avLst/>
+          </a:prstGeom>
+          <a:noFill/>
+          <a:ln>
+            <a:noFill/>
+          </a:ln>
+        </p:spPr>
+        <p:txBody>
+          <a:bodyPr spcFirstLastPara="1" wrap="square" lIns="121900" tIns="121900" rIns="121900" bIns="121900" anchor="t" anchorCtr="0">
+            <a:noAutofit/>
+          </a:bodyPr>
+          <a:lstStyle/>
+          <a:p>
+            <a:pPr marL="0" lvl="0" indent="0" algn="l" rtl="0">
+              <a:lnSpc>
+                <a:spcPct val="100000"/>
+              </a:lnSpc>
+              <a:spcBef>
+                <a:spcPts val="0"/>
+              </a:spcBef>
+              <a:spcAft>
+                <a:spcPts val="0"/>
+              </a:spcAft>
+              <a:buClr>
+                <a:srgbClr val="FFFFFF"/>
+              </a:buClr>
+              <a:buSzPts val="3700"/>
+              <a:buNone/>
+            </a:pPr>
+            <a:r>
+              <a:rPr lang="en-US" dirty="0"/>
+              <a:t>Evaluating Explainable ML Methods</a:t>
+            </a:r>
+            <a:endParaRPr dirty="0"/>
+          </a:p>
+        </p:txBody>
+      </p:sp>
+      <p:sp>
+        <p:nvSpPr>
+          <p:cNvPr id="102" name="Google Shape;102;p29"/>
+          <p:cNvSpPr txBox="1">
+            <a:spLocks noGrp="1"/>
+          </p:cNvSpPr>
+          <p:nvPr>
+            <p:ph type="body" idx="1"/>
+          </p:nvPr>
+        </p:nvSpPr>
+        <p:spPr>
+          <a:xfrm>
+            <a:off x="415600" y="1090439"/>
+            <a:ext cx="11360700" cy="5680997"/>
+          </a:xfrm>
+          <a:prstGeom prst="rect">
+            <a:avLst/>
+          </a:prstGeom>
+          <a:noFill/>
+          <a:ln>
+            <a:noFill/>
+          </a:ln>
+        </p:spPr>
+        <p:txBody>
+          <a:bodyPr spcFirstLastPara="1" wrap="square" lIns="121900" tIns="121900" rIns="121900" bIns="121900" anchor="t" anchorCtr="0">
+            <a:noAutofit/>
+          </a:bodyPr>
+          <a:lstStyle/>
+          <a:p>
+            <a:pPr marL="457200" lvl="0" indent="-381000" algn="l" rtl="0">
+              <a:lnSpc>
+                <a:spcPct val="115000"/>
+              </a:lnSpc>
+              <a:spcBef>
+                <a:spcPts val="0"/>
+              </a:spcBef>
+              <a:spcAft>
+                <a:spcPts val="0"/>
+              </a:spcAft>
+              <a:buClr>
+                <a:srgbClr val="434343"/>
+              </a:buClr>
+              <a:buSzPts val="2400"/>
+              <a:buChar char="●"/>
+            </a:pPr>
+            <a:r>
+              <a:rPr lang="en-US" dirty="0"/>
+              <a:t>How easy is the method to apply to a new setting (either with an existing implementation or from the description in the paper)?</a:t>
+            </a:r>
+            <a:br>
+              <a:rPr lang="en-US" dirty="0"/>
+            </a:br>
+            <a:endParaRPr lang="en-US" sz="1600" dirty="0"/>
+          </a:p>
+          <a:p>
+            <a:pPr marL="457200" lvl="0" indent="-381000" algn="l" rtl="0">
+              <a:lnSpc>
+                <a:spcPct val="115000"/>
+              </a:lnSpc>
+              <a:spcBef>
+                <a:spcPts val="0"/>
+              </a:spcBef>
+              <a:spcAft>
+                <a:spcPts val="0"/>
+              </a:spcAft>
+              <a:buClr>
+                <a:srgbClr val="434343"/>
+              </a:buClr>
+              <a:buSzPts val="2400"/>
+              <a:buChar char="●"/>
+            </a:pPr>
+            <a:r>
+              <a:rPr lang="en-US" dirty="0"/>
+              <a:t>Are there parameters you need to choose? If so, how do you find good values and how sensitive are the results to these choices?</a:t>
+            </a:r>
+            <a:br>
+              <a:rPr lang="en-US" dirty="0"/>
+            </a:br>
+            <a:endParaRPr lang="en-US" sz="1600" dirty="0"/>
+          </a:p>
+          <a:p>
+            <a:pPr marL="457200" lvl="0" indent="-381000" algn="l" rtl="0">
+              <a:lnSpc>
+                <a:spcPct val="115000"/>
+              </a:lnSpc>
+              <a:spcBef>
+                <a:spcPts val="0"/>
+              </a:spcBef>
+              <a:spcAft>
+                <a:spcPts val="0"/>
+              </a:spcAft>
+              <a:buClr>
+                <a:srgbClr val="434343"/>
+              </a:buClr>
+              <a:buSzPts val="2400"/>
+              <a:buChar char="●"/>
+            </a:pPr>
+            <a:r>
+              <a:rPr lang="en-US" dirty="0"/>
+              <a:t>Do the explanations “make sense”? Are they internally consistent? Do they seem consistent with what you know about the context and the data?</a:t>
+            </a:r>
+            <a:br>
+              <a:rPr lang="en-US" dirty="0"/>
+            </a:br>
+            <a:endParaRPr lang="en-US" sz="1600" dirty="0"/>
+          </a:p>
+          <a:p>
+            <a:pPr marL="457200" lvl="0" indent="-381000" algn="l" rtl="0">
+              <a:lnSpc>
+                <a:spcPct val="115000"/>
+              </a:lnSpc>
+              <a:spcBef>
+                <a:spcPts val="0"/>
+              </a:spcBef>
+              <a:spcAft>
+                <a:spcPts val="0"/>
+              </a:spcAft>
+              <a:buClr>
+                <a:srgbClr val="434343"/>
+              </a:buClr>
+              <a:buSzPts val="2400"/>
+              <a:buChar char="●"/>
+            </a:pPr>
+            <a:r>
+              <a:rPr lang="en-US" dirty="0"/>
+              <a:t>Are the explanations useful? Would they actually improve outcomes for the given use case?</a:t>
+            </a:r>
+            <a:br>
+              <a:rPr lang="en-US" dirty="0"/>
+            </a:br>
+            <a:endParaRPr lang="en-US" sz="1600" dirty="0"/>
+          </a:p>
+          <a:p>
+            <a:pPr marL="457200" lvl="0" indent="-381000" algn="l" rtl="0">
+              <a:lnSpc>
+                <a:spcPct val="115000"/>
+              </a:lnSpc>
+              <a:spcBef>
+                <a:spcPts val="0"/>
+              </a:spcBef>
+              <a:spcAft>
+                <a:spcPts val="0"/>
+              </a:spcAft>
+              <a:buClr>
+                <a:srgbClr val="434343"/>
+              </a:buClr>
+              <a:buSzPts val="2400"/>
+              <a:buChar char="●"/>
+            </a:pPr>
+            <a:r>
+              <a:rPr lang="en-US" dirty="0"/>
+              <a:t>Do you have to make any trade-offs to improve interpretability (e.g., computational time, model accuracy?)</a:t>
+            </a:r>
+            <a:endParaRPr dirty="0"/>
+          </a:p>
+        </p:txBody>
+      </p:sp>
+    </p:spTree>
+    <p:extLst>
+      <p:ext uri="{BB962C8B-B14F-4D97-AF65-F5344CB8AC3E}">
+        <p14:creationId xmlns:p14="http://schemas.microsoft.com/office/powerpoint/2010/main" val="3181624694"/>
+      </p:ext>
+    </p:extLst>
+  </p:cSld>
+  <p:clrMapOvr>
+    <a:masterClrMapping/>
+  </p:clrMapOvr>
+  <p:timing>
+    <p:tnLst>
+      <p:par>
+        <p:cTn id="1" dur="indefinite" restart="never" nodeType="tmRoot">
+          <p:childTnLst>
+            <p:seq concurrent="1" nextAc="seek">
+              <p:cTn id="2" dur="indefinite" nodeType="mainSeq">
+                <p:childTnLst>
+                  <p:par>
+                    <p:cTn id="3" fill="hold">
+                      <p:stCondLst>
+                        <p:cond delay="indefinite"/>
+                      </p:stCondLst>
+                      <p:childTnLst>
+                        <p:par>
+                          <p:cTn id="4" fill="hold">
+                            <p:stCondLst>
+                              <p:cond delay="0"/>
+                            </p:stCondLst>
+                            <p:childTnLst>
+                              <p:par>
+                                <p:cTn id="5" presetID="1" presetClass="entr" presetSubtype="0" fill="hold" grpId="0" nodeType="clickEffect">
+                                  <p:stCondLst>
+                                    <p:cond delay="0"/>
+                                  </p:stCondLst>
+                                  <p:childTnLst>
+                                    <p:set>
+                                      <p:cBhvr>
+                                        <p:cTn id="6" dur="1" fill="hold">
+                                          <p:stCondLst>
+                                            <p:cond delay="0"/>
+                                          </p:stCondLst>
+                                        </p:cTn>
+                                        <p:tgtEl>
+                                          <p:spTgt spid="102">
+                                            <p:txEl>
+                                              <p:pRg st="0" end="0"/>
+                                            </p:txEl>
+                                          </p:spTgt>
+                                        </p:tgtEl>
+                                        <p:attrNameLst>
+                                          <p:attrName>style.visibility</p:attrName>
+                                        </p:attrNameLst>
+                                      </p:cBhvr>
+                                      <p:to>
+                                        <p:strVal val="visible"/>
+                                      </p:to>
+                                    </p:set>
+                                  </p:childTnLst>
+                                </p:cTn>
+                              </p:par>
+                            </p:childTnLst>
+                          </p:cTn>
+                        </p:par>
+                      </p:childTnLst>
+                    </p:cTn>
+                  </p:par>
+                  <p:par>
+                    <p:cTn id="7" fill="hold">
+                      <p:stCondLst>
+                        <p:cond delay="indefinite"/>
+                      </p:stCondLst>
+                      <p:childTnLst>
+                        <p:par>
+                          <p:cTn id="8" fill="hold">
+                            <p:stCondLst>
+                              <p:cond delay="0"/>
+                            </p:stCondLst>
+                            <p:childTnLst>
+                              <p:par>
+                                <p:cTn id="9" presetID="1" presetClass="entr" presetSubtype="0" fill="hold" grpId="0" nodeType="clickEffect">
+                                  <p:stCondLst>
+                                    <p:cond delay="0"/>
+                                  </p:stCondLst>
+                                  <p:childTnLst>
+                                    <p:set>
+                                      <p:cBhvr>
+                                        <p:cTn id="10" dur="1" fill="hold">
+                                          <p:stCondLst>
+                                            <p:cond delay="0"/>
+                                          </p:stCondLst>
+                                        </p:cTn>
+                                        <p:tgtEl>
+                                          <p:spTgt spid="102">
+                                            <p:txEl>
+                                              <p:pRg st="1" end="1"/>
+                                            </p:txEl>
+                                          </p:spTgt>
+                                        </p:tgtEl>
+                                        <p:attrNameLst>
+                                          <p:attrName>style.visibility</p:attrName>
+                                        </p:attrNameLst>
+                                      </p:cBhvr>
+                                      <p:to>
+                                        <p:strVal val="visible"/>
+                                      </p:to>
+                                    </p:set>
+                                  </p:childTnLst>
+                                </p:cTn>
+                              </p:par>
+                            </p:childTnLst>
+                          </p:cTn>
+                        </p:par>
+                      </p:childTnLst>
+                    </p:cTn>
+                  </p:par>
+                  <p:par>
+                    <p:cTn id="11" fill="hold">
+                      <p:stCondLst>
+                        <p:cond delay="indefinite"/>
+                      </p:stCondLst>
+                      <p:childTnLst>
+                        <p:par>
+                          <p:cTn id="12" fill="hold">
+                            <p:stCondLst>
+                              <p:cond delay="0"/>
+                            </p:stCondLst>
+                            <p:childTnLst>
+                              <p:par>
+                                <p:cTn id="13" presetID="1" presetClass="entr" presetSubtype="0" fill="hold" grpId="0" nodeType="clickEffect">
+                                  <p:stCondLst>
+                                    <p:cond delay="0"/>
+                                  </p:stCondLst>
+                                  <p:childTnLst>
+                                    <p:set>
+                                      <p:cBhvr>
+                                        <p:cTn id="14" dur="1" fill="hold">
+                                          <p:stCondLst>
+                                            <p:cond delay="0"/>
+                                          </p:stCondLst>
+                                        </p:cTn>
+                                        <p:tgtEl>
+                                          <p:spTgt spid="102">
+                                            <p:txEl>
+                                              <p:pRg st="2" end="2"/>
+                                            </p:txEl>
+                                          </p:spTgt>
+                                        </p:tgtEl>
+                                        <p:attrNameLst>
+                                          <p:attrName>style.visibility</p:attrName>
+                                        </p:attrNameLst>
+                                      </p:cBhvr>
+                                      <p:to>
+                                        <p:strVal val="visible"/>
+                                      </p:to>
+                                    </p:set>
+                                  </p:childTnLst>
+                                </p:cTn>
+                              </p:par>
+                            </p:childTnLst>
+                          </p:cTn>
+                        </p:par>
+                      </p:childTnLst>
+                    </p:cTn>
+                  </p:par>
+                  <p:par>
+                    <p:cTn id="15" fill="hold">
+                      <p:stCondLst>
+                        <p:cond delay="indefinite"/>
+                      </p:stCondLst>
+                      <p:childTnLst>
+                        <p:par>
+                          <p:cTn id="16" fill="hold">
+                            <p:stCondLst>
+                              <p:cond delay="0"/>
+                            </p:stCondLst>
+                            <p:childTnLst>
+                              <p:par>
+                                <p:cTn id="17" presetID="1" presetClass="entr" presetSubtype="0" fill="hold" grpId="0" nodeType="clickEffect">
+                                  <p:stCondLst>
+                                    <p:cond delay="0"/>
+                                  </p:stCondLst>
+                                  <p:childTnLst>
+                                    <p:set>
+                                      <p:cBhvr>
+                                        <p:cTn id="18" dur="1" fill="hold">
+                                          <p:stCondLst>
+                                            <p:cond delay="0"/>
+                                          </p:stCondLst>
+                                        </p:cTn>
+                                        <p:tgtEl>
+                                          <p:spTgt spid="102">
+                                            <p:txEl>
+                                              <p:pRg st="3" end="3"/>
+                                            </p:txEl>
+                                          </p:spTgt>
+                                        </p:tgtEl>
+                                        <p:attrNameLst>
+                                          <p:attrName>style.visibility</p:attrName>
+                                        </p:attrNameLst>
+                                      </p:cBhvr>
+                                      <p:to>
+                                        <p:strVal val="visible"/>
+                                      </p:to>
+                                    </p:set>
+                                  </p:childTnLst>
+                                </p:cTn>
+                              </p:par>
+                            </p:childTnLst>
+                          </p:cTn>
+                        </p:par>
+                      </p:childTnLst>
+                    </p:cTn>
+                  </p:par>
+                  <p:par>
+                    <p:cTn id="19" fill="hold">
+                      <p:stCondLst>
+                        <p:cond delay="indefinite"/>
+                      </p:stCondLst>
+                      <p:childTnLst>
+                        <p:par>
+                          <p:cTn id="20" fill="hold">
+                            <p:stCondLst>
+                              <p:cond delay="0"/>
+                            </p:stCondLst>
+                            <p:childTnLst>
+                              <p:par>
+                                <p:cTn id="21" presetID="1" presetClass="entr" presetSubtype="0" fill="hold" grpId="0" nodeType="clickEffect">
+                                  <p:stCondLst>
+                                    <p:cond delay="0"/>
+                                  </p:stCondLst>
+                                  <p:childTnLst>
+                                    <p:set>
+                                      <p:cBhvr>
+                                        <p:cTn id="22" dur="1" fill="hold">
+                                          <p:stCondLst>
+                                            <p:cond delay="0"/>
+                                          </p:stCondLst>
+                                        </p:cTn>
+                                        <p:tgtEl>
+                                          <p:spTgt spid="102">
+                                            <p:txEl>
+                                              <p:pRg st="4" end="4"/>
+                                            </p:txEl>
+                                          </p:spTgt>
+                                        </p:tgtEl>
+                                        <p:attrNameLst>
+                                          <p:attrName>style.visibility</p:attrName>
+                                        </p:attrNameLst>
+                                      </p:cBhvr>
+                                      <p:to>
+                                        <p:strVal val="visible"/>
+                                      </p:to>
+                                    </p:set>
+                                  </p:childTnLst>
+                                </p:cTn>
+                              </p:par>
+                            </p:childTnLst>
+                          </p:cTn>
+                        </p:par>
+                      </p:childTnLst>
+                    </p:cTn>
+                  </p:par>
+                </p:childTnLst>
+              </p:cTn>
+              <p:prevCondLst>
+                <p:cond evt="onPrev" delay="0">
+                  <p:tgtEl>
+                    <p:sldTgt/>
+                  </p:tgtEl>
+                </p:cond>
+              </p:prevCondLst>
+              <p:nextCondLst>
+                <p:cond evt="onNext" delay="0">
+                  <p:tgtEl>
+                    <p:sldTgt/>
+                  </p:tgtEl>
+                </p:cond>
+              </p:nextCondLst>
+            </p:seq>
+          </p:childTnLst>
+        </p:cTn>
+      </p:par>
+    </p:tnLst>
+    <p:bldLst>
+      <p:bldP spid="102" grpId="0" build="p"/>
+    </p:bldLst>
+  </p:timing>
+</p:sld>
+</file>
+
+<file path=ppt/slides/slide24.xml><?xml version="1.0" encoding="utf-8"?>
+<p:sld xmlns:a="http://schemas.openxmlformats.org/drawingml/2006/main" xmlns:r="http://schemas.openxmlformats.org/officeDocument/2006/relationships" xmlns:p="http://schemas.openxmlformats.org/presentationml/2006/main">
+  <p:cSld>
+    <p:spTree>
+      <p:nvGrpSpPr>
+        <p:cNvPr id="1" name="Shape 170"/>
+        <p:cNvGrpSpPr/>
+        <p:nvPr/>
+      </p:nvGrpSpPr>
+      <p:grpSpPr>
+        <a:xfrm>
+          <a:off x="0" y="0"/>
+          <a:ext cx="0" cy="0"/>
+          <a:chOff x="0" y="0"/>
+          <a:chExt cx="0" cy="0"/>
+        </a:xfrm>
+      </p:grpSpPr>
+      <p:sp>
+        <p:nvSpPr>
+          <p:cNvPr id="171" name="Google Shape;171;p31"/>
+          <p:cNvSpPr txBox="1">
+            <a:spLocks noGrp="1"/>
+          </p:cNvSpPr>
+          <p:nvPr>
+            <p:ph type="title"/>
+          </p:nvPr>
+        </p:nvSpPr>
+        <p:spPr>
+          <a:xfrm>
+            <a:off x="415600" y="86563"/>
+            <a:ext cx="11360700" cy="763500"/>
+          </a:xfrm>
+          <a:prstGeom prst="rect">
+            <a:avLst/>
+          </a:prstGeom>
+          <a:noFill/>
+          <a:ln>
+            <a:noFill/>
+          </a:ln>
+        </p:spPr>
+        <p:txBody>
+          <a:bodyPr spcFirstLastPara="1" wrap="square" lIns="121900" tIns="121900" rIns="121900" bIns="121900" anchor="t" anchorCtr="0">
+            <a:noAutofit/>
+          </a:bodyPr>
+          <a:lstStyle/>
+          <a:p>
+            <a:pPr marL="0" lvl="0" indent="0" algn="l" rtl="0">
+              <a:lnSpc>
+                <a:spcPct val="100000"/>
+              </a:lnSpc>
+              <a:spcBef>
+                <a:spcPts val="0"/>
+              </a:spcBef>
+              <a:spcAft>
+                <a:spcPts val="0"/>
+              </a:spcAft>
+              <a:buClr>
+                <a:srgbClr val="FFFFFF"/>
+              </a:buClr>
+              <a:buSzPts val="3700"/>
+              <a:buNone/>
+            </a:pPr>
+            <a:r>
               <a:rPr lang="en-US"/>
               <a:t>Specialized “Interpretable” Models</a:t>
             </a:r>
@@ -18301,7 +19599,7 @@
 </p:sld>
 </file>
 
-<file path=ppt/slides/slide22.xml><?xml version="1.0" encoding="utf-8"?>
+<file path=ppt/slides/slide25.xml><?xml version="1.0" encoding="utf-8"?>
 <p:sld xmlns:a="http://schemas.openxmlformats.org/drawingml/2006/main" xmlns:r="http://schemas.openxmlformats.org/officeDocument/2006/relationships" xmlns:p="http://schemas.openxmlformats.org/presentationml/2006/main">
   <p:cSld>
     <p:spTree>
@@ -18354,7 +19652,7 @@
 </p:sld>
 </file>
 
-<file path=ppt/slides/slide23.xml><?xml version="1.0" encoding="utf-8"?>
+<file path=ppt/slides/slide26.xml><?xml version="1.0" encoding="utf-8"?>
 <p:sld xmlns:a="http://schemas.openxmlformats.org/drawingml/2006/main" xmlns:r="http://schemas.openxmlformats.org/officeDocument/2006/relationships" xmlns:p="http://schemas.openxmlformats.org/presentationml/2006/main">
   <p:cSld>
     <p:spTree>
@@ -18406,7 +19704,7 @@
 </p:sld>
 </file>
 
-<file path=ppt/slides/slide24.xml><?xml version="1.0" encoding="utf-8"?>
+<file path=ppt/slides/slide27.xml><?xml version="1.0" encoding="utf-8"?>
 <p:sld xmlns:a="http://schemas.openxmlformats.org/drawingml/2006/main" xmlns:r="http://schemas.openxmlformats.org/officeDocument/2006/relationships" xmlns:p="http://schemas.openxmlformats.org/presentationml/2006/main" show="0">
   <p:cSld>
     <p:spTree>
@@ -18556,7 +19854,7 @@
 </p:sld>
 </file>
 
-<file path=ppt/slides/slide25.xml><?xml version="1.0" encoding="utf-8"?>
+<file path=ppt/slides/slide28.xml><?xml version="1.0" encoding="utf-8"?>
 <p:sld xmlns:a="http://schemas.openxmlformats.org/drawingml/2006/main" xmlns:r="http://schemas.openxmlformats.org/officeDocument/2006/relationships" xmlns:p="http://schemas.openxmlformats.org/presentationml/2006/main">
   <p:cSld>
     <p:spTree>
@@ -18718,7 +20016,7 @@
 </p:sld>
 </file>
 
-<file path=ppt/slides/slide26.xml><?xml version="1.0" encoding="utf-8"?>
+<file path=ppt/slides/slide29.xml><?xml version="1.0" encoding="utf-8"?>
 <p:sld xmlns:a="http://schemas.openxmlformats.org/drawingml/2006/main" xmlns:r="http://schemas.openxmlformats.org/officeDocument/2006/relationships" xmlns:p="http://schemas.openxmlformats.org/presentationml/2006/main">
   <p:cSld>
     <p:spTree>
@@ -18800,6 +20098,16 @@
             </a:r>
           </a:p>
           <a:p>
+            <a:r>
+              <a:rPr lang="en-US" dirty="0">
+                <a:solidFill>
+                  <a:srgbClr val="C00000"/>
+                </a:solidFill>
+              </a:rPr>
+              <a:t>Thursday: Class Session in GHC 6115</a:t>
+            </a:r>
+          </a:p>
+          <a:p>
             <a:pPr marL="76200" indent="0">
               <a:buNone/>
             </a:pPr>
@@ -18826,12 +20134,24 @@
               <a:t>Tuesday: Feedback Form</a:t>
             </a:r>
           </a:p>
+          <a:p>
+            <a:r>
+              <a:rPr lang="en-US" dirty="0"/>
+              <a:t>Readings for Tuesday: Bias and Fairness</a:t>
+            </a:r>
+          </a:p>
+          <a:p>
+            <a:r>
+              <a:rPr lang="en-US" dirty="0"/>
+              <a:t>No Wednesday meetings (Thanksgiving)</a:t>
+            </a:r>
+          </a:p>
         </p:txBody>
       </p:sp>
     </p:spTree>
     <p:extLst>
       <p:ext uri="{BB962C8B-B14F-4D97-AF65-F5344CB8AC3E}">
-        <p14:creationId xmlns:p14="http://schemas.microsoft.com/office/powerpoint/2010/main" val="4047923461"/>
+        <p14:creationId xmlns:p14="http://schemas.microsoft.com/office/powerpoint/2010/main" val="3968549836"/>
       </p:ext>
     </p:extLst>
   </p:cSld>

--- a/Lectures/16-interpretability-part-1.pptx
+++ b/Lectures/16-interpretability-part-1.pptx
@@ -274,7 +274,7 @@
       <p15:sldGuideLst xmlns:p15="http://schemas.microsoft.com/office/powerpoint/2012/main"/>
     </p:ext>
     <p:ext uri="http://customooxmlschemas.google.com/">
-      <go:slidesCustomData xmlns="" xmlns:mc="http://schemas.openxmlformats.org/markup-compatibility/2006" xmlns:mv="urn:schemas-microsoft-com:mac:vml" xmlns:c="http://schemas.openxmlformats.org/drawingml/2006/chart" xmlns:dgm="http://schemas.openxmlformats.org/drawingml/2006/diagram" xmlns:o="urn:schemas-microsoft-com:office:office" xmlns:v="urn:schemas-microsoft-com:vml" xmlns:pvml="urn:schemas-microsoft-com:office:powerpoint" xmlns:com="http://schemas.openxmlformats.org/drawingml/2006/compatibility" xmlns:p14="http://schemas.microsoft.com/office/powerpoint/2010/main" xmlns:p15="http://schemas.microsoft.com/office/powerpoint/2012/main" xmlns:go="http://customooxmlschemas.google.com/" r:id="rId32" roundtripDataSignature="AMtx7mhE+28Dr6x2pr2JNXfuZKhsL7KtRg=="/>
+      <go:slidesCustomData xmlns:go="http://customooxmlschemas.google.com/" xmlns:p15="http://schemas.microsoft.com/office/powerpoint/2012/main" xmlns:p14="http://schemas.microsoft.com/office/powerpoint/2010/main" xmlns:com="http://schemas.openxmlformats.org/drawingml/2006/compatibility" xmlns:pvml="urn:schemas-microsoft-com:office:powerpoint" xmlns:v="urn:schemas-microsoft-com:vml" xmlns:o="urn:schemas-microsoft-com:office:office" xmlns:dgm="http://schemas.openxmlformats.org/drawingml/2006/diagram" xmlns:c="http://schemas.openxmlformats.org/drawingml/2006/chart" xmlns:mv="urn:schemas-microsoft-com:mac:vml" xmlns:mc="http://schemas.openxmlformats.org/markup-compatibility/2006" xmlns="" r:id="rId32" roundtripDataSignature="AMtx7mhE+28Dr6x2pr2JNXfuZKhsL7KtRg=="/>
     </p:ext>
   </p:extLst>
 </p:presentation>
@@ -14574,7 +14574,7 @@
               <a:buNone/>
             </a:pPr>
             <a:r>
-              <a:rPr lang="en-US" sz="2800" b="0" i="0" u="none" strike="noStrike" cap="none">
+              <a:rPr lang="en-US" sz="2800" b="0" i="0" u="none" strike="noStrike" cap="none" dirty="0">
                 <a:solidFill>
                   <a:srgbClr val="595959"/>
                 </a:solidFill>
@@ -14583,9 +14583,9 @@
                 <a:cs typeface="Arial"/>
                 <a:sym typeface="Arial"/>
               </a:rPr>
-              <a:t>Rayid Ghani and Kit Rodolfa</a:t>
+              <a:t>Rayid Ghani</a:t>
             </a:r>
-            <a:endParaRPr sz="2800" b="0" i="0" u="none" strike="noStrike" cap="none">
+            <a:endParaRPr sz="2800" b="0" i="0" u="none" strike="noStrike" cap="none" dirty="0">
               <a:solidFill>
                 <a:srgbClr val="595959"/>
               </a:solidFill>

--- a/Lectures/16-interpretability-part-1.pptx
+++ b/Lectures/16-interpretability-part-1.pptx
@@ -5,38 +5,39 @@
     <p:sldMasterId id="2147483648" r:id="rId1"/>
   </p:sldMasterIdLst>
   <p:notesMasterIdLst>
-    <p:notesMasterId r:id="rId31"/>
+    <p:notesMasterId r:id="rId32"/>
   </p:notesMasterIdLst>
   <p:sldIdLst>
     <p:sldId id="256" r:id="rId2"/>
-    <p:sldId id="515" r:id="rId3"/>
-    <p:sldId id="318" r:id="rId4"/>
-    <p:sldId id="323" r:id="rId5"/>
-    <p:sldId id="259" r:id="rId6"/>
-    <p:sldId id="260" r:id="rId7"/>
-    <p:sldId id="261" r:id="rId8"/>
-    <p:sldId id="262" r:id="rId9"/>
-    <p:sldId id="263" r:id="rId10"/>
-    <p:sldId id="264" r:id="rId11"/>
-    <p:sldId id="265" r:id="rId12"/>
-    <p:sldId id="525" r:id="rId13"/>
-    <p:sldId id="266" r:id="rId14"/>
-    <p:sldId id="267" r:id="rId15"/>
-    <p:sldId id="270" r:id="rId16"/>
-    <p:sldId id="271" r:id="rId17"/>
-    <p:sldId id="272" r:id="rId18"/>
-    <p:sldId id="273" r:id="rId19"/>
-    <p:sldId id="274" r:id="rId20"/>
-    <p:sldId id="275" r:id="rId21"/>
-    <p:sldId id="500" r:id="rId22"/>
-    <p:sldId id="527" r:id="rId23"/>
-    <p:sldId id="513" r:id="rId24"/>
-    <p:sldId id="276" r:id="rId25"/>
-    <p:sldId id="277" r:id="rId26"/>
-    <p:sldId id="278" r:id="rId27"/>
-    <p:sldId id="279" r:id="rId28"/>
-    <p:sldId id="280" r:id="rId29"/>
-    <p:sldId id="526" r:id="rId30"/>
+    <p:sldId id="323" r:id="rId3"/>
+    <p:sldId id="528" r:id="rId4"/>
+    <p:sldId id="515" r:id="rId5"/>
+    <p:sldId id="318" r:id="rId6"/>
+    <p:sldId id="259" r:id="rId7"/>
+    <p:sldId id="260" r:id="rId8"/>
+    <p:sldId id="261" r:id="rId9"/>
+    <p:sldId id="262" r:id="rId10"/>
+    <p:sldId id="263" r:id="rId11"/>
+    <p:sldId id="264" r:id="rId12"/>
+    <p:sldId id="265" r:id="rId13"/>
+    <p:sldId id="525" r:id="rId14"/>
+    <p:sldId id="266" r:id="rId15"/>
+    <p:sldId id="267" r:id="rId16"/>
+    <p:sldId id="270" r:id="rId17"/>
+    <p:sldId id="271" r:id="rId18"/>
+    <p:sldId id="272" r:id="rId19"/>
+    <p:sldId id="273" r:id="rId20"/>
+    <p:sldId id="274" r:id="rId21"/>
+    <p:sldId id="275" r:id="rId22"/>
+    <p:sldId id="500" r:id="rId23"/>
+    <p:sldId id="527" r:id="rId24"/>
+    <p:sldId id="513" r:id="rId25"/>
+    <p:sldId id="276" r:id="rId26"/>
+    <p:sldId id="277" r:id="rId27"/>
+    <p:sldId id="278" r:id="rId28"/>
+    <p:sldId id="279" r:id="rId29"/>
+    <p:sldId id="280" r:id="rId30"/>
+    <p:sldId id="529" r:id="rId31"/>
   </p:sldIdLst>
   <p:sldSz cx="12192000" cy="6858000"/>
   <p:notesSz cx="6858000" cy="9144000"/>
@@ -274,7 +275,7 @@
       <p15:sldGuideLst xmlns:p15="http://schemas.microsoft.com/office/powerpoint/2012/main"/>
     </p:ext>
     <p:ext uri="http://customooxmlschemas.google.com/">
-      <go:slidesCustomData xmlns:go="http://customooxmlschemas.google.com/" xmlns:p15="http://schemas.microsoft.com/office/powerpoint/2012/main" xmlns:p14="http://schemas.microsoft.com/office/powerpoint/2010/main" xmlns:com="http://schemas.openxmlformats.org/drawingml/2006/compatibility" xmlns:pvml="urn:schemas-microsoft-com:office:powerpoint" xmlns:v="urn:schemas-microsoft-com:vml" xmlns:o="urn:schemas-microsoft-com:office:office" xmlns:dgm="http://schemas.openxmlformats.org/drawingml/2006/diagram" xmlns:c="http://schemas.openxmlformats.org/drawingml/2006/chart" xmlns:mv="urn:schemas-microsoft-com:mac:vml" xmlns:mc="http://schemas.openxmlformats.org/markup-compatibility/2006" xmlns="" r:id="rId32" roundtripDataSignature="AMtx7mhE+28Dr6x2pr2JNXfuZKhsL7KtRg=="/>
+      <go:slidesCustomData xmlns:go="http://customooxmlschemas.google.com/" xmlns:p15="http://schemas.microsoft.com/office/powerpoint/2012/main" xmlns:p14="http://schemas.microsoft.com/office/powerpoint/2010/main" xmlns:com="http://schemas.openxmlformats.org/drawingml/2006/compatibility" xmlns:pvml="urn:schemas-microsoft-com:office:powerpoint" xmlns:v="urn:schemas-microsoft-com:vml" xmlns:o="urn:schemas-microsoft-com:office:office" xmlns:dgm="http://schemas.openxmlformats.org/drawingml/2006/diagram" xmlns:c="http://schemas.openxmlformats.org/drawingml/2006/chart" xmlns:mv="urn:schemas-microsoft-com:mac:vml" xmlns:mc="http://schemas.openxmlformats.org/markup-compatibility/2006" xmlns="" r:id="rId33" roundtripDataSignature="AMtx7mhE+28Dr6x2pr2JNXfuZKhsL7KtRg=="/>
     </p:ext>
   </p:extLst>
 </p:presentation>
@@ -7101,7 +7102,7 @@
             </a:pPr>
             <a:fld id="{00000000-1234-1234-1234-123412341234}" type="slidenum">
               <a:rPr lang="en-US"/>
-              <a:t>14</a:t>
+              <a:t>15</a:t>
             </a:fld>
             <a:endParaRPr/>
           </a:p>
@@ -9342,7 +9343,7 @@
             </a:pPr>
             <a:fld id="{00000000-1234-1234-1234-123412341234}" type="slidenum">
               <a:rPr lang="en-US"/>
-              <a:t>12</a:t>
+              <a:t>13</a:t>
             </a:fld>
             <a:endParaRPr/>
           </a:p>
@@ -14637,6 +14638,820 @@
   <p:cSld>
     <p:spTree>
       <p:nvGrpSpPr>
+        <p:cNvPr id="1" name="Shape 82"/>
+        <p:cNvGrpSpPr/>
+        <p:nvPr/>
+      </p:nvGrpSpPr>
+      <p:grpSpPr>
+        <a:xfrm>
+          <a:off x="0" y="0"/>
+          <a:ext cx="0" cy="0"/>
+          <a:chOff x="0" y="0"/>
+          <a:chExt cx="0" cy="0"/>
+        </a:xfrm>
+      </p:grpSpPr>
+      <p:sp>
+        <p:nvSpPr>
+          <p:cNvPr id="83" name="Google Shape;83;g71c82016f7_0_5"/>
+          <p:cNvSpPr txBox="1">
+            <a:spLocks noGrp="1"/>
+          </p:cNvSpPr>
+          <p:nvPr>
+            <p:ph type="title"/>
+          </p:nvPr>
+        </p:nvSpPr>
+        <p:spPr>
+          <a:xfrm>
+            <a:off x="415600" y="86563"/>
+            <a:ext cx="11360700" cy="763500"/>
+          </a:xfrm>
+          <a:prstGeom prst="rect">
+            <a:avLst/>
+          </a:prstGeom>
+          <a:noFill/>
+          <a:ln>
+            <a:noFill/>
+          </a:ln>
+        </p:spPr>
+        <p:txBody>
+          <a:bodyPr spcFirstLastPara="1" wrap="square" lIns="121900" tIns="121900" rIns="121900" bIns="121900" anchor="t" anchorCtr="0">
+            <a:noAutofit/>
+          </a:bodyPr>
+          <a:lstStyle/>
+          <a:p>
+            <a:pPr marL="0" lvl="0" indent="0" algn="l" rtl="0">
+              <a:lnSpc>
+                <a:spcPct val="100000"/>
+              </a:lnSpc>
+              <a:spcBef>
+                <a:spcPts val="0"/>
+              </a:spcBef>
+              <a:spcAft>
+                <a:spcPts val="0"/>
+              </a:spcAft>
+              <a:buClr>
+                <a:srgbClr val="FFFFFF"/>
+              </a:buClr>
+              <a:buSzPts val="3700"/>
+              <a:buNone/>
+            </a:pPr>
+            <a:r>
+              <a:rPr lang="en-US"/>
+              <a:t>Global Vs Local</a:t>
+            </a:r>
+            <a:endParaRPr/>
+          </a:p>
+        </p:txBody>
+      </p:sp>
+      <p:graphicFrame>
+        <p:nvGraphicFramePr>
+          <p:cNvPr id="84" name="Google Shape;84;g71c82016f7_0_5"/>
+          <p:cNvGraphicFramePr/>
+          <p:nvPr/>
+        </p:nvGraphicFramePr>
+        <p:xfrm>
+          <a:off x="263476" y="1762929"/>
+          <a:ext cx="11664950" cy="3173270"/>
+        </p:xfrm>
+        <a:graphic>
+          <a:graphicData uri="http://schemas.openxmlformats.org/drawingml/2006/table">
+            <a:tbl>
+              <a:tblPr firstRow="1" bandRow="1">
+                <a:noFill/>
+                <a:tableStyleId>{5A04CC6A-533F-41F1-990F-45FB056E221C}</a:tableStyleId>
+              </a:tblPr>
+              <a:tblGrid>
+                <a:gridCol w="2052875">
+                  <a:extLst>
+                    <a:ext uri="{9D8B030D-6E8A-4147-A177-3AD203B41FA5}">
+                      <a16:colId xmlns:a16="http://schemas.microsoft.com/office/drawing/2014/main" val="20000"/>
+                    </a:ext>
+                  </a:extLst>
+                </a:gridCol>
+                <a:gridCol w="3657600">
+                  <a:extLst>
+                    <a:ext uri="{9D8B030D-6E8A-4147-A177-3AD203B41FA5}">
+                      <a16:colId xmlns:a16="http://schemas.microsoft.com/office/drawing/2014/main" val="20001"/>
+                    </a:ext>
+                  </a:extLst>
+                </a:gridCol>
+                <a:gridCol w="3657600">
+                  <a:extLst>
+                    <a:ext uri="{9D8B030D-6E8A-4147-A177-3AD203B41FA5}">
+                      <a16:colId xmlns:a16="http://schemas.microsoft.com/office/drawing/2014/main" val="20002"/>
+                    </a:ext>
+                  </a:extLst>
+                </a:gridCol>
+                <a:gridCol w="2296875">
+                  <a:extLst>
+                    <a:ext uri="{9D8B030D-6E8A-4147-A177-3AD203B41FA5}">
+                      <a16:colId xmlns:a16="http://schemas.microsoft.com/office/drawing/2014/main" val="20003"/>
+                    </a:ext>
+                  </a:extLst>
+                </a:gridCol>
+              </a:tblGrid>
+              <a:tr h="494450">
+                <a:tc>
+                  <a:txBody>
+                    <a:bodyPr/>
+                    <a:lstStyle/>
+                    <a:p>
+                      <a:pPr marL="0" marR="0" lvl="0" indent="0" algn="l" rtl="0">
+                        <a:lnSpc>
+                          <a:spcPct val="100000"/>
+                        </a:lnSpc>
+                        <a:spcBef>
+                          <a:spcPts val="0"/>
+                        </a:spcBef>
+                        <a:spcAft>
+                          <a:spcPts val="0"/>
+                        </a:spcAft>
+                        <a:buNone/>
+                      </a:pPr>
+                      <a:r>
+                        <a:rPr lang="en-US" sz="2000" u="none" strike="noStrike" cap="none"/>
+                        <a:t>Use Case</a:t>
+                      </a:r>
+                      <a:endParaRPr/>
+                    </a:p>
+                  </a:txBody>
+                  <a:tcPr marL="121925" marR="121925" marT="60950" marB="60950"/>
+                </a:tc>
+                <a:tc>
+                  <a:txBody>
+                    <a:bodyPr/>
+                    <a:lstStyle/>
+                    <a:p>
+                      <a:pPr marL="0" marR="0" lvl="0" indent="0" algn="l" rtl="0">
+                        <a:lnSpc>
+                          <a:spcPct val="100000"/>
+                        </a:lnSpc>
+                        <a:spcBef>
+                          <a:spcPts val="0"/>
+                        </a:spcBef>
+                        <a:spcAft>
+                          <a:spcPts val="0"/>
+                        </a:spcAft>
+                        <a:buNone/>
+                      </a:pPr>
+                      <a:r>
+                        <a:rPr lang="en-US" sz="2000" u="none" strike="noStrike" cap="none"/>
+                        <a:t>User</a:t>
+                      </a:r>
+                      <a:endParaRPr/>
+                    </a:p>
+                  </a:txBody>
+                  <a:tcPr marL="121925" marR="121925" marT="60950" marB="60950"/>
+                </a:tc>
+                <a:tc>
+                  <a:txBody>
+                    <a:bodyPr/>
+                    <a:lstStyle/>
+                    <a:p>
+                      <a:pPr marL="0" marR="0" lvl="0" indent="0" algn="l" rtl="0">
+                        <a:lnSpc>
+                          <a:spcPct val="100000"/>
+                        </a:lnSpc>
+                        <a:spcBef>
+                          <a:spcPts val="0"/>
+                        </a:spcBef>
+                        <a:spcAft>
+                          <a:spcPts val="0"/>
+                        </a:spcAft>
+                        <a:buNone/>
+                      </a:pPr>
+                      <a:r>
+                        <a:rPr lang="en-US" sz="2000" u="none" strike="noStrike" cap="none"/>
+                        <a:t>Goal</a:t>
+                      </a:r>
+                      <a:endParaRPr/>
+                    </a:p>
+                  </a:txBody>
+                  <a:tcPr marL="121925" marR="121925" marT="60950" marB="60950"/>
+                </a:tc>
+                <a:tc>
+                  <a:txBody>
+                    <a:bodyPr/>
+                    <a:lstStyle/>
+                    <a:p>
+                      <a:pPr marL="0" marR="0" lvl="0" indent="0" algn="l" rtl="0">
+                        <a:lnSpc>
+                          <a:spcPct val="100000"/>
+                        </a:lnSpc>
+                        <a:spcBef>
+                          <a:spcPts val="0"/>
+                        </a:spcBef>
+                        <a:spcAft>
+                          <a:spcPts val="0"/>
+                        </a:spcAft>
+                        <a:buNone/>
+                      </a:pPr>
+                      <a:r>
+                        <a:rPr lang="en-US" sz="2000" u="none" strike="noStrike" cap="none"/>
+                        <a:t>Global or Local</a:t>
+                      </a:r>
+                      <a:endParaRPr/>
+                    </a:p>
+                  </a:txBody>
+                  <a:tcPr marL="121925" marR="121925" marT="60950" marB="60950"/>
+                </a:tc>
+                <a:extLst>
+                  <a:ext uri="{0D108BD9-81ED-4DB2-BD59-A6C34878D82A}">
+                    <a16:rowId xmlns:a16="http://schemas.microsoft.com/office/drawing/2014/main" val="10000"/>
+                  </a:ext>
+                </a:extLst>
+              </a:tr>
+              <a:tr h="494450">
+                <a:tc>
+                  <a:txBody>
+                    <a:bodyPr/>
+                    <a:lstStyle/>
+                    <a:p>
+                      <a:pPr marL="0" marR="0" lvl="0" indent="0" algn="l" rtl="0">
+                        <a:lnSpc>
+                          <a:spcPct val="100000"/>
+                        </a:lnSpc>
+                        <a:spcBef>
+                          <a:spcPts val="0"/>
+                        </a:spcBef>
+                        <a:spcAft>
+                          <a:spcPts val="0"/>
+                        </a:spcAft>
+                        <a:buNone/>
+                      </a:pPr>
+                      <a:r>
+                        <a:rPr lang="en-US" sz="1900" u="none" strike="noStrike" cap="none"/>
+                        <a:t>Debugging</a:t>
+                      </a:r>
+                      <a:endParaRPr/>
+                    </a:p>
+                  </a:txBody>
+                  <a:tcPr marL="121925" marR="121925" marT="60950" marB="60950"/>
+                </a:tc>
+                <a:tc>
+                  <a:txBody>
+                    <a:bodyPr/>
+                    <a:lstStyle/>
+                    <a:p>
+                      <a:pPr marL="0" marR="0" lvl="0" indent="0" algn="l" rtl="0">
+                        <a:lnSpc>
+                          <a:spcPct val="100000"/>
+                        </a:lnSpc>
+                        <a:spcBef>
+                          <a:spcPts val="0"/>
+                        </a:spcBef>
+                        <a:spcAft>
+                          <a:spcPts val="0"/>
+                        </a:spcAft>
+                        <a:buNone/>
+                      </a:pPr>
+                      <a:r>
+                        <a:rPr lang="en-US" sz="1900" u="none" strike="noStrike" cap="none"/>
+                        <a:t>ML Developer</a:t>
+                      </a:r>
+                      <a:endParaRPr/>
+                    </a:p>
+                  </a:txBody>
+                  <a:tcPr marL="121925" marR="121925" marT="60950" marB="60950"/>
+                </a:tc>
+                <a:tc>
+                  <a:txBody>
+                    <a:bodyPr/>
+                    <a:lstStyle/>
+                    <a:p>
+                      <a:pPr marL="0" marR="0" lvl="0" indent="0" algn="l" rtl="0">
+                        <a:lnSpc>
+                          <a:spcPct val="100000"/>
+                        </a:lnSpc>
+                        <a:spcBef>
+                          <a:spcPts val="0"/>
+                        </a:spcBef>
+                        <a:spcAft>
+                          <a:spcPts val="0"/>
+                        </a:spcAft>
+                        <a:buNone/>
+                      </a:pPr>
+                      <a:r>
+                        <a:rPr lang="en-US" sz="1900" u="none" strike="noStrike" cap="none"/>
+                        <a:t>Sanity check</a:t>
+                      </a:r>
+                      <a:endParaRPr/>
+                    </a:p>
+                  </a:txBody>
+                  <a:tcPr marL="121925" marR="121925" marT="60950" marB="60950"/>
+                </a:tc>
+                <a:tc>
+                  <a:txBody>
+                    <a:bodyPr/>
+                    <a:lstStyle/>
+                    <a:p>
+                      <a:pPr marL="0" marR="0" lvl="0" indent="0" algn="l" rtl="0">
+                        <a:lnSpc>
+                          <a:spcPct val="100000"/>
+                        </a:lnSpc>
+                        <a:spcBef>
+                          <a:spcPts val="0"/>
+                        </a:spcBef>
+                        <a:spcAft>
+                          <a:spcPts val="0"/>
+                        </a:spcAft>
+                        <a:buNone/>
+                      </a:pPr>
+                      <a:r>
+                        <a:rPr lang="en-US" sz="1900" u="none" strike="noStrike" cap="none"/>
+                        <a:t>Both</a:t>
+                      </a:r>
+                      <a:endParaRPr/>
+                    </a:p>
+                  </a:txBody>
+                  <a:tcPr marL="121925" marR="121925" marT="60950" marB="60950"/>
+                </a:tc>
+                <a:extLst>
+                  <a:ext uri="{0D108BD9-81ED-4DB2-BD59-A6C34878D82A}">
+                    <a16:rowId xmlns:a16="http://schemas.microsoft.com/office/drawing/2014/main" val="10001"/>
+                  </a:ext>
+                </a:extLst>
+              </a:tr>
+              <a:tr h="690875">
+                <a:tc>
+                  <a:txBody>
+                    <a:bodyPr/>
+                    <a:lstStyle/>
+                    <a:p>
+                      <a:pPr marL="0" marR="0" lvl="0" indent="0" algn="l" rtl="0">
+                        <a:lnSpc>
+                          <a:spcPct val="100000"/>
+                        </a:lnSpc>
+                        <a:spcBef>
+                          <a:spcPts val="0"/>
+                        </a:spcBef>
+                        <a:spcAft>
+                          <a:spcPts val="0"/>
+                        </a:spcAft>
+                        <a:buNone/>
+                      </a:pPr>
+                      <a:r>
+                        <a:rPr lang="en-US" sz="1900" u="none" strike="noStrike" cap="none"/>
+                        <a:t>Improving performance</a:t>
+                      </a:r>
+                      <a:endParaRPr/>
+                    </a:p>
+                  </a:txBody>
+                  <a:tcPr marL="121925" marR="121925" marT="60950" marB="60950"/>
+                </a:tc>
+                <a:tc>
+                  <a:txBody>
+                    <a:bodyPr/>
+                    <a:lstStyle/>
+                    <a:p>
+                      <a:pPr marL="0" marR="0" lvl="0" indent="0" algn="l" rtl="0">
+                        <a:lnSpc>
+                          <a:spcPct val="100000"/>
+                        </a:lnSpc>
+                        <a:spcBef>
+                          <a:spcPts val="0"/>
+                        </a:spcBef>
+                        <a:spcAft>
+                          <a:spcPts val="0"/>
+                        </a:spcAft>
+                        <a:buNone/>
+                      </a:pPr>
+                      <a:r>
+                        <a:rPr lang="en-US" sz="1900" u="none" strike="noStrike" cap="none"/>
+                        <a:t>Action-</a:t>
+                      </a:r>
+                      <a:endParaRPr/>
+                    </a:p>
+                    <a:p>
+                      <a:pPr marL="0" marR="0" lvl="0" indent="0" algn="l" rtl="0">
+                        <a:lnSpc>
+                          <a:spcPct val="100000"/>
+                        </a:lnSpc>
+                        <a:spcBef>
+                          <a:spcPts val="0"/>
+                        </a:spcBef>
+                        <a:spcAft>
+                          <a:spcPts val="0"/>
+                        </a:spcAft>
+                        <a:buNone/>
+                      </a:pPr>
+                      <a:r>
+                        <a:rPr lang="en-US" sz="1900" u="none" strike="noStrike" cap="none"/>
+                        <a:t>taker</a:t>
+                      </a:r>
+                      <a:endParaRPr/>
+                    </a:p>
+                  </a:txBody>
+                  <a:tcPr marL="121925" marR="121925" marT="60950" marB="60950"/>
+                </a:tc>
+                <a:tc>
+                  <a:txBody>
+                    <a:bodyPr/>
+                    <a:lstStyle/>
+                    <a:p>
+                      <a:pPr marL="0" marR="0" lvl="0" indent="0" algn="l" rtl="0">
+                        <a:lnSpc>
+                          <a:spcPct val="100000"/>
+                        </a:lnSpc>
+                        <a:spcBef>
+                          <a:spcPts val="0"/>
+                        </a:spcBef>
+                        <a:spcAft>
+                          <a:spcPts val="0"/>
+                        </a:spcAft>
+                        <a:buNone/>
+                      </a:pPr>
+                      <a:r>
+                        <a:rPr lang="en-US" sz="1900" u="none" strike="noStrike" cap="none"/>
+                        <a:t>Decide to agree or override</a:t>
+                      </a:r>
+                      <a:endParaRPr/>
+                    </a:p>
+                  </a:txBody>
+                  <a:tcPr marL="121925" marR="121925" marT="60950" marB="60950"/>
+                </a:tc>
+                <a:tc>
+                  <a:txBody>
+                    <a:bodyPr/>
+                    <a:lstStyle/>
+                    <a:p>
+                      <a:pPr marL="0" marR="0" lvl="0" indent="0" algn="l" rtl="0">
+                        <a:lnSpc>
+                          <a:spcPct val="100000"/>
+                        </a:lnSpc>
+                        <a:spcBef>
+                          <a:spcPts val="0"/>
+                        </a:spcBef>
+                        <a:spcAft>
+                          <a:spcPts val="0"/>
+                        </a:spcAft>
+                        <a:buNone/>
+                      </a:pPr>
+                      <a:r>
+                        <a:rPr lang="en-US" sz="1900" u="none" strike="noStrike" cap="none"/>
+                        <a:t>Local</a:t>
+                      </a:r>
+                      <a:endParaRPr/>
+                    </a:p>
+                  </a:txBody>
+                  <a:tcPr marL="121925" marR="121925" marT="60950" marB="60950"/>
+                </a:tc>
+                <a:extLst>
+                  <a:ext uri="{0D108BD9-81ED-4DB2-BD59-A6C34878D82A}">
+                    <a16:rowId xmlns:a16="http://schemas.microsoft.com/office/drawing/2014/main" val="10002"/>
+                  </a:ext>
+                </a:extLst>
+              </a:tr>
+              <a:tr h="494450">
+                <a:tc>
+                  <a:txBody>
+                    <a:bodyPr/>
+                    <a:lstStyle/>
+                    <a:p>
+                      <a:pPr marL="0" marR="0" lvl="0" indent="0" algn="l" rtl="0">
+                        <a:lnSpc>
+                          <a:spcPct val="100000"/>
+                        </a:lnSpc>
+                        <a:spcBef>
+                          <a:spcPts val="0"/>
+                        </a:spcBef>
+                        <a:spcAft>
+                          <a:spcPts val="0"/>
+                        </a:spcAft>
+                        <a:buNone/>
+                      </a:pPr>
+                      <a:r>
+                        <a:rPr lang="en-US" sz="1900" u="none" strike="noStrike" cap="none"/>
+                        <a:t>Trust</a:t>
+                      </a:r>
+                      <a:endParaRPr/>
+                    </a:p>
+                  </a:txBody>
+                  <a:tcPr marL="121925" marR="121925" marT="60950" marB="60950"/>
+                </a:tc>
+                <a:tc>
+                  <a:txBody>
+                    <a:bodyPr/>
+                    <a:lstStyle/>
+                    <a:p>
+                      <a:pPr marL="0" marR="0" lvl="0" indent="0" algn="l" rtl="0">
+                        <a:lnSpc>
+                          <a:spcPct val="100000"/>
+                        </a:lnSpc>
+                        <a:spcBef>
+                          <a:spcPts val="0"/>
+                        </a:spcBef>
+                        <a:spcAft>
+                          <a:spcPts val="0"/>
+                        </a:spcAft>
+                        <a:buNone/>
+                      </a:pPr>
+                      <a:r>
+                        <a:rPr lang="en-US" sz="1900" u="none" strike="noStrike" cap="none"/>
+                        <a:t>Policymaker/Action-Taker</a:t>
+                      </a:r>
+                      <a:endParaRPr/>
+                    </a:p>
+                  </a:txBody>
+                  <a:tcPr marL="121925" marR="121925" marT="60950" marB="60950"/>
+                </a:tc>
+                <a:tc>
+                  <a:txBody>
+                    <a:bodyPr/>
+                    <a:lstStyle/>
+                    <a:p>
+                      <a:pPr marL="0" marR="0" lvl="0" indent="0" algn="l" rtl="0">
+                        <a:lnSpc>
+                          <a:spcPct val="100000"/>
+                        </a:lnSpc>
+                        <a:spcBef>
+                          <a:spcPts val="0"/>
+                        </a:spcBef>
+                        <a:spcAft>
+                          <a:spcPts val="0"/>
+                        </a:spcAft>
+                        <a:buNone/>
+                      </a:pPr>
+                      <a:r>
+                        <a:rPr lang="en-US" sz="1900"/>
+                        <a:t>Model use =&gt; better outcomes</a:t>
+                      </a:r>
+                      <a:endParaRPr sz="1900" u="none" strike="noStrike" cap="none"/>
+                    </a:p>
+                  </a:txBody>
+                  <a:tcPr marL="121925" marR="121925" marT="60950" marB="60950"/>
+                </a:tc>
+                <a:tc>
+                  <a:txBody>
+                    <a:bodyPr/>
+                    <a:lstStyle/>
+                    <a:p>
+                      <a:pPr marL="0" marR="0" lvl="0" indent="0" algn="l" rtl="0">
+                        <a:lnSpc>
+                          <a:spcPct val="100000"/>
+                        </a:lnSpc>
+                        <a:spcBef>
+                          <a:spcPts val="0"/>
+                        </a:spcBef>
+                        <a:spcAft>
+                          <a:spcPts val="0"/>
+                        </a:spcAft>
+                        <a:buNone/>
+                      </a:pPr>
+                      <a:r>
+                        <a:rPr lang="en-US" sz="1900" u="none" strike="noStrike" cap="none"/>
+                        <a:t>Both</a:t>
+                      </a:r>
+                      <a:endParaRPr/>
+                    </a:p>
+                  </a:txBody>
+                  <a:tcPr marL="121925" marR="121925" marT="60950" marB="60950"/>
+                </a:tc>
+                <a:extLst>
+                  <a:ext uri="{0D108BD9-81ED-4DB2-BD59-A6C34878D82A}">
+                    <a16:rowId xmlns:a16="http://schemas.microsoft.com/office/drawing/2014/main" val="10003"/>
+                  </a:ext>
+                </a:extLst>
+              </a:tr>
+              <a:tr h="494450">
+                <a:tc>
+                  <a:txBody>
+                    <a:bodyPr/>
+                    <a:lstStyle/>
+                    <a:p>
+                      <a:pPr marL="0" marR="0" lvl="0" indent="0" algn="l" rtl="0">
+                        <a:lnSpc>
+                          <a:spcPct val="100000"/>
+                        </a:lnSpc>
+                        <a:spcBef>
+                          <a:spcPts val="0"/>
+                        </a:spcBef>
+                        <a:spcAft>
+                          <a:spcPts val="0"/>
+                        </a:spcAft>
+                        <a:buNone/>
+                      </a:pPr>
+                      <a:r>
+                        <a:rPr lang="en-US" sz="1900" u="none" strike="noStrike" cap="none"/>
+                        <a:t>Interventions</a:t>
+                      </a:r>
+                      <a:endParaRPr/>
+                    </a:p>
+                  </a:txBody>
+                  <a:tcPr marL="121925" marR="121925" marT="60950" marB="60950"/>
+                </a:tc>
+                <a:tc>
+                  <a:txBody>
+                    <a:bodyPr/>
+                    <a:lstStyle/>
+                    <a:p>
+                      <a:pPr marL="0" marR="0" lvl="0" indent="0" algn="l" rtl="0">
+                        <a:lnSpc>
+                          <a:spcPct val="100000"/>
+                        </a:lnSpc>
+                        <a:spcBef>
+                          <a:spcPts val="0"/>
+                        </a:spcBef>
+                        <a:spcAft>
+                          <a:spcPts val="0"/>
+                        </a:spcAft>
+                        <a:buNone/>
+                      </a:pPr>
+                      <a:r>
+                        <a:rPr lang="en-US" sz="1900" u="none" strike="noStrike" cap="none"/>
+                        <a:t>Action-Taker</a:t>
+                      </a:r>
+                      <a:endParaRPr/>
+                    </a:p>
+                  </a:txBody>
+                  <a:tcPr marL="121925" marR="121925" marT="60950" marB="60950"/>
+                </a:tc>
+                <a:tc>
+                  <a:txBody>
+                    <a:bodyPr/>
+                    <a:lstStyle/>
+                    <a:p>
+                      <a:pPr marL="0" marR="0" lvl="0" indent="0" algn="l" rtl="0">
+                        <a:lnSpc>
+                          <a:spcPct val="100000"/>
+                        </a:lnSpc>
+                        <a:spcBef>
+                          <a:spcPts val="0"/>
+                        </a:spcBef>
+                        <a:spcAft>
+                          <a:spcPts val="0"/>
+                        </a:spcAft>
+                        <a:buNone/>
+                      </a:pPr>
+                      <a:r>
+                        <a:rPr lang="en-US" sz="1900"/>
+                        <a:t>Improve outcomes</a:t>
+                      </a:r>
+                      <a:endParaRPr sz="1900" u="none" strike="noStrike" cap="none"/>
+                    </a:p>
+                  </a:txBody>
+                  <a:tcPr marL="121925" marR="121925" marT="60950" marB="60950"/>
+                </a:tc>
+                <a:tc>
+                  <a:txBody>
+                    <a:bodyPr/>
+                    <a:lstStyle/>
+                    <a:p>
+                      <a:pPr marL="0" marR="0" lvl="0" indent="0" algn="l" rtl="0">
+                        <a:lnSpc>
+                          <a:spcPct val="100000"/>
+                        </a:lnSpc>
+                        <a:spcBef>
+                          <a:spcPts val="0"/>
+                        </a:spcBef>
+                        <a:spcAft>
+                          <a:spcPts val="0"/>
+                        </a:spcAft>
+                        <a:buNone/>
+                      </a:pPr>
+                      <a:r>
+                        <a:rPr lang="en-US" sz="1900" u="none" strike="noStrike" cap="none"/>
+                        <a:t>Local</a:t>
+                      </a:r>
+                      <a:endParaRPr/>
+                    </a:p>
+                  </a:txBody>
+                  <a:tcPr marL="121925" marR="121925" marT="60950" marB="60950"/>
+                </a:tc>
+                <a:extLst>
+                  <a:ext uri="{0D108BD9-81ED-4DB2-BD59-A6C34878D82A}">
+                    <a16:rowId xmlns:a16="http://schemas.microsoft.com/office/drawing/2014/main" val="10004"/>
+                  </a:ext>
+                </a:extLst>
+              </a:tr>
+              <a:tr h="494450">
+                <a:tc>
+                  <a:txBody>
+                    <a:bodyPr/>
+                    <a:lstStyle/>
+                    <a:p>
+                      <a:pPr marL="0" marR="0" lvl="0" indent="0" algn="l" rtl="0">
+                        <a:lnSpc>
+                          <a:spcPct val="100000"/>
+                        </a:lnSpc>
+                        <a:spcBef>
+                          <a:spcPts val="0"/>
+                        </a:spcBef>
+                        <a:spcAft>
+                          <a:spcPts val="0"/>
+                        </a:spcAft>
+                        <a:buNone/>
+                      </a:pPr>
+                      <a:r>
+                        <a:rPr lang="en-US" sz="1900" u="none" strike="noStrike" cap="none"/>
+                        <a:t>Recourse</a:t>
+                      </a:r>
+                      <a:endParaRPr/>
+                    </a:p>
+                  </a:txBody>
+                  <a:tcPr marL="121925" marR="121925" marT="60950" marB="60950"/>
+                </a:tc>
+                <a:tc>
+                  <a:txBody>
+                    <a:bodyPr/>
+                    <a:lstStyle/>
+                    <a:p>
+                      <a:pPr marL="0" marR="0" lvl="0" indent="0" algn="l" rtl="0">
+                        <a:lnSpc>
+                          <a:spcPct val="100000"/>
+                        </a:lnSpc>
+                        <a:spcBef>
+                          <a:spcPts val="0"/>
+                        </a:spcBef>
+                        <a:spcAft>
+                          <a:spcPts val="0"/>
+                        </a:spcAft>
+                        <a:buNone/>
+                      </a:pPr>
+                      <a:r>
+                        <a:rPr lang="en-US" sz="1900" u="none" strike="noStrike" cap="none"/>
+                        <a:t>Individual affected</a:t>
+                      </a:r>
+                      <a:endParaRPr/>
+                    </a:p>
+                  </a:txBody>
+                  <a:tcPr marL="121925" marR="121925" marT="60950" marB="60950"/>
+                </a:tc>
+                <a:tc>
+                  <a:txBody>
+                    <a:bodyPr/>
+                    <a:lstStyle/>
+                    <a:p>
+                      <a:pPr marL="0" marR="0" lvl="0" indent="0" algn="l" rtl="0">
+                        <a:lnSpc>
+                          <a:spcPct val="100000"/>
+                        </a:lnSpc>
+                        <a:spcBef>
+                          <a:spcPts val="0"/>
+                        </a:spcBef>
+                        <a:spcAft>
+                          <a:spcPts val="0"/>
+                        </a:spcAft>
+                        <a:buNone/>
+                      </a:pPr>
+                      <a:r>
+                        <a:rPr lang="en-US" sz="1900" u="none" strike="noStrike" cap="none"/>
+                        <a:t>Recourse</a:t>
+                      </a:r>
+                      <a:endParaRPr/>
+                    </a:p>
+                  </a:txBody>
+                  <a:tcPr marL="121925" marR="121925" marT="60950" marB="60950"/>
+                </a:tc>
+                <a:tc>
+                  <a:txBody>
+                    <a:bodyPr/>
+                    <a:lstStyle/>
+                    <a:p>
+                      <a:pPr marL="0" marR="0" lvl="0" indent="0" algn="l" rtl="0">
+                        <a:lnSpc>
+                          <a:spcPct val="100000"/>
+                        </a:lnSpc>
+                        <a:spcBef>
+                          <a:spcPts val="0"/>
+                        </a:spcBef>
+                        <a:spcAft>
+                          <a:spcPts val="0"/>
+                        </a:spcAft>
+                        <a:buNone/>
+                      </a:pPr>
+                      <a:r>
+                        <a:rPr lang="en-US" sz="1900" u="none" strike="noStrike" cap="none"/>
+                        <a:t>Local</a:t>
+                      </a:r>
+                      <a:endParaRPr/>
+                    </a:p>
+                  </a:txBody>
+                  <a:tcPr marL="121925" marR="121925" marT="60950" marB="60950"/>
+                </a:tc>
+                <a:extLst>
+                  <a:ext uri="{0D108BD9-81ED-4DB2-BD59-A6C34878D82A}">
+                    <a16:rowId xmlns:a16="http://schemas.microsoft.com/office/drawing/2014/main" val="10005"/>
+                  </a:ext>
+                </a:extLst>
+              </a:tr>
+            </a:tbl>
+          </a:graphicData>
+        </a:graphic>
+      </p:graphicFrame>
+    </p:spTree>
+  </p:cSld>
+  <p:clrMapOvr>
+    <a:masterClrMapping/>
+  </p:clrMapOvr>
+</p:sld>
+</file>
+
+<file path=ppt/slides/slide11.xml><?xml version="1.0" encoding="utf-8"?>
+<p:sld xmlns:a="http://schemas.openxmlformats.org/drawingml/2006/main" xmlns:r="http://schemas.openxmlformats.org/officeDocument/2006/relationships" xmlns:p="http://schemas.openxmlformats.org/presentationml/2006/main">
+  <p:cSld>
+    <p:spTree>
+      <p:nvGrpSpPr>
         <p:cNvPr id="1" name="Shape 88"/>
         <p:cNvGrpSpPr/>
         <p:nvPr/>
@@ -14759,7 +15574,7 @@
 </p:sld>
 </file>
 
-<file path=ppt/slides/slide11.xml><?xml version="1.0" encoding="utf-8"?>
+<file path=ppt/slides/slide12.xml><?xml version="1.0" encoding="utf-8"?>
 <p:sld xmlns:a="http://schemas.openxmlformats.org/drawingml/2006/main" xmlns:r="http://schemas.openxmlformats.org/officeDocument/2006/relationships" xmlns:p="http://schemas.openxmlformats.org/presentationml/2006/main">
   <p:cSld>
     <p:spTree>
@@ -14875,10 +15690,10 @@
               <a:buChar char="●"/>
             </a:pPr>
             <a:r>
-              <a:rPr lang="en-US"/>
-              <a:t>Look at the model</a:t>
+              <a:rPr lang="en-US" dirty="0"/>
+              <a:t>Look at the model itself </a:t>
             </a:r>
-            <a:endParaRPr/>
+            <a:endParaRPr dirty="0"/>
           </a:p>
           <a:p>
             <a:pPr marL="457200" lvl="0" indent="-381000" algn="l" rtl="0">
@@ -14898,10 +15713,10 @@
               <a:buChar char="●"/>
             </a:pPr>
             <a:r>
-              <a:rPr lang="en-US"/>
-              <a:t>Look at score distributions and calibration</a:t>
+              <a:rPr lang="en-US" dirty="0"/>
+              <a:t>Look at score distributions and calibration (to assess uncertainty)</a:t>
             </a:r>
-            <a:endParaRPr/>
+            <a:endParaRPr dirty="0"/>
           </a:p>
           <a:p>
             <a:pPr marL="457200" lvl="0" indent="-381000" algn="l" rtl="0">
@@ -14921,10 +15736,18 @@
               <a:buChar char="●"/>
             </a:pPr>
             <a:r>
-              <a:rPr lang="en-US"/>
-              <a:t>Look at Feature Importances</a:t>
+              <a:rPr lang="en-US" dirty="0"/>
+              <a:t>Look at Feature </a:t>
             </a:r>
-            <a:endParaRPr/>
+            <a:r>
+              <a:rPr lang="en-US" dirty="0" err="1"/>
+              <a:t>Importances</a:t>
+            </a:r>
+            <a:r>
+              <a:rPr lang="en-US" dirty="0"/>
+              <a:t> (and know what that means for different models)</a:t>
+            </a:r>
+            <a:endParaRPr dirty="0"/>
           </a:p>
           <a:p>
             <a:pPr marL="457200" lvl="0" indent="-381000" algn="l" rtl="0">
@@ -14944,25 +15767,9 @@
               <a:buChar char="●"/>
             </a:pPr>
             <a:r>
-              <a:rPr lang="en-US"/>
-              <a:t>Look at contributions of feature groups </a:t>
+              <a:rPr lang="en-US" dirty="0"/>
+              <a:t>Look at contributions of groups/sources of features</a:t>
             </a:r>
-            <a:endParaRPr/>
-          </a:p>
-          <a:p>
-            <a:pPr marL="457200" lvl="0" indent="0" algn="l" rtl="0">
-              <a:lnSpc>
-                <a:spcPct val="115000"/>
-              </a:lnSpc>
-              <a:spcBef>
-                <a:spcPts val="0"/>
-              </a:spcBef>
-              <a:spcAft>
-                <a:spcPts val="0"/>
-              </a:spcAft>
-              <a:buNone/>
-            </a:pPr>
-            <a:endParaRPr/>
           </a:p>
           <a:p>
             <a:pPr marL="457200" lvl="0" indent="-381000" algn="l" rtl="0">
@@ -14982,52 +15789,42 @@
               <a:buChar char="●"/>
             </a:pPr>
             <a:r>
-              <a:rPr lang="en-US"/>
-              <a:t>Cross-Tabs on the “predictions”</a:t>
+              <a:rPr lang="en-US" dirty="0"/>
+              <a:t>Look at the predictions of the model</a:t>
             </a:r>
-            <a:endParaRPr/>
           </a:p>
           <a:p>
-            <a:pPr marL="457200" lvl="0" indent="-381000" algn="l" rtl="0">
-              <a:lnSpc>
-                <a:spcPct val="115000"/>
-              </a:lnSpc>
-              <a:spcBef>
-                <a:spcPts val="0"/>
-              </a:spcBef>
-              <a:spcAft>
-                <a:spcPts val="0"/>
-              </a:spcAft>
-              <a:buClr>
-                <a:srgbClr val="434343"/>
-              </a:buClr>
+            <a:pPr lvl="1" indent="-381000">
+              <a:spcBef>
+                <a:spcPts val="0"/>
+              </a:spcBef>
               <a:buSzPts val="2400"/>
               <a:buChar char="●"/>
             </a:pPr>
             <a:r>
-              <a:rPr lang="en-US"/>
-              <a:t>Error Analysis</a:t>
+              <a:rPr lang="en-US" dirty="0"/>
+              <a:t>Who/what does the model prioritize?</a:t>
             </a:r>
-            <a:endParaRPr/>
           </a:p>
           <a:p>
-            <a:pPr marL="457200" lvl="0" indent="-228600" algn="l" rtl="0">
-              <a:lnSpc>
-                <a:spcPct val="115000"/>
-              </a:lnSpc>
-              <a:spcBef>
-                <a:spcPts val="0"/>
-              </a:spcBef>
-              <a:spcAft>
-                <a:spcPts val="0"/>
-              </a:spcAft>
-              <a:buClr>
-                <a:srgbClr val="434343"/>
-              </a:buClr>
+            <a:pPr lvl="1" indent="-381000">
+              <a:spcBef>
+                <a:spcPts val="0"/>
+              </a:spcBef>
               <a:buSzPts val="2400"/>
-              <a:buNone/>
+              <a:buChar char="●"/>
             </a:pPr>
-            <a:endParaRPr/>
+            <a:r>
+              <a:rPr lang="en-US" dirty="0"/>
+              <a:t>How are the top k predictions different than the rest? (cross-tabs on top k vs rest)</a:t>
+            </a:r>
+          </a:p>
+          <a:p>
+            <a:r>
+              <a:rPr lang="en-US" dirty="0"/>
+              <a:t>Look at where the models makes mistakes</a:t>
+            </a:r>
+            <a:endParaRPr dirty="0"/>
           </a:p>
         </p:txBody>
       </p:sp>
@@ -15039,7 +15836,7 @@
 </p:sld>
 </file>
 
-<file path=ppt/slides/slide12.xml><?xml version="1.0" encoding="utf-8"?>
+<file path=ppt/slides/slide13.xml><?xml version="1.0" encoding="utf-8"?>
 <p:sld xmlns:a="http://schemas.openxmlformats.org/drawingml/2006/main" xmlns:r="http://schemas.openxmlformats.org/officeDocument/2006/relationships" xmlns:p="http://schemas.openxmlformats.org/presentationml/2006/main">
   <p:cSld>
     <p:spTree>
@@ -15168,7 +15965,7 @@
 </p:sld>
 </file>
 
-<file path=ppt/slides/slide13.xml><?xml version="1.0" encoding="utf-8"?>
+<file path=ppt/slides/slide14.xml><?xml version="1.0" encoding="utf-8"?>
 <p:sld xmlns:a="http://schemas.openxmlformats.org/drawingml/2006/main" xmlns:r="http://schemas.openxmlformats.org/officeDocument/2006/relationships" xmlns:p="http://schemas.openxmlformats.org/presentationml/2006/main">
   <p:cSld>
     <p:spTree>
@@ -15391,7 +16188,7 @@
 </p:sld>
 </file>
 
-<file path=ppt/slides/slide14.xml><?xml version="1.0" encoding="utf-8"?>
+<file path=ppt/slides/slide15.xml><?xml version="1.0" encoding="utf-8"?>
 <p:sld xmlns:a="http://schemas.openxmlformats.org/drawingml/2006/main" xmlns:r="http://schemas.openxmlformats.org/officeDocument/2006/relationships" xmlns:p="http://schemas.openxmlformats.org/presentationml/2006/main">
   <p:cSld>
     <p:spTree>
@@ -15496,7 +16293,7 @@
 </p:sld>
 </file>
 
-<file path=ppt/slides/slide15.xml><?xml version="1.0" encoding="utf-8"?>
+<file path=ppt/slides/slide16.xml><?xml version="1.0" encoding="utf-8"?>
 <p:sld xmlns:a="http://schemas.openxmlformats.org/drawingml/2006/main" xmlns:r="http://schemas.openxmlformats.org/officeDocument/2006/relationships" xmlns:p="http://schemas.openxmlformats.org/presentationml/2006/main">
   <p:cSld>
     <p:spTree>
@@ -15656,7 +16453,7 @@
 </p:sld>
 </file>
 
-<file path=ppt/slides/slide16.xml><?xml version="1.0" encoding="utf-8"?>
+<file path=ppt/slides/slide17.xml><?xml version="1.0" encoding="utf-8"?>
 <p:sld xmlns:a="http://schemas.openxmlformats.org/drawingml/2006/main" xmlns:r="http://schemas.openxmlformats.org/officeDocument/2006/relationships" xmlns:p="http://schemas.openxmlformats.org/presentationml/2006/main">
   <p:cSld>
     <p:spTree>
@@ -17282,7 +18079,7 @@
 </p:sld>
 </file>
 
-<file path=ppt/slides/slide17.xml><?xml version="1.0" encoding="utf-8"?>
+<file path=ppt/slides/slide18.xml><?xml version="1.0" encoding="utf-8"?>
 <p:sld xmlns:a="http://schemas.openxmlformats.org/drawingml/2006/main" xmlns:r="http://schemas.openxmlformats.org/officeDocument/2006/relationships" xmlns:p="http://schemas.openxmlformats.org/presentationml/2006/main">
   <p:cSld>
     <p:spTree>
@@ -17432,7 +18229,7 @@
 </p:sld>
 </file>
 
-<file path=ppt/slides/slide18.xml><?xml version="1.0" encoding="utf-8"?>
+<file path=ppt/slides/slide19.xml><?xml version="1.0" encoding="utf-8"?>
 <p:sld xmlns:a="http://schemas.openxmlformats.org/drawingml/2006/main" xmlns:r="http://schemas.openxmlformats.org/officeDocument/2006/relationships" xmlns:p="http://schemas.openxmlformats.org/presentationml/2006/main">
   <p:cSld>
     <p:spTree>
@@ -17614,7 +18411,136 @@
 </p:sld>
 </file>
 
-<file path=ppt/slides/slide19.xml><?xml version="1.0" encoding="utf-8"?>
+<file path=ppt/slides/slide2.xml><?xml version="1.0" encoding="utf-8"?>
+<p:sld xmlns:a="http://schemas.openxmlformats.org/drawingml/2006/main" xmlns:r="http://schemas.openxmlformats.org/officeDocument/2006/relationships" xmlns:p="http://schemas.openxmlformats.org/presentationml/2006/main">
+  <p:cSld>
+    <p:spTree>
+      <p:nvGrpSpPr>
+        <p:cNvPr id="1" name=""/>
+        <p:cNvGrpSpPr/>
+        <p:nvPr/>
+      </p:nvGrpSpPr>
+      <p:grpSpPr>
+        <a:xfrm>
+          <a:off x="0" y="0"/>
+          <a:ext cx="0" cy="0"/>
+          <a:chOff x="0" y="0"/>
+          <a:chExt cx="0" cy="0"/>
+        </a:xfrm>
+      </p:grpSpPr>
+      <p:sp>
+        <p:nvSpPr>
+          <p:cNvPr id="2" name="Title 1">
+            <a:extLst>
+              <a:ext uri="{FF2B5EF4-FFF2-40B4-BE49-F238E27FC236}">
+                <a16:creationId xmlns:a16="http://schemas.microsoft.com/office/drawing/2014/main" id="{94CF2A94-A63F-6149-AA28-2E35B60E3D3E}"/>
+              </a:ext>
+            </a:extLst>
+          </p:cNvPr>
+          <p:cNvSpPr>
+            <a:spLocks noGrp="1"/>
+          </p:cNvSpPr>
+          <p:nvPr>
+            <p:ph type="title"/>
+          </p:nvPr>
+        </p:nvSpPr>
+        <p:spPr/>
+        <p:txBody>
+          <a:bodyPr/>
+          <a:lstStyle/>
+          <a:p>
+            <a:endParaRPr lang="en-US"/>
+          </a:p>
+        </p:txBody>
+      </p:sp>
+      <p:graphicFrame>
+        <p:nvGraphicFramePr>
+          <p:cNvPr id="3" name="Diagram 2">
+            <a:extLst>
+              <a:ext uri="{FF2B5EF4-FFF2-40B4-BE49-F238E27FC236}">
+                <a16:creationId xmlns:a16="http://schemas.microsoft.com/office/drawing/2014/main" id="{8E902576-68A9-6E48-B0FE-5B1889953DC8}"/>
+              </a:ext>
+            </a:extLst>
+          </p:cNvPr>
+          <p:cNvGraphicFramePr/>
+          <p:nvPr/>
+        </p:nvGraphicFramePr>
+        <p:xfrm>
+          <a:off x="180467" y="0"/>
+          <a:ext cx="11776400" cy="6858000"/>
+        </p:xfrm>
+        <a:graphic>
+          <a:graphicData uri="http://schemas.openxmlformats.org/drawingml/2006/diagram">
+            <dgm:relIds xmlns:dgm="http://schemas.openxmlformats.org/drawingml/2006/diagram" xmlns:r="http://schemas.openxmlformats.org/officeDocument/2006/relationships" r:dm="rId2" r:lo="rId3" r:qs="rId4" r:cs="rId5"/>
+          </a:graphicData>
+        </a:graphic>
+      </p:graphicFrame>
+      <p:sp>
+        <p:nvSpPr>
+          <p:cNvPr id="4" name="Rectangle 3">
+            <a:extLst>
+              <a:ext uri="{FF2B5EF4-FFF2-40B4-BE49-F238E27FC236}">
+                <a16:creationId xmlns:a16="http://schemas.microsoft.com/office/drawing/2014/main" id="{E2C99BF2-C81A-5246-89D3-E49BCDCAD699}"/>
+              </a:ext>
+            </a:extLst>
+          </p:cNvPr>
+          <p:cNvSpPr/>
+          <p:nvPr/>
+        </p:nvSpPr>
+        <p:spPr>
+          <a:xfrm>
+            <a:off x="6388892" y="2534144"/>
+            <a:ext cx="2534195" cy="1789611"/>
+          </a:xfrm>
+          <a:prstGeom prst="rect">
+            <a:avLst/>
+          </a:prstGeom>
+          <a:noFill/>
+          <a:ln w="76200">
+            <a:solidFill>
+              <a:srgbClr val="C00000"/>
+            </a:solidFill>
+          </a:ln>
+        </p:spPr>
+        <p:style>
+          <a:lnRef idx="2">
+            <a:schemeClr val="accent1">
+              <a:shade val="50000"/>
+            </a:schemeClr>
+          </a:lnRef>
+          <a:fillRef idx="1">
+            <a:schemeClr val="accent1"/>
+          </a:fillRef>
+          <a:effectRef idx="0">
+            <a:schemeClr val="accent1"/>
+          </a:effectRef>
+          <a:fontRef idx="minor">
+            <a:schemeClr val="lt1"/>
+          </a:fontRef>
+        </p:style>
+        <p:txBody>
+          <a:bodyPr rtlCol="0" anchor="ctr"/>
+          <a:lstStyle/>
+          <a:p>
+            <a:pPr algn="ctr"/>
+            <a:endParaRPr lang="en-US"/>
+          </a:p>
+        </p:txBody>
+      </p:sp>
+    </p:spTree>
+    <p:extLst>
+      <p:ext uri="{BB962C8B-B14F-4D97-AF65-F5344CB8AC3E}">
+        <p14:creationId xmlns:p14="http://schemas.microsoft.com/office/powerpoint/2010/main" val="1582547232"/>
+      </p:ext>
+    </p:extLst>
+  </p:cSld>
+  <p:clrMapOvr>
+    <a:masterClrMapping/>
+  </p:clrMapOvr>
+</p:sld>
+</file>
+
+<file path=ppt/slides/slide20.xml><?xml version="1.0" encoding="utf-8"?>
 <p:sld xmlns:a="http://schemas.openxmlformats.org/drawingml/2006/main" xmlns:r="http://schemas.openxmlformats.org/officeDocument/2006/relationships" xmlns:p="http://schemas.openxmlformats.org/presentationml/2006/main" show="0">
   <p:cSld>
     <p:spTree>
@@ -18103,152 +19029,7 @@
 </p:sld>
 </file>
 
-<file path=ppt/slides/slide2.xml><?xml version="1.0" encoding="utf-8"?>
-<p:sld xmlns:a="http://schemas.openxmlformats.org/drawingml/2006/main" xmlns:r="http://schemas.openxmlformats.org/officeDocument/2006/relationships" xmlns:p="http://schemas.openxmlformats.org/presentationml/2006/main">
-  <p:cSld>
-    <p:spTree>
-      <p:nvGrpSpPr>
-        <p:cNvPr id="1" name=""/>
-        <p:cNvGrpSpPr/>
-        <p:nvPr/>
-      </p:nvGrpSpPr>
-      <p:grpSpPr>
-        <a:xfrm>
-          <a:off x="0" y="0"/>
-          <a:ext cx="0" cy="0"/>
-          <a:chOff x="0" y="0"/>
-          <a:chExt cx="0" cy="0"/>
-        </a:xfrm>
-      </p:grpSpPr>
-      <p:sp>
-        <p:nvSpPr>
-          <p:cNvPr id="3" name="Title 2">
-            <a:extLst>
-              <a:ext uri="{FF2B5EF4-FFF2-40B4-BE49-F238E27FC236}">
-                <a16:creationId xmlns:a16="http://schemas.microsoft.com/office/drawing/2014/main" id="{9323871C-7CA8-1448-8FFC-1AE6E1838941}"/>
-              </a:ext>
-            </a:extLst>
-          </p:cNvPr>
-          <p:cNvSpPr>
-            <a:spLocks noGrp="1"/>
-          </p:cNvSpPr>
-          <p:nvPr>
-            <p:ph type="title"/>
-          </p:nvPr>
-        </p:nvSpPr>
-        <p:spPr/>
-        <p:txBody>
-          <a:bodyPr/>
-          <a:lstStyle/>
-          <a:p>
-            <a:r>
-              <a:rPr lang="en-US" dirty="0"/>
-              <a:t>Reminders</a:t>
-            </a:r>
-          </a:p>
-        </p:txBody>
-      </p:sp>
-      <p:sp>
-        <p:nvSpPr>
-          <p:cNvPr id="5" name="Text Placeholder 4">
-            <a:extLst>
-              <a:ext uri="{FF2B5EF4-FFF2-40B4-BE49-F238E27FC236}">
-                <a16:creationId xmlns:a16="http://schemas.microsoft.com/office/drawing/2014/main" id="{F4E0A5F0-1D89-954D-91FB-596CD9E690F2}"/>
-              </a:ext>
-            </a:extLst>
-          </p:cNvPr>
-          <p:cNvSpPr>
-            <a:spLocks noGrp="1"/>
-          </p:cNvSpPr>
-          <p:nvPr>
-            <p:ph type="body" idx="1"/>
-          </p:nvPr>
-        </p:nvSpPr>
-        <p:spPr/>
-        <p:txBody>
-          <a:bodyPr/>
-          <a:lstStyle/>
-          <a:p>
-            <a:pPr marL="76200" indent="0">
-              <a:buNone/>
-            </a:pPr>
-            <a:r>
-              <a:rPr lang="en-US" b="1" dirty="0"/>
-              <a:t>This week:</a:t>
-            </a:r>
-            <a:endParaRPr lang="en-US" dirty="0"/>
-          </a:p>
-          <a:p>
-            <a:r>
-              <a:rPr lang="en-US" dirty="0"/>
-              <a:t>Wednesday team check-ins</a:t>
-            </a:r>
-          </a:p>
-          <a:p>
-            <a:r>
-              <a:rPr lang="en-US" dirty="0">
-                <a:solidFill>
-                  <a:srgbClr val="C00000"/>
-                </a:solidFill>
-              </a:rPr>
-              <a:t>Thursday: Class Session in GHC 6115</a:t>
-            </a:r>
-          </a:p>
-          <a:p>
-            <a:pPr marL="76200" indent="0">
-              <a:buNone/>
-            </a:pPr>
-            <a:endParaRPr lang="en-US" dirty="0"/>
-          </a:p>
-          <a:p>
-            <a:pPr marL="76200" indent="0">
-              <a:buNone/>
-            </a:pPr>
-            <a:r>
-              <a:rPr lang="en-US" b="1" dirty="0"/>
-              <a:t>Coming up next week:</a:t>
-            </a:r>
-          </a:p>
-          <a:p>
-            <a:r>
-              <a:rPr lang="en-US" dirty="0"/>
-              <a:t>Monday: Update 7 (on Canvas): ML Results Over Time</a:t>
-            </a:r>
-          </a:p>
-          <a:p>
-            <a:r>
-              <a:rPr lang="en-US" dirty="0"/>
-              <a:t>Tuesday: Feedback Form</a:t>
-            </a:r>
-          </a:p>
-          <a:p>
-            <a:r>
-              <a:rPr lang="en-US" dirty="0"/>
-              <a:t>Readings for Tuesday: Bias and Fairness</a:t>
-            </a:r>
-          </a:p>
-          <a:p>
-            <a:r>
-              <a:rPr lang="en-US" dirty="0"/>
-              <a:t>No Wednesday meetings (Thanksgiving)</a:t>
-            </a:r>
-          </a:p>
-        </p:txBody>
-      </p:sp>
-    </p:spTree>
-    <p:extLst>
-      <p:ext uri="{BB962C8B-B14F-4D97-AF65-F5344CB8AC3E}">
-        <p14:creationId xmlns:p14="http://schemas.microsoft.com/office/powerpoint/2010/main" val="545007648"/>
-      </p:ext>
-    </p:extLst>
-  </p:cSld>
-  <p:clrMapOvr>
-    <a:masterClrMapping/>
-  </p:clrMapOvr>
-</p:sld>
-</file>
-
-<file path=ppt/slides/slide20.xml><?xml version="1.0" encoding="utf-8"?>
+<file path=ppt/slides/slide21.xml><?xml version="1.0" encoding="utf-8"?>
 <p:sld xmlns:a="http://schemas.openxmlformats.org/drawingml/2006/main" xmlns:r="http://schemas.openxmlformats.org/officeDocument/2006/relationships" xmlns:p="http://schemas.openxmlformats.org/presentationml/2006/main" show="0">
   <p:cSld>
     <p:spTree>
@@ -18483,7 +19264,7 @@
 </p:sld>
 </file>
 
-<file path=ppt/slides/slide21.xml><?xml version="1.0" encoding="utf-8"?>
+<file path=ppt/slides/slide22.xml><?xml version="1.0" encoding="utf-8"?>
 <p:sld xmlns:a="http://schemas.openxmlformats.org/drawingml/2006/main" xmlns:r="http://schemas.openxmlformats.org/officeDocument/2006/relationships" xmlns:p="http://schemas.openxmlformats.org/presentationml/2006/main">
   <p:cSld>
     <p:spTree>
@@ -18627,7 +19408,7 @@
 </p:sld>
 </file>
 
-<file path=ppt/slides/slide22.xml><?xml version="1.0" encoding="utf-8"?>
+<file path=ppt/slides/slide23.xml><?xml version="1.0" encoding="utf-8"?>
 <p:sld xmlns:a="http://schemas.openxmlformats.org/drawingml/2006/main" xmlns:r="http://schemas.openxmlformats.org/officeDocument/2006/relationships" xmlns:p="http://schemas.openxmlformats.org/presentationml/2006/main">
   <p:cSld>
     <p:spTree>
@@ -18853,7 +19634,7 @@
 </p:sld>
 </file>
 
-<file path=ppt/slides/slide23.xml><?xml version="1.0" encoding="utf-8"?>
+<file path=ppt/slides/slide24.xml><?xml version="1.0" encoding="utf-8"?>
 <p:sld xmlns:a="http://schemas.openxmlformats.org/drawingml/2006/main" xmlns:r="http://schemas.openxmlformats.org/officeDocument/2006/relationships" xmlns:p="http://schemas.openxmlformats.org/presentationml/2006/main">
   <p:cSld>
     <p:spTree>
@@ -19371,7 +20152,7 @@
 </p:sld>
 </file>
 
-<file path=ppt/slides/slide24.xml><?xml version="1.0" encoding="utf-8"?>
+<file path=ppt/slides/slide25.xml><?xml version="1.0" encoding="utf-8"?>
 <p:sld xmlns:a="http://schemas.openxmlformats.org/drawingml/2006/main" xmlns:r="http://schemas.openxmlformats.org/officeDocument/2006/relationships" xmlns:p="http://schemas.openxmlformats.org/presentationml/2006/main">
   <p:cSld>
     <p:spTree>
@@ -19599,7 +20380,7 @@
 </p:sld>
 </file>
 
-<file path=ppt/slides/slide25.xml><?xml version="1.0" encoding="utf-8"?>
+<file path=ppt/slides/slide26.xml><?xml version="1.0" encoding="utf-8"?>
 <p:sld xmlns:a="http://schemas.openxmlformats.org/drawingml/2006/main" xmlns:r="http://schemas.openxmlformats.org/officeDocument/2006/relationships" xmlns:p="http://schemas.openxmlformats.org/presentationml/2006/main">
   <p:cSld>
     <p:spTree>
@@ -19652,7 +20433,7 @@
 </p:sld>
 </file>
 
-<file path=ppt/slides/slide26.xml><?xml version="1.0" encoding="utf-8"?>
+<file path=ppt/slides/slide27.xml><?xml version="1.0" encoding="utf-8"?>
 <p:sld xmlns:a="http://schemas.openxmlformats.org/drawingml/2006/main" xmlns:r="http://schemas.openxmlformats.org/officeDocument/2006/relationships" xmlns:p="http://schemas.openxmlformats.org/presentationml/2006/main">
   <p:cSld>
     <p:spTree>
@@ -19704,7 +20485,7 @@
 </p:sld>
 </file>
 
-<file path=ppt/slides/slide27.xml><?xml version="1.0" encoding="utf-8"?>
+<file path=ppt/slides/slide28.xml><?xml version="1.0" encoding="utf-8"?>
 <p:sld xmlns:a="http://schemas.openxmlformats.org/drawingml/2006/main" xmlns:r="http://schemas.openxmlformats.org/officeDocument/2006/relationships" xmlns:p="http://schemas.openxmlformats.org/presentationml/2006/main" show="0">
   <p:cSld>
     <p:spTree>
@@ -19854,7 +20635,7 @@
 </p:sld>
 </file>
 
-<file path=ppt/slides/slide28.xml><?xml version="1.0" encoding="utf-8"?>
+<file path=ppt/slides/slide29.xml><?xml version="1.0" encoding="utf-8"?>
 <p:sld xmlns:a="http://schemas.openxmlformats.org/drawingml/2006/main" xmlns:r="http://schemas.openxmlformats.org/officeDocument/2006/relationships" xmlns:p="http://schemas.openxmlformats.org/presentationml/2006/main">
   <p:cSld>
     <p:spTree>
@@ -20016,7 +20797,185 @@
 </p:sld>
 </file>
 
-<file path=ppt/slides/slide29.xml><?xml version="1.0" encoding="utf-8"?>
+<file path=ppt/slides/slide3.xml><?xml version="1.0" encoding="utf-8"?>
+<p:sld xmlns:a="http://schemas.openxmlformats.org/drawingml/2006/main" xmlns:r="http://schemas.openxmlformats.org/officeDocument/2006/relationships" xmlns:p="http://schemas.openxmlformats.org/presentationml/2006/main">
+  <p:cSld>
+    <p:spTree>
+      <p:nvGrpSpPr>
+        <p:cNvPr id="1" name=""/>
+        <p:cNvGrpSpPr/>
+        <p:nvPr/>
+      </p:nvGrpSpPr>
+      <p:grpSpPr>
+        <a:xfrm>
+          <a:off x="0" y="0"/>
+          <a:ext cx="0" cy="0"/>
+          <a:chOff x="0" y="0"/>
+          <a:chExt cx="0" cy="0"/>
+        </a:xfrm>
+      </p:grpSpPr>
+      <p:sp>
+        <p:nvSpPr>
+          <p:cNvPr id="2" name="Title 1">
+            <a:extLst>
+              <a:ext uri="{FF2B5EF4-FFF2-40B4-BE49-F238E27FC236}">
+                <a16:creationId xmlns:a16="http://schemas.microsoft.com/office/drawing/2014/main" id="{3D6207FD-3A89-9F3F-22C5-9CBAB2C66ADE}"/>
+              </a:ext>
+            </a:extLst>
+          </p:cNvPr>
+          <p:cNvSpPr>
+            <a:spLocks noGrp="1"/>
+          </p:cNvSpPr>
+          <p:nvPr>
+            <p:ph type="title"/>
+          </p:nvPr>
+        </p:nvSpPr>
+        <p:spPr/>
+        <p:txBody>
+          <a:bodyPr/>
+          <a:lstStyle/>
+          <a:p>
+            <a:r>
+              <a:rPr lang="en-US" dirty="0"/>
+              <a:t>Going forward</a:t>
+            </a:r>
+          </a:p>
+        </p:txBody>
+      </p:sp>
+      <p:sp>
+        <p:nvSpPr>
+          <p:cNvPr id="3" name="Text Placeholder 2">
+            <a:extLst>
+              <a:ext uri="{FF2B5EF4-FFF2-40B4-BE49-F238E27FC236}">
+                <a16:creationId xmlns:a16="http://schemas.microsoft.com/office/drawing/2014/main" id="{44F28704-8B4A-9CC0-8F2E-F860458E1526}"/>
+              </a:ext>
+            </a:extLst>
+          </p:cNvPr>
+          <p:cNvSpPr>
+            <a:spLocks noGrp="1"/>
+          </p:cNvSpPr>
+          <p:nvPr>
+            <p:ph type="body" idx="1"/>
+          </p:nvPr>
+        </p:nvSpPr>
+        <p:spPr/>
+        <p:txBody>
+          <a:bodyPr/>
+          <a:lstStyle/>
+          <a:p>
+            <a:r>
+              <a:rPr lang="en-US" dirty="0"/>
+              <a:t>Features and models (including baselines and </a:t>
+            </a:r>
+            <a:r>
+              <a:rPr lang="en-US" dirty="0" err="1"/>
+              <a:t>baserate</a:t>
+            </a:r>
+            <a:r>
+              <a:rPr lang="en-US" dirty="0"/>
+              <a:t>) over time</a:t>
+            </a:r>
+          </a:p>
+          <a:p>
+            <a:r>
+              <a:rPr lang="en-US" dirty="0"/>
+              <a:t>Select a few high-performing models (Due Nov 21</a:t>
+            </a:r>
+            <a:r>
+              <a:rPr lang="en-US" baseline="30000" dirty="0"/>
+              <a:t>st</a:t>
+            </a:r>
+            <a:r>
+              <a:rPr lang="en-US" dirty="0"/>
+              <a:t>)  - </a:t>
+            </a:r>
+            <a:r>
+              <a:rPr lang="en-US" dirty="0">
+                <a:hlinkClick r:id="rId2"/>
+              </a:rPr>
+              <a:t>helper notebook</a:t>
+            </a:r>
+            <a:endParaRPr lang="en-US" dirty="0"/>
+          </a:p>
+          <a:p>
+            <a:r>
+              <a:rPr lang="en-US" dirty="0"/>
+              <a:t>Understand what the models are doing (Due Nov 28</a:t>
+            </a:r>
+            <a:r>
+              <a:rPr lang="en-US" baseline="30000" dirty="0"/>
+              <a:t>th</a:t>
+            </a:r>
+            <a:r>
+              <a:rPr lang="en-US" dirty="0"/>
+              <a:t>)</a:t>
+            </a:r>
+          </a:p>
+          <a:p>
+            <a:pPr lvl="1"/>
+            <a:r>
+              <a:rPr lang="en-US" dirty="0"/>
+              <a:t>What features are important</a:t>
+            </a:r>
+          </a:p>
+          <a:p>
+            <a:pPr lvl="1"/>
+            <a:r>
+              <a:rPr lang="en-US" dirty="0"/>
+              <a:t>What people/bills are they prioritizing</a:t>
+            </a:r>
+          </a:p>
+          <a:p>
+            <a:pPr lvl="1"/>
+            <a:r>
+              <a:rPr lang="en-US" dirty="0"/>
+              <a:t>Are these models similar or different?</a:t>
+            </a:r>
+          </a:p>
+          <a:p>
+            <a:r>
+              <a:rPr lang="en-US" dirty="0"/>
+              <a:t>Audit for Bias (Due Dec 5</a:t>
+            </a:r>
+            <a:r>
+              <a:rPr lang="en-US" baseline="30000" dirty="0"/>
+              <a:t>th</a:t>
+            </a:r>
+            <a:r>
+              <a:rPr lang="en-US" dirty="0"/>
+              <a:t>)</a:t>
+            </a:r>
+          </a:p>
+          <a:p>
+            <a:r>
+              <a:rPr lang="en-US" dirty="0"/>
+              <a:t>Presentations (Dec 7</a:t>
+            </a:r>
+            <a:r>
+              <a:rPr lang="en-US" baseline="30000" dirty="0"/>
+              <a:t>th</a:t>
+            </a:r>
+            <a:r>
+              <a:rPr lang="en-US" dirty="0"/>
+              <a:t>)</a:t>
+            </a:r>
+          </a:p>
+        </p:txBody>
+      </p:sp>
+    </p:spTree>
+    <p:extLst>
+      <p:ext uri="{BB962C8B-B14F-4D97-AF65-F5344CB8AC3E}">
+        <p14:creationId xmlns:p14="http://schemas.microsoft.com/office/powerpoint/2010/main" val="266708342"/>
+      </p:ext>
+    </p:extLst>
+  </p:cSld>
+  <p:clrMapOvr>
+    <a:masterClrMapping/>
+  </p:clrMapOvr>
+</p:sld>
+</file>
+
+<file path=ppt/slides/slide30.xml><?xml version="1.0" encoding="utf-8"?>
 <p:sld xmlns:a="http://schemas.openxmlformats.org/drawingml/2006/main" xmlns:r="http://schemas.openxmlformats.org/officeDocument/2006/relationships" xmlns:p="http://schemas.openxmlformats.org/presentationml/2006/main">
   <p:cSld>
     <p:spTree>
@@ -20125,7 +21084,7 @@
           <a:p>
             <a:r>
               <a:rPr lang="en-US" dirty="0"/>
-              <a:t>Monday: Update 7 (on Canvas): ML Results Over Time</a:t>
+              <a:t>Monday: Update 7 (on Canvas): Model selection and ML Results Over Time</a:t>
             </a:r>
           </a:p>
           <a:p>
@@ -20143,7 +21102,7 @@
           <a:p>
             <a:r>
               <a:rPr lang="en-US" dirty="0"/>
-              <a:t>No Wednesday meetings (Thanksgiving)</a:t>
+              <a:t>No Wednesday meetings (Thanksgiving) but happy to meet on Tuesday (or Wednesday) if any teams want to</a:t>
             </a:r>
           </a:p>
         </p:txBody>
@@ -20151,7 +21110,7 @@
     </p:spTree>
     <p:extLst>
       <p:ext uri="{BB962C8B-B14F-4D97-AF65-F5344CB8AC3E}">
-        <p14:creationId xmlns:p14="http://schemas.microsoft.com/office/powerpoint/2010/main" val="3968549836"/>
+        <p14:creationId xmlns:p14="http://schemas.microsoft.com/office/powerpoint/2010/main" val="4234246932"/>
       </p:ext>
     </p:extLst>
   </p:cSld>
@@ -20161,7 +21120,152 @@
 </p:sld>
 </file>
 
-<file path=ppt/slides/slide3.xml><?xml version="1.0" encoding="utf-8"?>
+<file path=ppt/slides/slide4.xml><?xml version="1.0" encoding="utf-8"?>
+<p:sld xmlns:a="http://schemas.openxmlformats.org/drawingml/2006/main" xmlns:r="http://schemas.openxmlformats.org/officeDocument/2006/relationships" xmlns:p="http://schemas.openxmlformats.org/presentationml/2006/main">
+  <p:cSld>
+    <p:spTree>
+      <p:nvGrpSpPr>
+        <p:cNvPr id="1" name=""/>
+        <p:cNvGrpSpPr/>
+        <p:nvPr/>
+      </p:nvGrpSpPr>
+      <p:grpSpPr>
+        <a:xfrm>
+          <a:off x="0" y="0"/>
+          <a:ext cx="0" cy="0"/>
+          <a:chOff x="0" y="0"/>
+          <a:chExt cx="0" cy="0"/>
+        </a:xfrm>
+      </p:grpSpPr>
+      <p:sp>
+        <p:nvSpPr>
+          <p:cNvPr id="3" name="Title 2">
+            <a:extLst>
+              <a:ext uri="{FF2B5EF4-FFF2-40B4-BE49-F238E27FC236}">
+                <a16:creationId xmlns:a16="http://schemas.microsoft.com/office/drawing/2014/main" id="{9323871C-7CA8-1448-8FFC-1AE6E1838941}"/>
+              </a:ext>
+            </a:extLst>
+          </p:cNvPr>
+          <p:cNvSpPr>
+            <a:spLocks noGrp="1"/>
+          </p:cNvSpPr>
+          <p:nvPr>
+            <p:ph type="title"/>
+          </p:nvPr>
+        </p:nvSpPr>
+        <p:spPr/>
+        <p:txBody>
+          <a:bodyPr/>
+          <a:lstStyle/>
+          <a:p>
+            <a:r>
+              <a:rPr lang="en-US" dirty="0"/>
+              <a:t>Reminders</a:t>
+            </a:r>
+          </a:p>
+        </p:txBody>
+      </p:sp>
+      <p:sp>
+        <p:nvSpPr>
+          <p:cNvPr id="5" name="Text Placeholder 4">
+            <a:extLst>
+              <a:ext uri="{FF2B5EF4-FFF2-40B4-BE49-F238E27FC236}">
+                <a16:creationId xmlns:a16="http://schemas.microsoft.com/office/drawing/2014/main" id="{F4E0A5F0-1D89-954D-91FB-596CD9E690F2}"/>
+              </a:ext>
+            </a:extLst>
+          </p:cNvPr>
+          <p:cNvSpPr>
+            <a:spLocks noGrp="1"/>
+          </p:cNvSpPr>
+          <p:nvPr>
+            <p:ph type="body" idx="1"/>
+          </p:nvPr>
+        </p:nvSpPr>
+        <p:spPr/>
+        <p:txBody>
+          <a:bodyPr/>
+          <a:lstStyle/>
+          <a:p>
+            <a:pPr marL="76200" indent="0">
+              <a:buNone/>
+            </a:pPr>
+            <a:r>
+              <a:rPr lang="en-US" b="1" dirty="0"/>
+              <a:t>This week:</a:t>
+            </a:r>
+            <a:endParaRPr lang="en-US" dirty="0"/>
+          </a:p>
+          <a:p>
+            <a:r>
+              <a:rPr lang="en-US" dirty="0"/>
+              <a:t>Wednesday team check-ins</a:t>
+            </a:r>
+          </a:p>
+          <a:p>
+            <a:r>
+              <a:rPr lang="en-US" dirty="0">
+                <a:solidFill>
+                  <a:srgbClr val="C00000"/>
+                </a:solidFill>
+              </a:rPr>
+              <a:t>Thursday: Class Session in GHC 6115</a:t>
+            </a:r>
+          </a:p>
+          <a:p>
+            <a:pPr marL="76200" indent="0">
+              <a:buNone/>
+            </a:pPr>
+            <a:endParaRPr lang="en-US" dirty="0"/>
+          </a:p>
+          <a:p>
+            <a:pPr marL="76200" indent="0">
+              <a:buNone/>
+            </a:pPr>
+            <a:r>
+              <a:rPr lang="en-US" b="1" dirty="0"/>
+              <a:t>Coming up next week:</a:t>
+            </a:r>
+          </a:p>
+          <a:p>
+            <a:r>
+              <a:rPr lang="en-US" dirty="0"/>
+              <a:t>Monday: Update 7 (on Canvas): Model selection and ML Results Over Time</a:t>
+            </a:r>
+          </a:p>
+          <a:p>
+            <a:r>
+              <a:rPr lang="en-US" dirty="0"/>
+              <a:t>Tuesday: Feedback Form</a:t>
+            </a:r>
+          </a:p>
+          <a:p>
+            <a:r>
+              <a:rPr lang="en-US" dirty="0"/>
+              <a:t>Readings for Tuesday: Bias and Fairness</a:t>
+            </a:r>
+          </a:p>
+          <a:p>
+            <a:r>
+              <a:rPr lang="en-US" dirty="0"/>
+              <a:t>No Wednesday meetings (Thanksgiving) but happy to meet on Tuesday (or Wednesday) if any teams want to</a:t>
+            </a:r>
+          </a:p>
+        </p:txBody>
+      </p:sp>
+    </p:spTree>
+    <p:extLst>
+      <p:ext uri="{BB962C8B-B14F-4D97-AF65-F5344CB8AC3E}">
+        <p14:creationId xmlns:p14="http://schemas.microsoft.com/office/powerpoint/2010/main" val="545007648"/>
+      </p:ext>
+    </p:extLst>
+  </p:cSld>
+  <p:clrMapOvr>
+    <a:masterClrMapping/>
+  </p:clrMapOvr>
+</p:sld>
+</file>
+
+<file path=ppt/slides/slide5.xml><?xml version="1.0" encoding="utf-8"?>
 <p:sld xmlns:a="http://schemas.openxmlformats.org/drawingml/2006/main" xmlns:r="http://schemas.openxmlformats.org/officeDocument/2006/relationships" xmlns:p="http://schemas.openxmlformats.org/presentationml/2006/main">
   <p:cSld>
     <p:spTree>
@@ -20236,7 +21340,14 @@
             <a:pPr lvl="1"/>
             <a:r>
               <a:rPr lang="en-US" dirty="0"/>
-              <a:t>Additional models and features you want to build</a:t>
+              <a:t>Any Additional models and features you want to build</a:t>
+            </a:r>
+          </a:p>
+          <a:p>
+            <a:pPr lvl="1"/>
+            <a:r>
+              <a:rPr lang="en-US" dirty="0"/>
+              <a:t>Making sure you can look at results across time and on different evaluation metrics</a:t>
             </a:r>
           </a:p>
           <a:p>
@@ -20253,14 +21364,21 @@
             <a:pPr lvl="1"/>
             <a:r>
               <a:rPr lang="en-US" dirty="0"/>
-              <a:t>Next set of high priority features</a:t>
+              <a:t>“Final” set of high priority features</a:t>
             </a:r>
           </a:p>
           <a:p>
             <a:pPr lvl="1"/>
             <a:r>
               <a:rPr lang="en-US" dirty="0"/>
-              <a:t>Running a grid of models + hyperparameters across all time splits</a:t>
+              <a:t>Running a grid of larger models + hyperparameters across all time splits</a:t>
+            </a:r>
+          </a:p>
+          <a:p>
+            <a:pPr lvl="1"/>
+            <a:r>
+              <a:rPr lang="en-US" dirty="0"/>
+              <a:t>Doing a first pass over plotting the results over time and doing simple model selection</a:t>
             </a:r>
           </a:p>
         </p:txBody>
@@ -20278,136 +21396,7 @@
 </p:sld>
 </file>
 
-<file path=ppt/slides/slide4.xml><?xml version="1.0" encoding="utf-8"?>
-<p:sld xmlns:a="http://schemas.openxmlformats.org/drawingml/2006/main" xmlns:r="http://schemas.openxmlformats.org/officeDocument/2006/relationships" xmlns:p="http://schemas.openxmlformats.org/presentationml/2006/main">
-  <p:cSld>
-    <p:spTree>
-      <p:nvGrpSpPr>
-        <p:cNvPr id="1" name=""/>
-        <p:cNvGrpSpPr/>
-        <p:nvPr/>
-      </p:nvGrpSpPr>
-      <p:grpSpPr>
-        <a:xfrm>
-          <a:off x="0" y="0"/>
-          <a:ext cx="0" cy="0"/>
-          <a:chOff x="0" y="0"/>
-          <a:chExt cx="0" cy="0"/>
-        </a:xfrm>
-      </p:grpSpPr>
-      <p:sp>
-        <p:nvSpPr>
-          <p:cNvPr id="2" name="Title 1">
-            <a:extLst>
-              <a:ext uri="{FF2B5EF4-FFF2-40B4-BE49-F238E27FC236}">
-                <a16:creationId xmlns:a16="http://schemas.microsoft.com/office/drawing/2014/main" id="{94CF2A94-A63F-6149-AA28-2E35B60E3D3E}"/>
-              </a:ext>
-            </a:extLst>
-          </p:cNvPr>
-          <p:cNvSpPr>
-            <a:spLocks noGrp="1"/>
-          </p:cNvSpPr>
-          <p:nvPr>
-            <p:ph type="title"/>
-          </p:nvPr>
-        </p:nvSpPr>
-        <p:spPr/>
-        <p:txBody>
-          <a:bodyPr/>
-          <a:lstStyle/>
-          <a:p>
-            <a:endParaRPr lang="en-US"/>
-          </a:p>
-        </p:txBody>
-      </p:sp>
-      <p:graphicFrame>
-        <p:nvGraphicFramePr>
-          <p:cNvPr id="3" name="Diagram 2">
-            <a:extLst>
-              <a:ext uri="{FF2B5EF4-FFF2-40B4-BE49-F238E27FC236}">
-                <a16:creationId xmlns:a16="http://schemas.microsoft.com/office/drawing/2014/main" id="{8E902576-68A9-6E48-B0FE-5B1889953DC8}"/>
-              </a:ext>
-            </a:extLst>
-          </p:cNvPr>
-          <p:cNvGraphicFramePr/>
-          <p:nvPr/>
-        </p:nvGraphicFramePr>
-        <p:xfrm>
-          <a:off x="180467" y="0"/>
-          <a:ext cx="11776400" cy="6858000"/>
-        </p:xfrm>
-        <a:graphic>
-          <a:graphicData uri="http://schemas.openxmlformats.org/drawingml/2006/diagram">
-            <dgm:relIds xmlns:dgm="http://schemas.openxmlformats.org/drawingml/2006/diagram" xmlns:r="http://schemas.openxmlformats.org/officeDocument/2006/relationships" r:dm="rId2" r:lo="rId3" r:qs="rId4" r:cs="rId5"/>
-          </a:graphicData>
-        </a:graphic>
-      </p:graphicFrame>
-      <p:sp>
-        <p:nvSpPr>
-          <p:cNvPr id="4" name="Rectangle 3">
-            <a:extLst>
-              <a:ext uri="{FF2B5EF4-FFF2-40B4-BE49-F238E27FC236}">
-                <a16:creationId xmlns:a16="http://schemas.microsoft.com/office/drawing/2014/main" id="{E2C99BF2-C81A-5246-89D3-E49BCDCAD699}"/>
-              </a:ext>
-            </a:extLst>
-          </p:cNvPr>
-          <p:cNvSpPr/>
-          <p:nvPr/>
-        </p:nvSpPr>
-        <p:spPr>
-          <a:xfrm>
-            <a:off x="6388892" y="2534144"/>
-            <a:ext cx="2534195" cy="1789611"/>
-          </a:xfrm>
-          <a:prstGeom prst="rect">
-            <a:avLst/>
-          </a:prstGeom>
-          <a:noFill/>
-          <a:ln w="76200">
-            <a:solidFill>
-              <a:srgbClr val="C00000"/>
-            </a:solidFill>
-          </a:ln>
-        </p:spPr>
-        <p:style>
-          <a:lnRef idx="2">
-            <a:schemeClr val="accent1">
-              <a:shade val="50000"/>
-            </a:schemeClr>
-          </a:lnRef>
-          <a:fillRef idx="1">
-            <a:schemeClr val="accent1"/>
-          </a:fillRef>
-          <a:effectRef idx="0">
-            <a:schemeClr val="accent1"/>
-          </a:effectRef>
-          <a:fontRef idx="minor">
-            <a:schemeClr val="lt1"/>
-          </a:fontRef>
-        </p:style>
-        <p:txBody>
-          <a:bodyPr rtlCol="0" anchor="ctr"/>
-          <a:lstStyle/>
-          <a:p>
-            <a:pPr algn="ctr"/>
-            <a:endParaRPr lang="en-US"/>
-          </a:p>
-        </p:txBody>
-      </p:sp>
-    </p:spTree>
-    <p:extLst>
-      <p:ext uri="{BB962C8B-B14F-4D97-AF65-F5344CB8AC3E}">
-        <p14:creationId xmlns:p14="http://schemas.microsoft.com/office/powerpoint/2010/main" val="1582547232"/>
-      </p:ext>
-    </p:extLst>
-  </p:cSld>
-  <p:clrMapOvr>
-    <a:masterClrMapping/>
-  </p:clrMapOvr>
-</p:sld>
-</file>
-
-<file path=ppt/slides/slide5.xml><?xml version="1.0" encoding="utf-8"?>
+<file path=ppt/slides/slide6.xml><?xml version="1.0" encoding="utf-8"?>
 <p:sld xmlns:a="http://schemas.openxmlformats.org/drawingml/2006/main" xmlns:r="http://schemas.openxmlformats.org/officeDocument/2006/relationships" xmlns:p="http://schemas.openxmlformats.org/presentationml/2006/main">
   <p:cSld>
     <p:spTree>
@@ -20659,7 +21648,7 @@
 </p:sld>
 </file>
 
-<file path=ppt/slides/slide6.xml><?xml version="1.0" encoding="utf-8"?>
+<file path=ppt/slides/slide7.xml><?xml version="1.0" encoding="utf-8"?>
 <p:sld xmlns:a="http://schemas.openxmlformats.org/drawingml/2006/main" xmlns:r="http://schemas.openxmlformats.org/officeDocument/2006/relationships" xmlns:p="http://schemas.openxmlformats.org/presentationml/2006/main">
   <p:cSld>
     <p:spTree>
@@ -20737,7 +21726,7 @@
 </p:sld>
 </file>
 
-<file path=ppt/slides/slide7.xml><?xml version="1.0" encoding="utf-8"?>
+<file path=ppt/slides/slide8.xml><?xml version="1.0" encoding="utf-8"?>
 <p:sld xmlns:a="http://schemas.openxmlformats.org/drawingml/2006/main" xmlns:r="http://schemas.openxmlformats.org/officeDocument/2006/relationships" xmlns:p="http://schemas.openxmlformats.org/presentationml/2006/main">
   <p:cSld>
     <p:spTree>
@@ -20960,7 +21949,7 @@
 </p:sld>
 </file>
 
-<file path=ppt/slides/slide8.xml><?xml version="1.0" encoding="utf-8"?>
+<file path=ppt/slides/slide9.xml><?xml version="1.0" encoding="utf-8"?>
 <p:sld xmlns:a="http://schemas.openxmlformats.org/drawingml/2006/main" xmlns:r="http://schemas.openxmlformats.org/officeDocument/2006/relationships" xmlns:p="http://schemas.openxmlformats.org/presentationml/2006/main">
   <p:cSld>
     <p:spTree>
@@ -21656,820 +22645,6 @@
 </p:sld>
 </file>
 
-<file path=ppt/slides/slide9.xml><?xml version="1.0" encoding="utf-8"?>
-<p:sld xmlns:a="http://schemas.openxmlformats.org/drawingml/2006/main" xmlns:r="http://schemas.openxmlformats.org/officeDocument/2006/relationships" xmlns:p="http://schemas.openxmlformats.org/presentationml/2006/main">
-  <p:cSld>
-    <p:spTree>
-      <p:nvGrpSpPr>
-        <p:cNvPr id="1" name="Shape 82"/>
-        <p:cNvGrpSpPr/>
-        <p:nvPr/>
-      </p:nvGrpSpPr>
-      <p:grpSpPr>
-        <a:xfrm>
-          <a:off x="0" y="0"/>
-          <a:ext cx="0" cy="0"/>
-          <a:chOff x="0" y="0"/>
-          <a:chExt cx="0" cy="0"/>
-        </a:xfrm>
-      </p:grpSpPr>
-      <p:sp>
-        <p:nvSpPr>
-          <p:cNvPr id="83" name="Google Shape;83;g71c82016f7_0_5"/>
-          <p:cNvSpPr txBox="1">
-            <a:spLocks noGrp="1"/>
-          </p:cNvSpPr>
-          <p:nvPr>
-            <p:ph type="title"/>
-          </p:nvPr>
-        </p:nvSpPr>
-        <p:spPr>
-          <a:xfrm>
-            <a:off x="415600" y="86563"/>
-            <a:ext cx="11360700" cy="763500"/>
-          </a:xfrm>
-          <a:prstGeom prst="rect">
-            <a:avLst/>
-          </a:prstGeom>
-          <a:noFill/>
-          <a:ln>
-            <a:noFill/>
-          </a:ln>
-        </p:spPr>
-        <p:txBody>
-          <a:bodyPr spcFirstLastPara="1" wrap="square" lIns="121900" tIns="121900" rIns="121900" bIns="121900" anchor="t" anchorCtr="0">
-            <a:noAutofit/>
-          </a:bodyPr>
-          <a:lstStyle/>
-          <a:p>
-            <a:pPr marL="0" lvl="0" indent="0" algn="l" rtl="0">
-              <a:lnSpc>
-                <a:spcPct val="100000"/>
-              </a:lnSpc>
-              <a:spcBef>
-                <a:spcPts val="0"/>
-              </a:spcBef>
-              <a:spcAft>
-                <a:spcPts val="0"/>
-              </a:spcAft>
-              <a:buClr>
-                <a:srgbClr val="FFFFFF"/>
-              </a:buClr>
-              <a:buSzPts val="3700"/>
-              <a:buNone/>
-            </a:pPr>
-            <a:r>
-              <a:rPr lang="en-US"/>
-              <a:t>Global Vs Local</a:t>
-            </a:r>
-            <a:endParaRPr/>
-          </a:p>
-        </p:txBody>
-      </p:sp>
-      <p:graphicFrame>
-        <p:nvGraphicFramePr>
-          <p:cNvPr id="84" name="Google Shape;84;g71c82016f7_0_5"/>
-          <p:cNvGraphicFramePr/>
-          <p:nvPr/>
-        </p:nvGraphicFramePr>
-        <p:xfrm>
-          <a:off x="263476" y="1762929"/>
-          <a:ext cx="11664950" cy="3173270"/>
-        </p:xfrm>
-        <a:graphic>
-          <a:graphicData uri="http://schemas.openxmlformats.org/drawingml/2006/table">
-            <a:tbl>
-              <a:tblPr firstRow="1" bandRow="1">
-                <a:noFill/>
-                <a:tableStyleId>{5A04CC6A-533F-41F1-990F-45FB056E221C}</a:tableStyleId>
-              </a:tblPr>
-              <a:tblGrid>
-                <a:gridCol w="2052875">
-                  <a:extLst>
-                    <a:ext uri="{9D8B030D-6E8A-4147-A177-3AD203B41FA5}">
-                      <a16:colId xmlns:a16="http://schemas.microsoft.com/office/drawing/2014/main" val="20000"/>
-                    </a:ext>
-                  </a:extLst>
-                </a:gridCol>
-                <a:gridCol w="3657600">
-                  <a:extLst>
-                    <a:ext uri="{9D8B030D-6E8A-4147-A177-3AD203B41FA5}">
-                      <a16:colId xmlns:a16="http://schemas.microsoft.com/office/drawing/2014/main" val="20001"/>
-                    </a:ext>
-                  </a:extLst>
-                </a:gridCol>
-                <a:gridCol w="3657600">
-                  <a:extLst>
-                    <a:ext uri="{9D8B030D-6E8A-4147-A177-3AD203B41FA5}">
-                      <a16:colId xmlns:a16="http://schemas.microsoft.com/office/drawing/2014/main" val="20002"/>
-                    </a:ext>
-                  </a:extLst>
-                </a:gridCol>
-                <a:gridCol w="2296875">
-                  <a:extLst>
-                    <a:ext uri="{9D8B030D-6E8A-4147-A177-3AD203B41FA5}">
-                      <a16:colId xmlns:a16="http://schemas.microsoft.com/office/drawing/2014/main" val="20003"/>
-                    </a:ext>
-                  </a:extLst>
-                </a:gridCol>
-              </a:tblGrid>
-              <a:tr h="494450">
-                <a:tc>
-                  <a:txBody>
-                    <a:bodyPr/>
-                    <a:lstStyle/>
-                    <a:p>
-                      <a:pPr marL="0" marR="0" lvl="0" indent="0" algn="l" rtl="0">
-                        <a:lnSpc>
-                          <a:spcPct val="100000"/>
-                        </a:lnSpc>
-                        <a:spcBef>
-                          <a:spcPts val="0"/>
-                        </a:spcBef>
-                        <a:spcAft>
-                          <a:spcPts val="0"/>
-                        </a:spcAft>
-                        <a:buNone/>
-                      </a:pPr>
-                      <a:r>
-                        <a:rPr lang="en-US" sz="2000" u="none" strike="noStrike" cap="none"/>
-                        <a:t>Use Case</a:t>
-                      </a:r>
-                      <a:endParaRPr/>
-                    </a:p>
-                  </a:txBody>
-                  <a:tcPr marL="121925" marR="121925" marT="60950" marB="60950"/>
-                </a:tc>
-                <a:tc>
-                  <a:txBody>
-                    <a:bodyPr/>
-                    <a:lstStyle/>
-                    <a:p>
-                      <a:pPr marL="0" marR="0" lvl="0" indent="0" algn="l" rtl="0">
-                        <a:lnSpc>
-                          <a:spcPct val="100000"/>
-                        </a:lnSpc>
-                        <a:spcBef>
-                          <a:spcPts val="0"/>
-                        </a:spcBef>
-                        <a:spcAft>
-                          <a:spcPts val="0"/>
-                        </a:spcAft>
-                        <a:buNone/>
-                      </a:pPr>
-                      <a:r>
-                        <a:rPr lang="en-US" sz="2000" u="none" strike="noStrike" cap="none"/>
-                        <a:t>User</a:t>
-                      </a:r>
-                      <a:endParaRPr/>
-                    </a:p>
-                  </a:txBody>
-                  <a:tcPr marL="121925" marR="121925" marT="60950" marB="60950"/>
-                </a:tc>
-                <a:tc>
-                  <a:txBody>
-                    <a:bodyPr/>
-                    <a:lstStyle/>
-                    <a:p>
-                      <a:pPr marL="0" marR="0" lvl="0" indent="0" algn="l" rtl="0">
-                        <a:lnSpc>
-                          <a:spcPct val="100000"/>
-                        </a:lnSpc>
-                        <a:spcBef>
-                          <a:spcPts val="0"/>
-                        </a:spcBef>
-                        <a:spcAft>
-                          <a:spcPts val="0"/>
-                        </a:spcAft>
-                        <a:buNone/>
-                      </a:pPr>
-                      <a:r>
-                        <a:rPr lang="en-US" sz="2000" u="none" strike="noStrike" cap="none"/>
-                        <a:t>Goal</a:t>
-                      </a:r>
-                      <a:endParaRPr/>
-                    </a:p>
-                  </a:txBody>
-                  <a:tcPr marL="121925" marR="121925" marT="60950" marB="60950"/>
-                </a:tc>
-                <a:tc>
-                  <a:txBody>
-                    <a:bodyPr/>
-                    <a:lstStyle/>
-                    <a:p>
-                      <a:pPr marL="0" marR="0" lvl="0" indent="0" algn="l" rtl="0">
-                        <a:lnSpc>
-                          <a:spcPct val="100000"/>
-                        </a:lnSpc>
-                        <a:spcBef>
-                          <a:spcPts val="0"/>
-                        </a:spcBef>
-                        <a:spcAft>
-                          <a:spcPts val="0"/>
-                        </a:spcAft>
-                        <a:buNone/>
-                      </a:pPr>
-                      <a:r>
-                        <a:rPr lang="en-US" sz="2000" u="none" strike="noStrike" cap="none"/>
-                        <a:t>Global or Local</a:t>
-                      </a:r>
-                      <a:endParaRPr/>
-                    </a:p>
-                  </a:txBody>
-                  <a:tcPr marL="121925" marR="121925" marT="60950" marB="60950"/>
-                </a:tc>
-                <a:extLst>
-                  <a:ext uri="{0D108BD9-81ED-4DB2-BD59-A6C34878D82A}">
-                    <a16:rowId xmlns:a16="http://schemas.microsoft.com/office/drawing/2014/main" val="10000"/>
-                  </a:ext>
-                </a:extLst>
-              </a:tr>
-              <a:tr h="494450">
-                <a:tc>
-                  <a:txBody>
-                    <a:bodyPr/>
-                    <a:lstStyle/>
-                    <a:p>
-                      <a:pPr marL="0" marR="0" lvl="0" indent="0" algn="l" rtl="0">
-                        <a:lnSpc>
-                          <a:spcPct val="100000"/>
-                        </a:lnSpc>
-                        <a:spcBef>
-                          <a:spcPts val="0"/>
-                        </a:spcBef>
-                        <a:spcAft>
-                          <a:spcPts val="0"/>
-                        </a:spcAft>
-                        <a:buNone/>
-                      </a:pPr>
-                      <a:r>
-                        <a:rPr lang="en-US" sz="1900" u="none" strike="noStrike" cap="none"/>
-                        <a:t>Debugging</a:t>
-                      </a:r>
-                      <a:endParaRPr/>
-                    </a:p>
-                  </a:txBody>
-                  <a:tcPr marL="121925" marR="121925" marT="60950" marB="60950"/>
-                </a:tc>
-                <a:tc>
-                  <a:txBody>
-                    <a:bodyPr/>
-                    <a:lstStyle/>
-                    <a:p>
-                      <a:pPr marL="0" marR="0" lvl="0" indent="0" algn="l" rtl="0">
-                        <a:lnSpc>
-                          <a:spcPct val="100000"/>
-                        </a:lnSpc>
-                        <a:spcBef>
-                          <a:spcPts val="0"/>
-                        </a:spcBef>
-                        <a:spcAft>
-                          <a:spcPts val="0"/>
-                        </a:spcAft>
-                        <a:buNone/>
-                      </a:pPr>
-                      <a:r>
-                        <a:rPr lang="en-US" sz="1900" u="none" strike="noStrike" cap="none"/>
-                        <a:t>ML Developer</a:t>
-                      </a:r>
-                      <a:endParaRPr/>
-                    </a:p>
-                  </a:txBody>
-                  <a:tcPr marL="121925" marR="121925" marT="60950" marB="60950"/>
-                </a:tc>
-                <a:tc>
-                  <a:txBody>
-                    <a:bodyPr/>
-                    <a:lstStyle/>
-                    <a:p>
-                      <a:pPr marL="0" marR="0" lvl="0" indent="0" algn="l" rtl="0">
-                        <a:lnSpc>
-                          <a:spcPct val="100000"/>
-                        </a:lnSpc>
-                        <a:spcBef>
-                          <a:spcPts val="0"/>
-                        </a:spcBef>
-                        <a:spcAft>
-                          <a:spcPts val="0"/>
-                        </a:spcAft>
-                        <a:buNone/>
-                      </a:pPr>
-                      <a:r>
-                        <a:rPr lang="en-US" sz="1900" u="none" strike="noStrike" cap="none"/>
-                        <a:t>Sanity check</a:t>
-                      </a:r>
-                      <a:endParaRPr/>
-                    </a:p>
-                  </a:txBody>
-                  <a:tcPr marL="121925" marR="121925" marT="60950" marB="60950"/>
-                </a:tc>
-                <a:tc>
-                  <a:txBody>
-                    <a:bodyPr/>
-                    <a:lstStyle/>
-                    <a:p>
-                      <a:pPr marL="0" marR="0" lvl="0" indent="0" algn="l" rtl="0">
-                        <a:lnSpc>
-                          <a:spcPct val="100000"/>
-                        </a:lnSpc>
-                        <a:spcBef>
-                          <a:spcPts val="0"/>
-                        </a:spcBef>
-                        <a:spcAft>
-                          <a:spcPts val="0"/>
-                        </a:spcAft>
-                        <a:buNone/>
-                      </a:pPr>
-                      <a:r>
-                        <a:rPr lang="en-US" sz="1900" u="none" strike="noStrike" cap="none"/>
-                        <a:t>Both</a:t>
-                      </a:r>
-                      <a:endParaRPr/>
-                    </a:p>
-                  </a:txBody>
-                  <a:tcPr marL="121925" marR="121925" marT="60950" marB="60950"/>
-                </a:tc>
-                <a:extLst>
-                  <a:ext uri="{0D108BD9-81ED-4DB2-BD59-A6C34878D82A}">
-                    <a16:rowId xmlns:a16="http://schemas.microsoft.com/office/drawing/2014/main" val="10001"/>
-                  </a:ext>
-                </a:extLst>
-              </a:tr>
-              <a:tr h="690875">
-                <a:tc>
-                  <a:txBody>
-                    <a:bodyPr/>
-                    <a:lstStyle/>
-                    <a:p>
-                      <a:pPr marL="0" marR="0" lvl="0" indent="0" algn="l" rtl="0">
-                        <a:lnSpc>
-                          <a:spcPct val="100000"/>
-                        </a:lnSpc>
-                        <a:spcBef>
-                          <a:spcPts val="0"/>
-                        </a:spcBef>
-                        <a:spcAft>
-                          <a:spcPts val="0"/>
-                        </a:spcAft>
-                        <a:buNone/>
-                      </a:pPr>
-                      <a:r>
-                        <a:rPr lang="en-US" sz="1900" u="none" strike="noStrike" cap="none"/>
-                        <a:t>Improving performance</a:t>
-                      </a:r>
-                      <a:endParaRPr/>
-                    </a:p>
-                  </a:txBody>
-                  <a:tcPr marL="121925" marR="121925" marT="60950" marB="60950"/>
-                </a:tc>
-                <a:tc>
-                  <a:txBody>
-                    <a:bodyPr/>
-                    <a:lstStyle/>
-                    <a:p>
-                      <a:pPr marL="0" marR="0" lvl="0" indent="0" algn="l" rtl="0">
-                        <a:lnSpc>
-                          <a:spcPct val="100000"/>
-                        </a:lnSpc>
-                        <a:spcBef>
-                          <a:spcPts val="0"/>
-                        </a:spcBef>
-                        <a:spcAft>
-                          <a:spcPts val="0"/>
-                        </a:spcAft>
-                        <a:buNone/>
-                      </a:pPr>
-                      <a:r>
-                        <a:rPr lang="en-US" sz="1900" u="none" strike="noStrike" cap="none"/>
-                        <a:t>Action-</a:t>
-                      </a:r>
-                      <a:endParaRPr/>
-                    </a:p>
-                    <a:p>
-                      <a:pPr marL="0" marR="0" lvl="0" indent="0" algn="l" rtl="0">
-                        <a:lnSpc>
-                          <a:spcPct val="100000"/>
-                        </a:lnSpc>
-                        <a:spcBef>
-                          <a:spcPts val="0"/>
-                        </a:spcBef>
-                        <a:spcAft>
-                          <a:spcPts val="0"/>
-                        </a:spcAft>
-                        <a:buNone/>
-                      </a:pPr>
-                      <a:r>
-                        <a:rPr lang="en-US" sz="1900" u="none" strike="noStrike" cap="none"/>
-                        <a:t>taker</a:t>
-                      </a:r>
-                      <a:endParaRPr/>
-                    </a:p>
-                  </a:txBody>
-                  <a:tcPr marL="121925" marR="121925" marT="60950" marB="60950"/>
-                </a:tc>
-                <a:tc>
-                  <a:txBody>
-                    <a:bodyPr/>
-                    <a:lstStyle/>
-                    <a:p>
-                      <a:pPr marL="0" marR="0" lvl="0" indent="0" algn="l" rtl="0">
-                        <a:lnSpc>
-                          <a:spcPct val="100000"/>
-                        </a:lnSpc>
-                        <a:spcBef>
-                          <a:spcPts val="0"/>
-                        </a:spcBef>
-                        <a:spcAft>
-                          <a:spcPts val="0"/>
-                        </a:spcAft>
-                        <a:buNone/>
-                      </a:pPr>
-                      <a:r>
-                        <a:rPr lang="en-US" sz="1900" u="none" strike="noStrike" cap="none"/>
-                        <a:t>Decide to agree or override</a:t>
-                      </a:r>
-                      <a:endParaRPr/>
-                    </a:p>
-                  </a:txBody>
-                  <a:tcPr marL="121925" marR="121925" marT="60950" marB="60950"/>
-                </a:tc>
-                <a:tc>
-                  <a:txBody>
-                    <a:bodyPr/>
-                    <a:lstStyle/>
-                    <a:p>
-                      <a:pPr marL="0" marR="0" lvl="0" indent="0" algn="l" rtl="0">
-                        <a:lnSpc>
-                          <a:spcPct val="100000"/>
-                        </a:lnSpc>
-                        <a:spcBef>
-                          <a:spcPts val="0"/>
-                        </a:spcBef>
-                        <a:spcAft>
-                          <a:spcPts val="0"/>
-                        </a:spcAft>
-                        <a:buNone/>
-                      </a:pPr>
-                      <a:r>
-                        <a:rPr lang="en-US" sz="1900" u="none" strike="noStrike" cap="none"/>
-                        <a:t>Local</a:t>
-                      </a:r>
-                      <a:endParaRPr/>
-                    </a:p>
-                  </a:txBody>
-                  <a:tcPr marL="121925" marR="121925" marT="60950" marB="60950"/>
-                </a:tc>
-                <a:extLst>
-                  <a:ext uri="{0D108BD9-81ED-4DB2-BD59-A6C34878D82A}">
-                    <a16:rowId xmlns:a16="http://schemas.microsoft.com/office/drawing/2014/main" val="10002"/>
-                  </a:ext>
-                </a:extLst>
-              </a:tr>
-              <a:tr h="494450">
-                <a:tc>
-                  <a:txBody>
-                    <a:bodyPr/>
-                    <a:lstStyle/>
-                    <a:p>
-                      <a:pPr marL="0" marR="0" lvl="0" indent="0" algn="l" rtl="0">
-                        <a:lnSpc>
-                          <a:spcPct val="100000"/>
-                        </a:lnSpc>
-                        <a:spcBef>
-                          <a:spcPts val="0"/>
-                        </a:spcBef>
-                        <a:spcAft>
-                          <a:spcPts val="0"/>
-                        </a:spcAft>
-                        <a:buNone/>
-                      </a:pPr>
-                      <a:r>
-                        <a:rPr lang="en-US" sz="1900" u="none" strike="noStrike" cap="none"/>
-                        <a:t>Trust</a:t>
-                      </a:r>
-                      <a:endParaRPr/>
-                    </a:p>
-                  </a:txBody>
-                  <a:tcPr marL="121925" marR="121925" marT="60950" marB="60950"/>
-                </a:tc>
-                <a:tc>
-                  <a:txBody>
-                    <a:bodyPr/>
-                    <a:lstStyle/>
-                    <a:p>
-                      <a:pPr marL="0" marR="0" lvl="0" indent="0" algn="l" rtl="0">
-                        <a:lnSpc>
-                          <a:spcPct val="100000"/>
-                        </a:lnSpc>
-                        <a:spcBef>
-                          <a:spcPts val="0"/>
-                        </a:spcBef>
-                        <a:spcAft>
-                          <a:spcPts val="0"/>
-                        </a:spcAft>
-                        <a:buNone/>
-                      </a:pPr>
-                      <a:r>
-                        <a:rPr lang="en-US" sz="1900" u="none" strike="noStrike" cap="none"/>
-                        <a:t>Policymaker/Action-Taker</a:t>
-                      </a:r>
-                      <a:endParaRPr/>
-                    </a:p>
-                  </a:txBody>
-                  <a:tcPr marL="121925" marR="121925" marT="60950" marB="60950"/>
-                </a:tc>
-                <a:tc>
-                  <a:txBody>
-                    <a:bodyPr/>
-                    <a:lstStyle/>
-                    <a:p>
-                      <a:pPr marL="0" marR="0" lvl="0" indent="0" algn="l" rtl="0">
-                        <a:lnSpc>
-                          <a:spcPct val="100000"/>
-                        </a:lnSpc>
-                        <a:spcBef>
-                          <a:spcPts val="0"/>
-                        </a:spcBef>
-                        <a:spcAft>
-                          <a:spcPts val="0"/>
-                        </a:spcAft>
-                        <a:buNone/>
-                      </a:pPr>
-                      <a:r>
-                        <a:rPr lang="en-US" sz="1900"/>
-                        <a:t>Model use =&gt; better outcomes</a:t>
-                      </a:r>
-                      <a:endParaRPr sz="1900" u="none" strike="noStrike" cap="none"/>
-                    </a:p>
-                  </a:txBody>
-                  <a:tcPr marL="121925" marR="121925" marT="60950" marB="60950"/>
-                </a:tc>
-                <a:tc>
-                  <a:txBody>
-                    <a:bodyPr/>
-                    <a:lstStyle/>
-                    <a:p>
-                      <a:pPr marL="0" marR="0" lvl="0" indent="0" algn="l" rtl="0">
-                        <a:lnSpc>
-                          <a:spcPct val="100000"/>
-                        </a:lnSpc>
-                        <a:spcBef>
-                          <a:spcPts val="0"/>
-                        </a:spcBef>
-                        <a:spcAft>
-                          <a:spcPts val="0"/>
-                        </a:spcAft>
-                        <a:buNone/>
-                      </a:pPr>
-                      <a:r>
-                        <a:rPr lang="en-US" sz="1900" u="none" strike="noStrike" cap="none"/>
-                        <a:t>Both</a:t>
-                      </a:r>
-                      <a:endParaRPr/>
-                    </a:p>
-                  </a:txBody>
-                  <a:tcPr marL="121925" marR="121925" marT="60950" marB="60950"/>
-                </a:tc>
-                <a:extLst>
-                  <a:ext uri="{0D108BD9-81ED-4DB2-BD59-A6C34878D82A}">
-                    <a16:rowId xmlns:a16="http://schemas.microsoft.com/office/drawing/2014/main" val="10003"/>
-                  </a:ext>
-                </a:extLst>
-              </a:tr>
-              <a:tr h="494450">
-                <a:tc>
-                  <a:txBody>
-                    <a:bodyPr/>
-                    <a:lstStyle/>
-                    <a:p>
-                      <a:pPr marL="0" marR="0" lvl="0" indent="0" algn="l" rtl="0">
-                        <a:lnSpc>
-                          <a:spcPct val="100000"/>
-                        </a:lnSpc>
-                        <a:spcBef>
-                          <a:spcPts val="0"/>
-                        </a:spcBef>
-                        <a:spcAft>
-                          <a:spcPts val="0"/>
-                        </a:spcAft>
-                        <a:buNone/>
-                      </a:pPr>
-                      <a:r>
-                        <a:rPr lang="en-US" sz="1900" u="none" strike="noStrike" cap="none"/>
-                        <a:t>Interventions</a:t>
-                      </a:r>
-                      <a:endParaRPr/>
-                    </a:p>
-                  </a:txBody>
-                  <a:tcPr marL="121925" marR="121925" marT="60950" marB="60950"/>
-                </a:tc>
-                <a:tc>
-                  <a:txBody>
-                    <a:bodyPr/>
-                    <a:lstStyle/>
-                    <a:p>
-                      <a:pPr marL="0" marR="0" lvl="0" indent="0" algn="l" rtl="0">
-                        <a:lnSpc>
-                          <a:spcPct val="100000"/>
-                        </a:lnSpc>
-                        <a:spcBef>
-                          <a:spcPts val="0"/>
-                        </a:spcBef>
-                        <a:spcAft>
-                          <a:spcPts val="0"/>
-                        </a:spcAft>
-                        <a:buNone/>
-                      </a:pPr>
-                      <a:r>
-                        <a:rPr lang="en-US" sz="1900" u="none" strike="noStrike" cap="none"/>
-                        <a:t>Action-Taker</a:t>
-                      </a:r>
-                      <a:endParaRPr/>
-                    </a:p>
-                  </a:txBody>
-                  <a:tcPr marL="121925" marR="121925" marT="60950" marB="60950"/>
-                </a:tc>
-                <a:tc>
-                  <a:txBody>
-                    <a:bodyPr/>
-                    <a:lstStyle/>
-                    <a:p>
-                      <a:pPr marL="0" marR="0" lvl="0" indent="0" algn="l" rtl="0">
-                        <a:lnSpc>
-                          <a:spcPct val="100000"/>
-                        </a:lnSpc>
-                        <a:spcBef>
-                          <a:spcPts val="0"/>
-                        </a:spcBef>
-                        <a:spcAft>
-                          <a:spcPts val="0"/>
-                        </a:spcAft>
-                        <a:buNone/>
-                      </a:pPr>
-                      <a:r>
-                        <a:rPr lang="en-US" sz="1900"/>
-                        <a:t>Improve outcomes</a:t>
-                      </a:r>
-                      <a:endParaRPr sz="1900" u="none" strike="noStrike" cap="none"/>
-                    </a:p>
-                  </a:txBody>
-                  <a:tcPr marL="121925" marR="121925" marT="60950" marB="60950"/>
-                </a:tc>
-                <a:tc>
-                  <a:txBody>
-                    <a:bodyPr/>
-                    <a:lstStyle/>
-                    <a:p>
-                      <a:pPr marL="0" marR="0" lvl="0" indent="0" algn="l" rtl="0">
-                        <a:lnSpc>
-                          <a:spcPct val="100000"/>
-                        </a:lnSpc>
-                        <a:spcBef>
-                          <a:spcPts val="0"/>
-                        </a:spcBef>
-                        <a:spcAft>
-                          <a:spcPts val="0"/>
-                        </a:spcAft>
-                        <a:buNone/>
-                      </a:pPr>
-                      <a:r>
-                        <a:rPr lang="en-US" sz="1900" u="none" strike="noStrike" cap="none"/>
-                        <a:t>Local</a:t>
-                      </a:r>
-                      <a:endParaRPr/>
-                    </a:p>
-                  </a:txBody>
-                  <a:tcPr marL="121925" marR="121925" marT="60950" marB="60950"/>
-                </a:tc>
-                <a:extLst>
-                  <a:ext uri="{0D108BD9-81ED-4DB2-BD59-A6C34878D82A}">
-                    <a16:rowId xmlns:a16="http://schemas.microsoft.com/office/drawing/2014/main" val="10004"/>
-                  </a:ext>
-                </a:extLst>
-              </a:tr>
-              <a:tr h="494450">
-                <a:tc>
-                  <a:txBody>
-                    <a:bodyPr/>
-                    <a:lstStyle/>
-                    <a:p>
-                      <a:pPr marL="0" marR="0" lvl="0" indent="0" algn="l" rtl="0">
-                        <a:lnSpc>
-                          <a:spcPct val="100000"/>
-                        </a:lnSpc>
-                        <a:spcBef>
-                          <a:spcPts val="0"/>
-                        </a:spcBef>
-                        <a:spcAft>
-                          <a:spcPts val="0"/>
-                        </a:spcAft>
-                        <a:buNone/>
-                      </a:pPr>
-                      <a:r>
-                        <a:rPr lang="en-US" sz="1900" u="none" strike="noStrike" cap="none"/>
-                        <a:t>Recourse</a:t>
-                      </a:r>
-                      <a:endParaRPr/>
-                    </a:p>
-                  </a:txBody>
-                  <a:tcPr marL="121925" marR="121925" marT="60950" marB="60950"/>
-                </a:tc>
-                <a:tc>
-                  <a:txBody>
-                    <a:bodyPr/>
-                    <a:lstStyle/>
-                    <a:p>
-                      <a:pPr marL="0" marR="0" lvl="0" indent="0" algn="l" rtl="0">
-                        <a:lnSpc>
-                          <a:spcPct val="100000"/>
-                        </a:lnSpc>
-                        <a:spcBef>
-                          <a:spcPts val="0"/>
-                        </a:spcBef>
-                        <a:spcAft>
-                          <a:spcPts val="0"/>
-                        </a:spcAft>
-                        <a:buNone/>
-                      </a:pPr>
-                      <a:r>
-                        <a:rPr lang="en-US" sz="1900" u="none" strike="noStrike" cap="none"/>
-                        <a:t>Individual affected</a:t>
-                      </a:r>
-                      <a:endParaRPr/>
-                    </a:p>
-                  </a:txBody>
-                  <a:tcPr marL="121925" marR="121925" marT="60950" marB="60950"/>
-                </a:tc>
-                <a:tc>
-                  <a:txBody>
-                    <a:bodyPr/>
-                    <a:lstStyle/>
-                    <a:p>
-                      <a:pPr marL="0" marR="0" lvl="0" indent="0" algn="l" rtl="0">
-                        <a:lnSpc>
-                          <a:spcPct val="100000"/>
-                        </a:lnSpc>
-                        <a:spcBef>
-                          <a:spcPts val="0"/>
-                        </a:spcBef>
-                        <a:spcAft>
-                          <a:spcPts val="0"/>
-                        </a:spcAft>
-                        <a:buNone/>
-                      </a:pPr>
-                      <a:r>
-                        <a:rPr lang="en-US" sz="1900" u="none" strike="noStrike" cap="none"/>
-                        <a:t>Recourse</a:t>
-                      </a:r>
-                      <a:endParaRPr/>
-                    </a:p>
-                  </a:txBody>
-                  <a:tcPr marL="121925" marR="121925" marT="60950" marB="60950"/>
-                </a:tc>
-                <a:tc>
-                  <a:txBody>
-                    <a:bodyPr/>
-                    <a:lstStyle/>
-                    <a:p>
-                      <a:pPr marL="0" marR="0" lvl="0" indent="0" algn="l" rtl="0">
-                        <a:lnSpc>
-                          <a:spcPct val="100000"/>
-                        </a:lnSpc>
-                        <a:spcBef>
-                          <a:spcPts val="0"/>
-                        </a:spcBef>
-                        <a:spcAft>
-                          <a:spcPts val="0"/>
-                        </a:spcAft>
-                        <a:buNone/>
-                      </a:pPr>
-                      <a:r>
-                        <a:rPr lang="en-US" sz="1900" u="none" strike="noStrike" cap="none"/>
-                        <a:t>Local</a:t>
-                      </a:r>
-                      <a:endParaRPr/>
-                    </a:p>
-                  </a:txBody>
-                  <a:tcPr marL="121925" marR="121925" marT="60950" marB="60950"/>
-                </a:tc>
-                <a:extLst>
-                  <a:ext uri="{0D108BD9-81ED-4DB2-BD59-A6C34878D82A}">
-                    <a16:rowId xmlns:a16="http://schemas.microsoft.com/office/drawing/2014/main" val="10005"/>
-                  </a:ext>
-                </a:extLst>
-              </a:tr>
-            </a:tbl>
-          </a:graphicData>
-        </a:graphic>
-      </p:graphicFrame>
-    </p:spTree>
-  </p:cSld>
-  <p:clrMapOvr>
-    <a:masterClrMapping/>
-  </p:clrMapOvr>
-</p:sld>
-</file>
-
 <file path=ppt/theme/theme1.xml><?xml version="1.0" encoding="utf-8"?>
 <a:theme xmlns:a="http://schemas.openxmlformats.org/drawingml/2006/main" name="Simple Light">
   <a:themeElements>

--- a/Lectures/16-interpretability-part-1.pptx
+++ b/Lectures/16-interpretability-part-1.pptx
@@ -275,7 +275,7 @@
       <p15:sldGuideLst xmlns:p15="http://schemas.microsoft.com/office/powerpoint/2012/main"/>
     </p:ext>
     <p:ext uri="http://customooxmlschemas.google.com/">
-      <go:slidesCustomData xmlns:go="http://customooxmlschemas.google.com/" xmlns:p15="http://schemas.microsoft.com/office/powerpoint/2012/main" xmlns:p14="http://schemas.microsoft.com/office/powerpoint/2010/main" xmlns:com="http://schemas.openxmlformats.org/drawingml/2006/compatibility" xmlns:pvml="urn:schemas-microsoft-com:office:powerpoint" xmlns:v="urn:schemas-microsoft-com:vml" xmlns:o="urn:schemas-microsoft-com:office:office" xmlns:dgm="http://schemas.openxmlformats.org/drawingml/2006/diagram" xmlns:c="http://schemas.openxmlformats.org/drawingml/2006/chart" xmlns:mv="urn:schemas-microsoft-com:mac:vml" xmlns:mc="http://schemas.openxmlformats.org/markup-compatibility/2006" xmlns="" r:id="rId33" roundtripDataSignature="AMtx7mhE+28Dr6x2pr2JNXfuZKhsL7KtRg=="/>
+      <go:slidesCustomData xmlns="" xmlns:mc="http://schemas.openxmlformats.org/markup-compatibility/2006" xmlns:mv="urn:schemas-microsoft-com:mac:vml" xmlns:c="http://schemas.openxmlformats.org/drawingml/2006/chart" xmlns:dgm="http://schemas.openxmlformats.org/drawingml/2006/diagram" xmlns:o="urn:schemas-microsoft-com:office:office" xmlns:v="urn:schemas-microsoft-com:vml" xmlns:pvml="urn:schemas-microsoft-com:office:powerpoint" xmlns:com="http://schemas.openxmlformats.org/drawingml/2006/compatibility" xmlns:p14="http://schemas.microsoft.com/office/powerpoint/2010/main" xmlns:p15="http://schemas.microsoft.com/office/powerpoint/2012/main" xmlns:go="http://customooxmlschemas.google.com/" r:id="rId33" roundtripDataSignature="AMtx7mhE+28Dr6x2pr2JNXfuZKhsL7KtRg=="/>
     </p:ext>
   </p:extLst>
 </p:presentation>
@@ -20960,6 +20960,20 @@
               <a:t>)</a:t>
             </a:r>
           </a:p>
+          <a:p>
+            <a:r>
+              <a:rPr lang="en-US" dirty="0"/>
+              <a:t>Final Report (Dec 14</a:t>
+            </a:r>
+            <a:r>
+              <a:rPr lang="en-US" baseline="30000" dirty="0"/>
+              <a:t>th</a:t>
+            </a:r>
+            <a:r>
+              <a:rPr lang="en-US" dirty="0"/>
+              <a:t>)</a:t>
+            </a:r>
+          </a:p>
         </p:txBody>
       </p:sp>
     </p:spTree>
